--- a/The Basics of R.pptx
+++ b/The Basics of R.pptx
@@ -5,7 +5,7 @@
     <p:sldMasterId id="2147483648" r:id="rId1"/>
   </p:sldMasterIdLst>
   <p:notesMasterIdLst>
-    <p:notesMasterId r:id="rId67"/>
+    <p:notesMasterId r:id="rId70"/>
   </p:notesMasterIdLst>
   <p:sldIdLst>
     <p:sldId id="256" r:id="rId2"/>
@@ -23,56 +23,59 @@
     <p:sldId id="262" r:id="rId14"/>
     <p:sldId id="300" r:id="rId15"/>
     <p:sldId id="301" r:id="rId16"/>
-    <p:sldId id="302" r:id="rId17"/>
-    <p:sldId id="306" r:id="rId18"/>
+    <p:sldId id="321" r:id="rId17"/>
+    <p:sldId id="302" r:id="rId18"/>
     <p:sldId id="260" r:id="rId19"/>
     <p:sldId id="299" r:id="rId20"/>
     <p:sldId id="286" r:id="rId21"/>
-    <p:sldId id="317" r:id="rId22"/>
-    <p:sldId id="268" r:id="rId23"/>
-    <p:sldId id="263" r:id="rId24"/>
-    <p:sldId id="264" r:id="rId25"/>
-    <p:sldId id="303" r:id="rId26"/>
-    <p:sldId id="265" r:id="rId27"/>
-    <p:sldId id="280" r:id="rId28"/>
-    <p:sldId id="269" r:id="rId29"/>
-    <p:sldId id="304" r:id="rId30"/>
-    <p:sldId id="305" r:id="rId31"/>
-    <p:sldId id="309" r:id="rId32"/>
-    <p:sldId id="310" r:id="rId33"/>
-    <p:sldId id="312" r:id="rId34"/>
-    <p:sldId id="319" r:id="rId35"/>
-    <p:sldId id="308" r:id="rId36"/>
-    <p:sldId id="273" r:id="rId37"/>
-    <p:sldId id="307" r:id="rId38"/>
-    <p:sldId id="316" r:id="rId39"/>
-    <p:sldId id="272" r:id="rId40"/>
-    <p:sldId id="274" r:id="rId41"/>
-    <p:sldId id="275" r:id="rId42"/>
-    <p:sldId id="287" r:id="rId43"/>
-    <p:sldId id="288" r:id="rId44"/>
-    <p:sldId id="320" r:id="rId45"/>
-    <p:sldId id="276" r:id="rId46"/>
-    <p:sldId id="296" r:id="rId47"/>
-    <p:sldId id="295" r:id="rId48"/>
-    <p:sldId id="278" r:id="rId49"/>
-    <p:sldId id="289" r:id="rId50"/>
-    <p:sldId id="290" r:id="rId51"/>
-    <p:sldId id="291" r:id="rId52"/>
-    <p:sldId id="292" r:id="rId53"/>
-    <p:sldId id="293" r:id="rId54"/>
-    <p:sldId id="283" r:id="rId55"/>
-    <p:sldId id="258" r:id="rId56"/>
-    <p:sldId id="279" r:id="rId57"/>
-    <p:sldId id="284" r:id="rId58"/>
-    <p:sldId id="285" r:id="rId59"/>
-    <p:sldId id="271" r:id="rId60"/>
-    <p:sldId id="277" r:id="rId61"/>
-    <p:sldId id="270" r:id="rId62"/>
-    <p:sldId id="281" r:id="rId63"/>
-    <p:sldId id="314" r:id="rId64"/>
-    <p:sldId id="294" r:id="rId65"/>
-    <p:sldId id="282" r:id="rId66"/>
+    <p:sldId id="268" r:id="rId22"/>
+    <p:sldId id="263" r:id="rId23"/>
+    <p:sldId id="264" r:id="rId24"/>
+    <p:sldId id="303" r:id="rId25"/>
+    <p:sldId id="265" r:id="rId26"/>
+    <p:sldId id="280" r:id="rId27"/>
+    <p:sldId id="306" r:id="rId28"/>
+    <p:sldId id="323" r:id="rId29"/>
+    <p:sldId id="322" r:id="rId30"/>
+    <p:sldId id="324" r:id="rId31"/>
+    <p:sldId id="269" r:id="rId32"/>
+    <p:sldId id="304" r:id="rId33"/>
+    <p:sldId id="305" r:id="rId34"/>
+    <p:sldId id="309" r:id="rId35"/>
+    <p:sldId id="310" r:id="rId36"/>
+    <p:sldId id="312" r:id="rId37"/>
+    <p:sldId id="319" r:id="rId38"/>
+    <p:sldId id="308" r:id="rId39"/>
+    <p:sldId id="273" r:id="rId40"/>
+    <p:sldId id="307" r:id="rId41"/>
+    <p:sldId id="316" r:id="rId42"/>
+    <p:sldId id="272" r:id="rId43"/>
+    <p:sldId id="274" r:id="rId44"/>
+    <p:sldId id="275" r:id="rId45"/>
+    <p:sldId id="287" r:id="rId46"/>
+    <p:sldId id="288" r:id="rId47"/>
+    <p:sldId id="320" r:id="rId48"/>
+    <p:sldId id="276" r:id="rId49"/>
+    <p:sldId id="296" r:id="rId50"/>
+    <p:sldId id="295" r:id="rId51"/>
+    <p:sldId id="278" r:id="rId52"/>
+    <p:sldId id="289" r:id="rId53"/>
+    <p:sldId id="290" r:id="rId54"/>
+    <p:sldId id="291" r:id="rId55"/>
+    <p:sldId id="292" r:id="rId56"/>
+    <p:sldId id="293" r:id="rId57"/>
+    <p:sldId id="283" r:id="rId58"/>
+    <p:sldId id="258" r:id="rId59"/>
+    <p:sldId id="279" r:id="rId60"/>
+    <p:sldId id="284" r:id="rId61"/>
+    <p:sldId id="285" r:id="rId62"/>
+    <p:sldId id="271" r:id="rId63"/>
+    <p:sldId id="277" r:id="rId64"/>
+    <p:sldId id="270" r:id="rId65"/>
+    <p:sldId id="281" r:id="rId66"/>
+    <p:sldId id="314" r:id="rId67"/>
+    <p:sldId id="294" r:id="rId68"/>
+    <p:sldId id="282" r:id="rId69"/>
   </p:sldIdLst>
   <p:sldSz cx="12192000" cy="6858000"/>
   <p:notesSz cx="6858000" cy="9144000"/>
@@ -261,7 +264,7 @@
           <a:p>
             <a:fld id="{36505B13-97C9-4A12-A8D0-A70B85AC1843}" type="datetimeFigureOut">
               <a:rPr lang="en-US" smtClean="0"/>
-              <a:t>8/5/2020</a:t>
+              <a:t>8/7/2020</a:t>
             </a:fld>
             <a:endParaRPr lang="en-US"/>
           </a:p>
@@ -691,7 +694,7 @@
           <a:p>
             <a:fld id="{AD86E2D3-8F12-4CB7-B6F3-018CFC08298B}" type="slidenum">
               <a:rPr lang="en-US" smtClean="0"/>
-              <a:t>48</a:t>
+              <a:t>51</a:t>
             </a:fld>
             <a:endParaRPr lang="en-US"/>
           </a:p>
@@ -1322,7 +1325,7 @@
           <a:p>
             <a:fld id="{AD86E2D3-8F12-4CB7-B6F3-018CFC08298B}" type="slidenum">
               <a:rPr lang="en-US" smtClean="0"/>
-              <a:t>16</a:t>
+              <a:t>17</a:t>
             </a:fld>
             <a:endParaRPr lang="en-US"/>
           </a:p>
@@ -1787,7 +1790,7 @@
           <a:p>
             <a:fld id="{AD86E2D3-8F12-4CB7-B6F3-018CFC08298B}" type="slidenum">
               <a:rPr lang="en-US" smtClean="0"/>
-              <a:t>47</a:t>
+              <a:t>50</a:t>
             </a:fld>
             <a:endParaRPr lang="en-US"/>
           </a:p>
@@ -1953,7 +1956,7 @@
           <a:p>
             <a:fld id="{5B0B5C71-C3A7-4A7F-8239-2AC5941B030D}" type="datetimeFigureOut">
               <a:rPr lang="en-US" smtClean="0"/>
-              <a:t>8/5/2020</a:t>
+              <a:t>8/7/2020</a:t>
             </a:fld>
             <a:endParaRPr lang="en-US"/>
           </a:p>
@@ -2151,7 +2154,7 @@
           <a:p>
             <a:fld id="{5B0B5C71-C3A7-4A7F-8239-2AC5941B030D}" type="datetimeFigureOut">
               <a:rPr lang="en-US" smtClean="0"/>
-              <a:t>8/5/2020</a:t>
+              <a:t>8/7/2020</a:t>
             </a:fld>
             <a:endParaRPr lang="en-US"/>
           </a:p>
@@ -2359,7 +2362,7 @@
           <a:p>
             <a:fld id="{5B0B5C71-C3A7-4A7F-8239-2AC5941B030D}" type="datetimeFigureOut">
               <a:rPr lang="en-US" smtClean="0"/>
-              <a:t>8/5/2020</a:t>
+              <a:t>8/7/2020</a:t>
             </a:fld>
             <a:endParaRPr lang="en-US"/>
           </a:p>
@@ -2557,7 +2560,7 @@
           <a:p>
             <a:fld id="{5B0B5C71-C3A7-4A7F-8239-2AC5941B030D}" type="datetimeFigureOut">
               <a:rPr lang="en-US" smtClean="0"/>
-              <a:t>8/5/2020</a:t>
+              <a:t>8/7/2020</a:t>
             </a:fld>
             <a:endParaRPr lang="en-US"/>
           </a:p>
@@ -2832,7 +2835,7 @@
           <a:p>
             <a:fld id="{5B0B5C71-C3A7-4A7F-8239-2AC5941B030D}" type="datetimeFigureOut">
               <a:rPr lang="en-US" smtClean="0"/>
-              <a:t>8/5/2020</a:t>
+              <a:t>8/7/2020</a:t>
             </a:fld>
             <a:endParaRPr lang="en-US"/>
           </a:p>
@@ -3097,7 +3100,7 @@
           <a:p>
             <a:fld id="{5B0B5C71-C3A7-4A7F-8239-2AC5941B030D}" type="datetimeFigureOut">
               <a:rPr lang="en-US" smtClean="0"/>
-              <a:t>8/5/2020</a:t>
+              <a:t>8/7/2020</a:t>
             </a:fld>
             <a:endParaRPr lang="en-US"/>
           </a:p>
@@ -3509,7 +3512,7 @@
           <a:p>
             <a:fld id="{5B0B5C71-C3A7-4A7F-8239-2AC5941B030D}" type="datetimeFigureOut">
               <a:rPr lang="en-US" smtClean="0"/>
-              <a:t>8/5/2020</a:t>
+              <a:t>8/7/2020</a:t>
             </a:fld>
             <a:endParaRPr lang="en-US"/>
           </a:p>
@@ -3650,7 +3653,7 @@
           <a:p>
             <a:fld id="{5B0B5C71-C3A7-4A7F-8239-2AC5941B030D}" type="datetimeFigureOut">
               <a:rPr lang="en-US" smtClean="0"/>
-              <a:t>8/5/2020</a:t>
+              <a:t>8/7/2020</a:t>
             </a:fld>
             <a:endParaRPr lang="en-US"/>
           </a:p>
@@ -3763,7 +3766,7 @@
           <a:p>
             <a:fld id="{5B0B5C71-C3A7-4A7F-8239-2AC5941B030D}" type="datetimeFigureOut">
               <a:rPr lang="en-US" smtClean="0"/>
-              <a:t>8/5/2020</a:t>
+              <a:t>8/7/2020</a:t>
             </a:fld>
             <a:endParaRPr lang="en-US"/>
           </a:p>
@@ -4074,7 +4077,7 @@
           <a:p>
             <a:fld id="{5B0B5C71-C3A7-4A7F-8239-2AC5941B030D}" type="datetimeFigureOut">
               <a:rPr lang="en-US" smtClean="0"/>
-              <a:t>8/5/2020</a:t>
+              <a:t>8/7/2020</a:t>
             </a:fld>
             <a:endParaRPr lang="en-US"/>
           </a:p>
@@ -4362,7 +4365,7 @@
           <a:p>
             <a:fld id="{5B0B5C71-C3A7-4A7F-8239-2AC5941B030D}" type="datetimeFigureOut">
               <a:rPr lang="en-US" smtClean="0"/>
-              <a:t>8/5/2020</a:t>
+              <a:t>8/7/2020</a:t>
             </a:fld>
             <a:endParaRPr lang="en-US"/>
           </a:p>
@@ -4603,7 +4606,7 @@
           <a:p>
             <a:fld id="{5B0B5C71-C3A7-4A7F-8239-2AC5941B030D}" type="datetimeFigureOut">
               <a:rPr lang="en-US" smtClean="0"/>
-              <a:t>8/5/2020</a:t>
+              <a:t>8/7/2020</a:t>
             </a:fld>
             <a:endParaRPr lang="en-US"/>
           </a:p>
@@ -6160,6 +6163,187 @@
           <p:cNvPr id="2" name="Title 1">
             <a:extLst>
               <a:ext uri="{FF2B5EF4-FFF2-40B4-BE49-F238E27FC236}">
+                <a16:creationId xmlns:a16="http://schemas.microsoft.com/office/drawing/2014/main" id="{F4619A31-5332-490F-97B4-64052D1A5902}"/>
+              </a:ext>
+            </a:extLst>
+          </p:cNvPr>
+          <p:cNvSpPr>
+            <a:spLocks noGrp="1"/>
+          </p:cNvSpPr>
+          <p:nvPr>
+            <p:ph type="title"/>
+          </p:nvPr>
+        </p:nvSpPr>
+        <p:spPr/>
+        <p:txBody>
+          <a:bodyPr/>
+          <a:lstStyle/>
+          <a:p>
+            <a:r>
+              <a:rPr lang="en-US" dirty="0"/>
+              <a:t>Your turn!</a:t>
+            </a:r>
+          </a:p>
+        </p:txBody>
+      </p:sp>
+      <p:sp>
+        <p:nvSpPr>
+          <p:cNvPr id="3" name="Content Placeholder 2">
+            <a:extLst>
+              <a:ext uri="{FF2B5EF4-FFF2-40B4-BE49-F238E27FC236}">
+                <a16:creationId xmlns:a16="http://schemas.microsoft.com/office/drawing/2014/main" id="{5978377A-E30C-455C-B887-5A6CFF8FED32}"/>
+              </a:ext>
+            </a:extLst>
+          </p:cNvPr>
+          <p:cNvSpPr>
+            <a:spLocks noGrp="1"/>
+          </p:cNvSpPr>
+          <p:nvPr>
+            <p:ph idx="1"/>
+          </p:nvPr>
+        </p:nvSpPr>
+        <p:spPr/>
+        <p:txBody>
+          <a:bodyPr/>
+          <a:lstStyle/>
+          <a:p>
+            <a:r>
+              <a:rPr lang="en-US" dirty="0"/>
+              <a:t>Let’s review some of the concepts we just learned!</a:t>
+            </a:r>
+          </a:p>
+          <a:p>
+            <a:r>
+              <a:rPr lang="en-US" dirty="0"/>
+              <a:t>Don’t worry about making mistakes</a:t>
+            </a:r>
+          </a:p>
+          <a:p>
+            <a:r>
+              <a:rPr lang="en-US" dirty="0"/>
+              <a:t>Read the comments THEN run the line (“Run” or </a:t>
+            </a:r>
+            <a:r>
+              <a:rPr lang="en-US" dirty="0" err="1"/>
+              <a:t>ctrl+Enter</a:t>
+            </a:r>
+            <a:r>
+              <a:rPr lang="en-US" dirty="0"/>
+              <a:t>)</a:t>
+            </a:r>
+          </a:p>
+          <a:p>
+            <a:r>
+              <a:rPr lang="en-US" dirty="0"/>
+              <a:t>Go slow, this isn’t a race</a:t>
+            </a:r>
+          </a:p>
+          <a:p>
+            <a:r>
+              <a:rPr lang="en-US" dirty="0"/>
+              <a:t>Ask yourself </a:t>
+            </a:r>
+            <a:r>
+              <a:rPr lang="en-US" i="1" dirty="0"/>
+              <a:t>why </a:t>
+            </a:r>
+            <a:r>
+              <a:rPr lang="en-US" dirty="0"/>
+              <a:t>something works or fails</a:t>
+            </a:r>
+          </a:p>
+        </p:txBody>
+      </p:sp>
+      <p:sp>
+        <p:nvSpPr>
+          <p:cNvPr id="5" name="Rectangle 4">
+            <a:extLst>
+              <a:ext uri="{FF2B5EF4-FFF2-40B4-BE49-F238E27FC236}">
+                <a16:creationId xmlns:a16="http://schemas.microsoft.com/office/drawing/2014/main" id="{22B5E6FB-CEEF-4A60-9E63-53C131121623}"/>
+              </a:ext>
+            </a:extLst>
+          </p:cNvPr>
+          <p:cNvSpPr/>
+          <p:nvPr/>
+        </p:nvSpPr>
+        <p:spPr>
+          <a:xfrm rot="16200000">
+            <a:off x="-3099620" y="3099620"/>
+            <a:ext cx="6858000" cy="658760"/>
+          </a:xfrm>
+          <a:prstGeom prst="rect">
+            <a:avLst/>
+          </a:prstGeom>
+          <a:solidFill>
+            <a:srgbClr val="AB8DF7"/>
+          </a:solidFill>
+          <a:ln>
+            <a:noFill/>
+          </a:ln>
+        </p:spPr>
+        <p:style>
+          <a:lnRef idx="2">
+            <a:schemeClr val="accent1">
+              <a:shade val="50000"/>
+            </a:schemeClr>
+          </a:lnRef>
+          <a:fillRef idx="1">
+            <a:schemeClr val="accent1"/>
+          </a:fillRef>
+          <a:effectRef idx="0">
+            <a:schemeClr val="accent1"/>
+          </a:effectRef>
+          <a:fontRef idx="minor">
+            <a:schemeClr val="lt1"/>
+          </a:fontRef>
+        </p:style>
+        <p:txBody>
+          <a:bodyPr rtlCol="0" anchor="ctr"/>
+          <a:lstStyle/>
+          <a:p>
+            <a:r>
+              <a:rPr lang="en-US" sz="1600" i="1" dirty="0"/>
+              <a:t>RStudio</a:t>
+            </a:r>
+            <a:endParaRPr lang="en-US" i="1" dirty="0"/>
+          </a:p>
+        </p:txBody>
+      </p:sp>
+    </p:spTree>
+    <p:extLst>
+      <p:ext uri="{BB962C8B-B14F-4D97-AF65-F5344CB8AC3E}">
+        <p14:creationId xmlns:p14="http://schemas.microsoft.com/office/powerpoint/2010/main" val="3044662953"/>
+      </p:ext>
+    </p:extLst>
+  </p:cSld>
+  <p:clrMapOvr>
+    <a:masterClrMapping/>
+  </p:clrMapOvr>
+</p:sld>
+</file>
+
+<file path=ppt/slides/slide17.xml><?xml version="1.0" encoding="utf-8"?>
+<p:sld xmlns:a="http://schemas.openxmlformats.org/drawingml/2006/main" xmlns:r="http://schemas.openxmlformats.org/officeDocument/2006/relationships" xmlns:p="http://schemas.openxmlformats.org/presentationml/2006/main">
+  <p:cSld>
+    <p:spTree>
+      <p:nvGrpSpPr>
+        <p:cNvPr id="1" name=""/>
+        <p:cNvGrpSpPr/>
+        <p:nvPr/>
+      </p:nvGrpSpPr>
+      <p:grpSpPr>
+        <a:xfrm>
+          <a:off x="0" y="0"/>
+          <a:ext cx="0" cy="0"/>
+          <a:chOff x="0" y="0"/>
+          <a:chExt cx="0" cy="0"/>
+        </a:xfrm>
+      </p:grpSpPr>
+      <p:sp>
+        <p:nvSpPr>
+          <p:cNvPr id="2" name="Title 1">
+            <a:extLst>
+              <a:ext uri="{FF2B5EF4-FFF2-40B4-BE49-F238E27FC236}">
                 <a16:creationId xmlns:a16="http://schemas.microsoft.com/office/drawing/2014/main" id="{BCAC0D75-9D57-41EC-828C-9BA7C612722B}"/>
               </a:ext>
             </a:extLst>
@@ -6353,7 +6537,7 @@
 </p:sld>
 </file>
 
-<file path=ppt/slides/slide17.xml><?xml version="1.0" encoding="utf-8"?>
+<file path=ppt/slides/slide18.xml><?xml version="1.0" encoding="utf-8"?>
 <p:sld xmlns:a="http://schemas.openxmlformats.org/drawingml/2006/main" xmlns:r="http://schemas.openxmlformats.org/officeDocument/2006/relationships" xmlns:p="http://schemas.openxmlformats.org/presentationml/2006/main">
   <p:cSld>
     <p:spTree>
@@ -6375,7 +6559,7 @@
           <p:cNvPr id="2" name="Title 1">
             <a:extLst>
               <a:ext uri="{FF2B5EF4-FFF2-40B4-BE49-F238E27FC236}">
-                <a16:creationId xmlns:a16="http://schemas.microsoft.com/office/drawing/2014/main" id="{5AFB9FE3-8D19-4088-9F8F-CE700AE9DC87}"/>
+                <a16:creationId xmlns:a16="http://schemas.microsoft.com/office/drawing/2014/main" id="{54B4D406-3116-4B22-A957-DC07FA78EDD3}"/>
               </a:ext>
             </a:extLst>
           </p:cNvPr>
@@ -6393,7 +6577,7 @@
           <a:p>
             <a:r>
               <a:rPr lang="en-US" dirty="0"/>
-              <a:t>Packages</a:t>
+              <a:t>RStudio</a:t>
             </a:r>
           </a:p>
         </p:txBody>
@@ -6403,7 +6587,7 @@
           <p:cNvPr id="3" name="Content Placeholder 2">
             <a:extLst>
               <a:ext uri="{FF2B5EF4-FFF2-40B4-BE49-F238E27FC236}">
-                <a16:creationId xmlns:a16="http://schemas.microsoft.com/office/drawing/2014/main" id="{8E10FD0A-7DDF-417B-90FA-B1E06711258B}"/>
+                <a16:creationId xmlns:a16="http://schemas.microsoft.com/office/drawing/2014/main" id="{001A1F59-3E53-4B25-8126-1C01B9D98FCE}"/>
               </a:ext>
             </a:extLst>
           </p:cNvPr>
@@ -6414,143 +6598,40 @@
             <p:ph idx="1"/>
           </p:nvPr>
         </p:nvSpPr>
-        <p:spPr>
-          <a:xfrm>
-            <a:off x="838200" y="1825624"/>
-            <a:ext cx="10515600" cy="4947315"/>
-          </a:xfrm>
-        </p:spPr>
-        <p:txBody>
-          <a:bodyPr>
-            <a:normAutofit fontScale="92500" lnSpcReduction="10000"/>
-          </a:bodyPr>
-          <a:lstStyle/>
-          <a:p>
-            <a:r>
-              <a:rPr lang="en-US" dirty="0"/>
-              <a:t>A package is just a collection of new functions (commands) for us to use. If you’ve never used the package before install it to R by running </a:t>
-            </a:r>
-            <a:r>
-              <a:rPr lang="en-US" dirty="0" err="1"/>
-              <a:t>install.packages</a:t>
-            </a:r>
-            <a:r>
-              <a:rPr lang="en-US" dirty="0"/>
-              <a:t>(“</a:t>
-            </a:r>
-            <a:r>
-              <a:rPr lang="en-US" dirty="0" err="1"/>
-              <a:t>packagename</a:t>
-            </a:r>
-            <a:r>
-              <a:rPr lang="en-US" dirty="0"/>
-              <a:t>”). After this, you load it into R by running library(“</a:t>
-            </a:r>
-            <a:r>
-              <a:rPr lang="en-US" dirty="0" err="1"/>
-              <a:t>packagename</a:t>
-            </a:r>
-            <a:r>
-              <a:rPr lang="en-US" dirty="0"/>
-              <a:t>”). You’ll need to load your libraries every time you restart R, so add the libraries you’ll need for that specific script at the top. </a:t>
-            </a:r>
-          </a:p>
-          <a:p>
-            <a:r>
-              <a:rPr lang="en-US" dirty="0"/>
-              <a:t>Common packages are the </a:t>
-            </a:r>
-            <a:r>
-              <a:rPr lang="en-US" dirty="0" err="1"/>
-              <a:t>tidyverse</a:t>
-            </a:r>
-            <a:r>
-              <a:rPr lang="en-US" dirty="0"/>
-              <a:t> collection (more on this later!), </a:t>
+        <p:spPr/>
+        <p:txBody>
+          <a:bodyPr/>
+          <a:lstStyle/>
+          <a:p>
+            <a:r>
+              <a:rPr lang="en-US" dirty="0"/>
+              <a:t>RStudio is a popular program that runs on top of R</a:t>
             </a:r>
           </a:p>
           <a:p>
             <a:pPr lvl="1"/>
             <a:r>
-              <a:rPr lang="en-US" dirty="0" err="1"/>
-              <a:t>mgcv</a:t>
-            </a:r>
-            <a:r>
-              <a:rPr lang="en-US" dirty="0"/>
-              <a:t> or </a:t>
-            </a:r>
-            <a:r>
-              <a:rPr lang="en-US" dirty="0" err="1"/>
-              <a:t>nlme</a:t>
-            </a:r>
-            <a:r>
-              <a:rPr lang="en-US" dirty="0"/>
-              <a:t> for more advanced modeling, </a:t>
-            </a:r>
-          </a:p>
-          <a:p>
-            <a:pPr lvl="1"/>
-            <a:r>
-              <a:rPr lang="en-US" dirty="0" err="1"/>
-              <a:t>lubridate</a:t>
-            </a:r>
-            <a:r>
-              <a:rPr lang="en-US" dirty="0"/>
-              <a:t> for dealing with dates (get it?!), </a:t>
-            </a:r>
-          </a:p>
-          <a:p>
-            <a:pPr lvl="1"/>
-            <a:r>
-              <a:rPr lang="en-US" dirty="0"/>
-              <a:t>scales for dealing with ease of plotting axis scales, </a:t>
-            </a:r>
-          </a:p>
-          <a:p>
-            <a:pPr lvl="1"/>
-            <a:r>
-              <a:rPr lang="en-US" dirty="0" err="1"/>
-              <a:t>extrafont</a:t>
-            </a:r>
-            <a:r>
-              <a:rPr lang="en-US" dirty="0"/>
-              <a:t> for fonts other than default, </a:t>
-            </a:r>
-          </a:p>
-          <a:p>
-            <a:pPr lvl="1"/>
-            <a:r>
-              <a:rPr lang="en-US" dirty="0"/>
-              <a:t>here for relative filenames (if you share /rename file directories), </a:t>
-            </a:r>
-          </a:p>
-          <a:p>
-            <a:pPr lvl="1"/>
-            <a:r>
-              <a:rPr lang="en-US" dirty="0" err="1"/>
-              <a:t>cowplot</a:t>
-            </a:r>
-            <a:r>
-              <a:rPr lang="en-US" dirty="0"/>
-              <a:t> or patchwork for putting multiple plots together, </a:t>
-            </a:r>
-          </a:p>
-          <a:p>
-            <a:pPr lvl="1"/>
-            <a:r>
-              <a:rPr lang="en-US" dirty="0"/>
-              <a:t>vegan for multivariate statistics, </a:t>
-            </a:r>
-          </a:p>
-          <a:p>
-            <a:pPr lvl="1"/>
-            <a:r>
-              <a:rPr lang="en-US" dirty="0"/>
-              <a:t>1000s of others. </a:t>
-            </a:r>
-          </a:p>
-          <a:p>
-            <a:endParaRPr lang="en-US" dirty="0"/>
+              <a:rPr lang="en-US" dirty="0"/>
+              <a:t>There are other “IDEs” to use but this is the best suited to R</a:t>
+            </a:r>
+          </a:p>
+          <a:p>
+            <a:r>
+              <a:rPr lang="en-US" dirty="0"/>
+              <a:t>It is HIGHLY recommended to just use this</a:t>
+            </a:r>
+          </a:p>
+          <a:p>
+            <a:r>
+              <a:rPr lang="en-US" dirty="0"/>
+              <a:t>Allows for more powerful features and is much more user friendly</a:t>
+            </a:r>
+          </a:p>
+          <a:p>
+            <a:r>
+              <a:rPr lang="en-US" dirty="0"/>
+              <a:t>The only downside is maybe a slight decrease in speed and stability but unless you are a super user, you won’t notice this </a:t>
+            </a:r>
           </a:p>
         </p:txBody>
       </p:sp>
@@ -6559,7 +6640,7 @@
           <p:cNvPr id="5" name="Rectangle 4">
             <a:extLst>
               <a:ext uri="{FF2B5EF4-FFF2-40B4-BE49-F238E27FC236}">
-                <a16:creationId xmlns:a16="http://schemas.microsoft.com/office/drawing/2014/main" id="{B8B178A6-70B5-4BFA-B77A-3631200F9819}"/>
+                <a16:creationId xmlns:a16="http://schemas.microsoft.com/office/drawing/2014/main" id="{E76311F2-908E-40A0-934D-F79AD96DDB43}"/>
               </a:ext>
             </a:extLst>
           </p:cNvPr>
@@ -6612,7 +6693,7 @@
     </p:spTree>
     <p:extLst>
       <p:ext uri="{BB962C8B-B14F-4D97-AF65-F5344CB8AC3E}">
-        <p14:creationId xmlns:p14="http://schemas.microsoft.com/office/powerpoint/2010/main" val="3798222918"/>
+        <p14:creationId xmlns:p14="http://schemas.microsoft.com/office/powerpoint/2010/main" val="1897080377"/>
       </p:ext>
     </p:extLst>
   </p:cSld>
@@ -6622,7 +6703,7 @@
 </p:sld>
 </file>
 
-<file path=ppt/slides/slide18.xml><?xml version="1.0" encoding="utf-8"?>
+<file path=ppt/slides/slide19.xml><?xml version="1.0" encoding="utf-8"?>
 <p:sld xmlns:a="http://schemas.openxmlformats.org/drawingml/2006/main" xmlns:r="http://schemas.openxmlformats.org/officeDocument/2006/relationships" xmlns:p="http://schemas.openxmlformats.org/presentationml/2006/main">
   <p:cSld>
     <p:spTree>
@@ -6644,7 +6725,7 @@
           <p:cNvPr id="2" name="Title 1">
             <a:extLst>
               <a:ext uri="{FF2B5EF4-FFF2-40B4-BE49-F238E27FC236}">
-                <a16:creationId xmlns:a16="http://schemas.microsoft.com/office/drawing/2014/main" id="{54B4D406-3116-4B22-A957-DC07FA78EDD3}"/>
+                <a16:creationId xmlns:a16="http://schemas.microsoft.com/office/drawing/2014/main" id="{5B4C3818-F8FD-45EF-BBA7-CB82AF6DED03}"/>
               </a:ext>
             </a:extLst>
           </p:cNvPr>
@@ -6662,7 +6743,7 @@
           <a:p>
             <a:r>
               <a:rPr lang="en-US" dirty="0"/>
-              <a:t>RStudio</a:t>
+              <a:t>RStudio cont.</a:t>
             </a:r>
           </a:p>
         </p:txBody>
@@ -6672,7 +6753,7 @@
           <p:cNvPr id="3" name="Content Placeholder 2">
             <a:extLst>
               <a:ext uri="{FF2B5EF4-FFF2-40B4-BE49-F238E27FC236}">
-                <a16:creationId xmlns:a16="http://schemas.microsoft.com/office/drawing/2014/main" id="{001A1F59-3E53-4B25-8126-1C01B9D98FCE}"/>
+                <a16:creationId xmlns:a16="http://schemas.microsoft.com/office/drawing/2014/main" id="{06E70453-8E3A-4448-8EA7-4D6F6DA329AF}"/>
               </a:ext>
             </a:extLst>
           </p:cNvPr>
@@ -6683,40 +6764,45 @@
             <p:ph idx="1"/>
           </p:nvPr>
         </p:nvSpPr>
-        <p:spPr/>
-        <p:txBody>
-          <a:bodyPr/>
-          <a:lstStyle/>
-          <a:p>
-            <a:r>
-              <a:rPr lang="en-US" dirty="0"/>
-              <a:t>RStudio is a popular program that runs on top of R</a:t>
-            </a:r>
-          </a:p>
-          <a:p>
-            <a:pPr lvl="1"/>
-            <a:r>
-              <a:rPr lang="en-US" dirty="0"/>
-              <a:t>There are other “IDEs” to use but this is the best suited to R</a:t>
-            </a:r>
-          </a:p>
-          <a:p>
-            <a:r>
-              <a:rPr lang="en-US" dirty="0"/>
-              <a:t>It is HIGHLY recommended to just use this</a:t>
-            </a:r>
-          </a:p>
-          <a:p>
-            <a:r>
-              <a:rPr lang="en-US" dirty="0"/>
-              <a:t>Allows for more powerful features and is much more user friendly</a:t>
-            </a:r>
-          </a:p>
-          <a:p>
-            <a:r>
-              <a:rPr lang="en-US" dirty="0"/>
-              <a:t>The only downside is maybe a slight decrease in speed and stability but unless you are a super user, you won’t notice this </a:t>
-            </a:r>
+        <p:spPr>
+          <a:xfrm>
+            <a:off x="838200" y="1825625"/>
+            <a:ext cx="5722088" cy="4351338"/>
+          </a:xfrm>
+        </p:spPr>
+        <p:txBody>
+          <a:bodyPr>
+            <a:normAutofit lnSpcReduction="10000"/>
+          </a:bodyPr>
+          <a:lstStyle/>
+          <a:p>
+            <a:pPr marL="0" indent="0">
+              <a:buNone/>
+            </a:pPr>
+            <a:r>
+              <a:rPr lang="en-US" dirty="0"/>
+              <a:t>You will see 4 “panes”. </a:t>
+            </a:r>
+          </a:p>
+          <a:p>
+            <a:pPr marL="0" indent="0">
+              <a:buNone/>
+            </a:pPr>
+            <a:r>
+              <a:rPr lang="en-US" dirty="0"/>
+              <a:t>By default, you will see the “script editor” area in top left where you can write code before evaluating it, the “console” in bottom left where code is evaluated and output is seen, the “Environment” in top right where you can see variables/</a:t>
+            </a:r>
+            <a:r>
+              <a:rPr lang="en-US" dirty="0" err="1"/>
+              <a:t>dataframes</a:t>
+            </a:r>
+            <a:r>
+              <a:rPr lang="en-US" dirty="0"/>
+              <a:t> (click on them to open up and view them!), and the plot/help area in bottom right. </a:t>
+            </a:r>
+          </a:p>
+          <a:p>
+            <a:endParaRPr lang="en-US" dirty="0"/>
           </a:p>
         </p:txBody>
       </p:sp>
@@ -6725,7 +6811,7 @@
           <p:cNvPr id="5" name="Rectangle 4">
             <a:extLst>
               <a:ext uri="{FF2B5EF4-FFF2-40B4-BE49-F238E27FC236}">
-                <a16:creationId xmlns:a16="http://schemas.microsoft.com/office/drawing/2014/main" id="{E76311F2-908E-40A0-934D-F79AD96DDB43}"/>
+                <a16:creationId xmlns:a16="http://schemas.microsoft.com/office/drawing/2014/main" id="{71F2C7AF-D9FF-4A1E-96F8-23D2592A71B2}"/>
               </a:ext>
             </a:extLst>
           </p:cNvPr>
@@ -6778,7 +6864,7 @@
     </p:spTree>
     <p:extLst>
       <p:ext uri="{BB962C8B-B14F-4D97-AF65-F5344CB8AC3E}">
-        <p14:creationId xmlns:p14="http://schemas.microsoft.com/office/powerpoint/2010/main" val="1897080377"/>
+        <p14:creationId xmlns:p14="http://schemas.microsoft.com/office/powerpoint/2010/main" val="711052278"/>
       </p:ext>
     </p:extLst>
   </p:cSld>
@@ -6788,7 +6874,7 @@
 </p:sld>
 </file>
 
-<file path=ppt/slides/slide19.xml><?xml version="1.0" encoding="utf-8"?>
+<file path=ppt/slides/slide2.xml><?xml version="1.0" encoding="utf-8"?>
 <p:sld xmlns:a="http://schemas.openxmlformats.org/drawingml/2006/main" xmlns:r="http://schemas.openxmlformats.org/officeDocument/2006/relationships" xmlns:p="http://schemas.openxmlformats.org/presentationml/2006/main">
   <p:cSld>
     <p:spTree>
@@ -6810,7 +6896,7 @@
           <p:cNvPr id="2" name="Title 1">
             <a:extLst>
               <a:ext uri="{FF2B5EF4-FFF2-40B4-BE49-F238E27FC236}">
-                <a16:creationId xmlns:a16="http://schemas.microsoft.com/office/drawing/2014/main" id="{5B4C3818-F8FD-45EF-BBA7-CB82AF6DED03}"/>
+                <a16:creationId xmlns:a16="http://schemas.microsoft.com/office/drawing/2014/main" id="{782FDC76-38F5-480E-9F5F-D7A7FA92285F}"/>
               </a:ext>
             </a:extLst>
           </p:cNvPr>
@@ -6828,6 +6914,111 @@
           <a:p>
             <a:r>
               <a:rPr lang="en-US" dirty="0"/>
+              <a:t>Course Outcomes</a:t>
+            </a:r>
+          </a:p>
+        </p:txBody>
+      </p:sp>
+      <p:sp>
+        <p:nvSpPr>
+          <p:cNvPr id="3" name="Content Placeholder 2">
+            <a:extLst>
+              <a:ext uri="{FF2B5EF4-FFF2-40B4-BE49-F238E27FC236}">
+                <a16:creationId xmlns:a16="http://schemas.microsoft.com/office/drawing/2014/main" id="{218AC51A-FA44-43D7-9398-80927BFF8AE6}"/>
+              </a:ext>
+            </a:extLst>
+          </p:cNvPr>
+          <p:cNvSpPr>
+            <a:spLocks noGrp="1"/>
+          </p:cNvSpPr>
+          <p:nvPr>
+            <p:ph idx="1"/>
+          </p:nvPr>
+        </p:nvSpPr>
+        <p:spPr/>
+        <p:txBody>
+          <a:bodyPr/>
+          <a:lstStyle/>
+          <a:p>
+            <a:r>
+              <a:rPr lang="en-US" dirty="0"/>
+              <a:t>By the end of this “class” you should be somewhat familiar with R</a:t>
+            </a:r>
+          </a:p>
+          <a:p>
+            <a:pPr lvl="1"/>
+            <a:r>
+              <a:rPr lang="en-US" dirty="0"/>
+              <a:t>Hopefully, you’ll be familiar enough to read it, and can use these slides as a reference for if/when you want to write it</a:t>
+            </a:r>
+          </a:p>
+          <a:p>
+            <a:r>
+              <a:rPr lang="en-US" dirty="0"/>
+              <a:t>Don’t get bogged down in the details or try to memorize everything, this is a language after all. </a:t>
+            </a:r>
+          </a:p>
+          <a:p>
+            <a:r>
+              <a:rPr lang="en-US" dirty="0"/>
+              <a:t>We will run through some things together and then you can run through some of it on your own later</a:t>
+            </a:r>
+          </a:p>
+        </p:txBody>
+      </p:sp>
+    </p:spTree>
+    <p:extLst>
+      <p:ext uri="{BB962C8B-B14F-4D97-AF65-F5344CB8AC3E}">
+        <p14:creationId xmlns:p14="http://schemas.microsoft.com/office/powerpoint/2010/main" val="131863103"/>
+      </p:ext>
+    </p:extLst>
+  </p:cSld>
+  <p:clrMapOvr>
+    <a:masterClrMapping/>
+  </p:clrMapOvr>
+</p:sld>
+</file>
+
+<file path=ppt/slides/slide20.xml><?xml version="1.0" encoding="utf-8"?>
+<p:sld xmlns:a="http://schemas.openxmlformats.org/drawingml/2006/main" xmlns:r="http://schemas.openxmlformats.org/officeDocument/2006/relationships" xmlns:p="http://schemas.openxmlformats.org/presentationml/2006/main">
+  <p:cSld>
+    <p:spTree>
+      <p:nvGrpSpPr>
+        <p:cNvPr id="1" name=""/>
+        <p:cNvGrpSpPr/>
+        <p:nvPr/>
+      </p:nvGrpSpPr>
+      <p:grpSpPr>
+        <a:xfrm>
+          <a:off x="0" y="0"/>
+          <a:ext cx="0" cy="0"/>
+          <a:chOff x="0" y="0"/>
+          <a:chExt cx="0" cy="0"/>
+        </a:xfrm>
+      </p:grpSpPr>
+      <p:sp>
+        <p:nvSpPr>
+          <p:cNvPr id="2" name="Title 1">
+            <a:extLst>
+              <a:ext uri="{FF2B5EF4-FFF2-40B4-BE49-F238E27FC236}">
+                <a16:creationId xmlns:a16="http://schemas.microsoft.com/office/drawing/2014/main" id="{7AE1D199-FEFA-48C9-B2D4-50E92F39F863}"/>
+              </a:ext>
+            </a:extLst>
+          </p:cNvPr>
+          <p:cNvSpPr>
+            <a:spLocks noGrp="1"/>
+          </p:cNvSpPr>
+          <p:nvPr>
+            <p:ph type="title"/>
+          </p:nvPr>
+        </p:nvSpPr>
+        <p:spPr/>
+        <p:txBody>
+          <a:bodyPr/>
+          <a:lstStyle/>
+          <a:p>
+            <a:r>
+              <a:rPr lang="en-US" dirty="0"/>
               <a:t>RStudio cont.</a:t>
             </a:r>
           </a:p>
@@ -6838,7 +7029,7 @@
           <p:cNvPr id="3" name="Content Placeholder 2">
             <a:extLst>
               <a:ext uri="{FF2B5EF4-FFF2-40B4-BE49-F238E27FC236}">
-                <a16:creationId xmlns:a16="http://schemas.microsoft.com/office/drawing/2014/main" id="{06E70453-8E3A-4448-8EA7-4D6F6DA329AF}"/>
+                <a16:creationId xmlns:a16="http://schemas.microsoft.com/office/drawing/2014/main" id="{43D43A62-1652-40C1-9E53-7EAECB20B311}"/>
               </a:ext>
             </a:extLst>
           </p:cNvPr>
@@ -6849,46 +7040,34 @@
             <p:ph idx="1"/>
           </p:nvPr>
         </p:nvSpPr>
-        <p:spPr>
-          <a:xfrm>
-            <a:off x="838200" y="1825625"/>
-            <a:ext cx="5722088" cy="4351338"/>
-          </a:xfrm>
-        </p:spPr>
-        <p:txBody>
-          <a:bodyPr>
-            <a:normAutofit lnSpcReduction="10000"/>
-          </a:bodyPr>
-          <a:lstStyle/>
-          <a:p>
-            <a:pPr marL="0" indent="0">
-              <a:buNone/>
-            </a:pPr>
-            <a:r>
-              <a:rPr lang="en-US" dirty="0"/>
-              <a:t>You will see 4 “panes”. </a:t>
-            </a:r>
-          </a:p>
-          <a:p>
-            <a:pPr marL="0" indent="0">
-              <a:buNone/>
-            </a:pPr>
-            <a:r>
-              <a:rPr lang="en-US" dirty="0"/>
-              <a:t>By default, you will see the “script editor” area in top left where you can write code before evaluating it, the “console” in bottom left where code is evaluated and output is seen, the “Environment” in top right where you can see variables/</a:t>
-            </a:r>
-            <a:r>
-              <a:rPr lang="en-US" dirty="0" err="1"/>
-              <a:t>dataframes</a:t>
-            </a:r>
-            <a:r>
-              <a:rPr lang="en-US" dirty="0"/>
-              <a:t> (click on them to open up and view them!), and the plot/help area in bottom right. </a:t>
+        <p:spPr/>
+        <p:txBody>
+          <a:bodyPr/>
+          <a:lstStyle/>
+          <a:p>
+            <a:r>
+              <a:rPr lang="en-US" dirty="0"/>
+              <a:t>Workspace</a:t>
+            </a:r>
+          </a:p>
+          <a:p>
+            <a:r>
+              <a:rPr lang="en-US" dirty="0"/>
+              <a:t>Projects</a:t>
+            </a:r>
+          </a:p>
+          <a:p>
+            <a:r>
+              <a:rPr lang="en-US" dirty="0"/>
+              <a:t>Session</a:t>
             </a:r>
           </a:p>
           <a:p>
             <a:endParaRPr lang="en-US" dirty="0"/>
           </a:p>
+          <a:p>
+            <a:endParaRPr lang="en-US" dirty="0"/>
+          </a:p>
         </p:txBody>
       </p:sp>
       <p:sp>
@@ -6896,7 +7075,7 @@
           <p:cNvPr id="5" name="Rectangle 4">
             <a:extLst>
               <a:ext uri="{FF2B5EF4-FFF2-40B4-BE49-F238E27FC236}">
-                <a16:creationId xmlns:a16="http://schemas.microsoft.com/office/drawing/2014/main" id="{71F2C7AF-D9FF-4A1E-96F8-23D2592A71B2}"/>
+                <a16:creationId xmlns:a16="http://schemas.microsoft.com/office/drawing/2014/main" id="{02CAA30A-72A5-4F9B-92D4-7C4851C8D799}"/>
               </a:ext>
             </a:extLst>
           </p:cNvPr>
@@ -6940,282 +7119,6 @@
           <a:p>
             <a:r>
               <a:rPr lang="en-US" sz="1600" i="1" dirty="0"/>
-              <a:t>Powerpoint</a:t>
-            </a:r>
-            <a:endParaRPr lang="en-US" i="1" dirty="0"/>
-          </a:p>
-        </p:txBody>
-      </p:sp>
-    </p:spTree>
-    <p:extLst>
-      <p:ext uri="{BB962C8B-B14F-4D97-AF65-F5344CB8AC3E}">
-        <p14:creationId xmlns:p14="http://schemas.microsoft.com/office/powerpoint/2010/main" val="711052278"/>
-      </p:ext>
-    </p:extLst>
-  </p:cSld>
-  <p:clrMapOvr>
-    <a:masterClrMapping/>
-  </p:clrMapOvr>
-</p:sld>
-</file>
-
-<file path=ppt/slides/slide2.xml><?xml version="1.0" encoding="utf-8"?>
-<p:sld xmlns:a="http://schemas.openxmlformats.org/drawingml/2006/main" xmlns:r="http://schemas.openxmlformats.org/officeDocument/2006/relationships" xmlns:p="http://schemas.openxmlformats.org/presentationml/2006/main">
-  <p:cSld>
-    <p:spTree>
-      <p:nvGrpSpPr>
-        <p:cNvPr id="1" name=""/>
-        <p:cNvGrpSpPr/>
-        <p:nvPr/>
-      </p:nvGrpSpPr>
-      <p:grpSpPr>
-        <a:xfrm>
-          <a:off x="0" y="0"/>
-          <a:ext cx="0" cy="0"/>
-          <a:chOff x="0" y="0"/>
-          <a:chExt cx="0" cy="0"/>
-        </a:xfrm>
-      </p:grpSpPr>
-      <p:sp>
-        <p:nvSpPr>
-          <p:cNvPr id="2" name="Title 1">
-            <a:extLst>
-              <a:ext uri="{FF2B5EF4-FFF2-40B4-BE49-F238E27FC236}">
-                <a16:creationId xmlns:a16="http://schemas.microsoft.com/office/drawing/2014/main" id="{782FDC76-38F5-480E-9F5F-D7A7FA92285F}"/>
-              </a:ext>
-            </a:extLst>
-          </p:cNvPr>
-          <p:cNvSpPr>
-            <a:spLocks noGrp="1"/>
-          </p:cNvSpPr>
-          <p:nvPr>
-            <p:ph type="title"/>
-          </p:nvPr>
-        </p:nvSpPr>
-        <p:spPr/>
-        <p:txBody>
-          <a:bodyPr/>
-          <a:lstStyle/>
-          <a:p>
-            <a:r>
-              <a:rPr lang="en-US" dirty="0"/>
-              <a:t>Course Outcomes</a:t>
-            </a:r>
-          </a:p>
-        </p:txBody>
-      </p:sp>
-      <p:sp>
-        <p:nvSpPr>
-          <p:cNvPr id="3" name="Content Placeholder 2">
-            <a:extLst>
-              <a:ext uri="{FF2B5EF4-FFF2-40B4-BE49-F238E27FC236}">
-                <a16:creationId xmlns:a16="http://schemas.microsoft.com/office/drawing/2014/main" id="{218AC51A-FA44-43D7-9398-80927BFF8AE6}"/>
-              </a:ext>
-            </a:extLst>
-          </p:cNvPr>
-          <p:cNvSpPr>
-            <a:spLocks noGrp="1"/>
-          </p:cNvSpPr>
-          <p:nvPr>
-            <p:ph idx="1"/>
-          </p:nvPr>
-        </p:nvSpPr>
-        <p:spPr/>
-        <p:txBody>
-          <a:bodyPr/>
-          <a:lstStyle/>
-          <a:p>
-            <a:r>
-              <a:rPr lang="en-US" dirty="0"/>
-              <a:t>By the end of this “class” you should be somewhat familiar with R</a:t>
-            </a:r>
-          </a:p>
-          <a:p>
-            <a:pPr lvl="1"/>
-            <a:r>
-              <a:rPr lang="en-US" dirty="0"/>
-              <a:t>Hopefully, you’ll be familiar enough to read it, and can use these slides as a reference for if/when you want to write it</a:t>
-            </a:r>
-          </a:p>
-          <a:p>
-            <a:r>
-              <a:rPr lang="en-US" dirty="0"/>
-              <a:t>Don’t get bogged down in the details or try to memorize everything, this is a language after all. </a:t>
-            </a:r>
-          </a:p>
-          <a:p>
-            <a:r>
-              <a:rPr lang="en-US" dirty="0"/>
-              <a:t>We will run through some things together and then you can run through some of it on your own later</a:t>
-            </a:r>
-          </a:p>
-        </p:txBody>
-      </p:sp>
-    </p:spTree>
-    <p:extLst>
-      <p:ext uri="{BB962C8B-B14F-4D97-AF65-F5344CB8AC3E}">
-        <p14:creationId xmlns:p14="http://schemas.microsoft.com/office/powerpoint/2010/main" val="131863103"/>
-      </p:ext>
-    </p:extLst>
-  </p:cSld>
-  <p:clrMapOvr>
-    <a:masterClrMapping/>
-  </p:clrMapOvr>
-</p:sld>
-</file>
-
-<file path=ppt/slides/slide20.xml><?xml version="1.0" encoding="utf-8"?>
-<p:sld xmlns:a="http://schemas.openxmlformats.org/drawingml/2006/main" xmlns:r="http://schemas.openxmlformats.org/officeDocument/2006/relationships" xmlns:p="http://schemas.openxmlformats.org/presentationml/2006/main">
-  <p:cSld>
-    <p:spTree>
-      <p:nvGrpSpPr>
-        <p:cNvPr id="1" name=""/>
-        <p:cNvGrpSpPr/>
-        <p:nvPr/>
-      </p:nvGrpSpPr>
-      <p:grpSpPr>
-        <a:xfrm>
-          <a:off x="0" y="0"/>
-          <a:ext cx="0" cy="0"/>
-          <a:chOff x="0" y="0"/>
-          <a:chExt cx="0" cy="0"/>
-        </a:xfrm>
-      </p:grpSpPr>
-      <p:sp>
-        <p:nvSpPr>
-          <p:cNvPr id="2" name="Title 1">
-            <a:extLst>
-              <a:ext uri="{FF2B5EF4-FFF2-40B4-BE49-F238E27FC236}">
-                <a16:creationId xmlns:a16="http://schemas.microsoft.com/office/drawing/2014/main" id="{7AE1D199-FEFA-48C9-B2D4-50E92F39F863}"/>
-              </a:ext>
-            </a:extLst>
-          </p:cNvPr>
-          <p:cNvSpPr>
-            <a:spLocks noGrp="1"/>
-          </p:cNvSpPr>
-          <p:nvPr>
-            <p:ph type="title"/>
-          </p:nvPr>
-        </p:nvSpPr>
-        <p:spPr/>
-        <p:txBody>
-          <a:bodyPr/>
-          <a:lstStyle/>
-          <a:p>
-            <a:r>
-              <a:rPr lang="en-US" dirty="0"/>
-              <a:t>RStudio cont.</a:t>
-            </a:r>
-          </a:p>
-        </p:txBody>
-      </p:sp>
-      <p:sp>
-        <p:nvSpPr>
-          <p:cNvPr id="3" name="Content Placeholder 2">
-            <a:extLst>
-              <a:ext uri="{FF2B5EF4-FFF2-40B4-BE49-F238E27FC236}">
-                <a16:creationId xmlns:a16="http://schemas.microsoft.com/office/drawing/2014/main" id="{43D43A62-1652-40C1-9E53-7EAECB20B311}"/>
-              </a:ext>
-            </a:extLst>
-          </p:cNvPr>
-          <p:cNvSpPr>
-            <a:spLocks noGrp="1"/>
-          </p:cNvSpPr>
-          <p:nvPr>
-            <p:ph idx="1"/>
-          </p:nvPr>
-        </p:nvSpPr>
-        <p:spPr/>
-        <p:txBody>
-          <a:bodyPr/>
-          <a:lstStyle/>
-          <a:p>
-            <a:r>
-              <a:rPr lang="en-US" dirty="0"/>
-              <a:t>Workspace</a:t>
-            </a:r>
-          </a:p>
-          <a:p>
-            <a:r>
-              <a:rPr lang="en-US" dirty="0"/>
-              <a:t>Projects</a:t>
-            </a:r>
-          </a:p>
-          <a:p>
-            <a:r>
-              <a:rPr lang="en-US" dirty="0"/>
-              <a:t>Session</a:t>
-            </a:r>
-          </a:p>
-          <a:p>
-            <a:endParaRPr lang="en-US" dirty="0"/>
-          </a:p>
-          <a:p>
-            <a:r>
-              <a:rPr lang="en-US" dirty="0"/>
-              <a:t>Practice closing out of RStudio and then reopening. You can click save workspace or not. See what happens when you do both!</a:t>
-            </a:r>
-          </a:p>
-          <a:p>
-            <a:r>
-              <a:rPr lang="en-US" dirty="0"/>
-              <a:t>Practice closing out of a long loop (stop button) and open-ended code (esc key in console)</a:t>
-            </a:r>
-          </a:p>
-          <a:p>
-            <a:endParaRPr lang="en-US" dirty="0"/>
-          </a:p>
-        </p:txBody>
-      </p:sp>
-      <p:sp>
-        <p:nvSpPr>
-          <p:cNvPr id="5" name="Rectangle 4">
-            <a:extLst>
-              <a:ext uri="{FF2B5EF4-FFF2-40B4-BE49-F238E27FC236}">
-                <a16:creationId xmlns:a16="http://schemas.microsoft.com/office/drawing/2014/main" id="{02CAA30A-72A5-4F9B-92D4-7C4851C8D799}"/>
-              </a:ext>
-            </a:extLst>
-          </p:cNvPr>
-          <p:cNvSpPr/>
-          <p:nvPr/>
-        </p:nvSpPr>
-        <p:spPr>
-          <a:xfrm rot="16200000">
-            <a:off x="-3099620" y="3099620"/>
-            <a:ext cx="6858000" cy="658760"/>
-          </a:xfrm>
-          <a:prstGeom prst="rect">
-            <a:avLst/>
-          </a:prstGeom>
-          <a:solidFill>
-            <a:srgbClr val="CB592B"/>
-          </a:solidFill>
-          <a:ln>
-            <a:noFill/>
-          </a:ln>
-        </p:spPr>
-        <p:style>
-          <a:lnRef idx="2">
-            <a:schemeClr val="accent1">
-              <a:shade val="50000"/>
-            </a:schemeClr>
-          </a:lnRef>
-          <a:fillRef idx="1">
-            <a:schemeClr val="accent1"/>
-          </a:fillRef>
-          <a:effectRef idx="0">
-            <a:schemeClr val="accent1"/>
-          </a:effectRef>
-          <a:fontRef idx="minor">
-            <a:schemeClr val="lt1"/>
-          </a:fontRef>
-        </p:style>
-        <p:txBody>
-          <a:bodyPr rtlCol="0" anchor="ctr"/>
-          <a:lstStyle/>
-          <a:p>
-            <a:r>
-              <a:rPr lang="en-US" sz="1600" i="1" dirty="0"/>
               <a:t>PowerPoint</a:t>
             </a:r>
             <a:endParaRPr lang="en-US" i="1" dirty="0"/>
@@ -7257,144 +7160,6 @@
           <p:cNvPr id="2" name="Title 1">
             <a:extLst>
               <a:ext uri="{FF2B5EF4-FFF2-40B4-BE49-F238E27FC236}">
-                <a16:creationId xmlns:a16="http://schemas.microsoft.com/office/drawing/2014/main" id="{918E30E4-F6AA-4CF6-B07F-CA659982274D}"/>
-              </a:ext>
-            </a:extLst>
-          </p:cNvPr>
-          <p:cNvSpPr>
-            <a:spLocks noGrp="1"/>
-          </p:cNvSpPr>
-          <p:nvPr>
-            <p:ph type="title"/>
-          </p:nvPr>
-        </p:nvSpPr>
-        <p:spPr/>
-        <p:txBody>
-          <a:bodyPr/>
-          <a:lstStyle/>
-          <a:p>
-            <a:r>
-              <a:rPr lang="en-US" dirty="0"/>
-              <a:t>Open RStudio!</a:t>
-            </a:r>
-          </a:p>
-        </p:txBody>
-      </p:sp>
-      <p:sp>
-        <p:nvSpPr>
-          <p:cNvPr id="3" name="Content Placeholder 2">
-            <a:extLst>
-              <a:ext uri="{FF2B5EF4-FFF2-40B4-BE49-F238E27FC236}">
-                <a16:creationId xmlns:a16="http://schemas.microsoft.com/office/drawing/2014/main" id="{70A18110-6220-4F9F-B015-68AE3DFC08E9}"/>
-              </a:ext>
-            </a:extLst>
-          </p:cNvPr>
-          <p:cNvSpPr>
-            <a:spLocks noGrp="1"/>
-          </p:cNvSpPr>
-          <p:nvPr>
-            <p:ph idx="1"/>
-          </p:nvPr>
-        </p:nvSpPr>
-        <p:spPr/>
-        <p:txBody>
-          <a:bodyPr/>
-          <a:lstStyle/>
-          <a:p>
-            <a:endParaRPr lang="en-US"/>
-          </a:p>
-        </p:txBody>
-      </p:sp>
-      <p:sp>
-        <p:nvSpPr>
-          <p:cNvPr id="5" name="Rectangle 4">
-            <a:extLst>
-              <a:ext uri="{FF2B5EF4-FFF2-40B4-BE49-F238E27FC236}">
-                <a16:creationId xmlns:a16="http://schemas.microsoft.com/office/drawing/2014/main" id="{3964F8B1-2B19-4DB1-80B2-9F714A1638AF}"/>
-              </a:ext>
-            </a:extLst>
-          </p:cNvPr>
-          <p:cNvSpPr/>
-          <p:nvPr/>
-        </p:nvSpPr>
-        <p:spPr>
-          <a:xfrm rot="16200000">
-            <a:off x="-3099620" y="3099620"/>
-            <a:ext cx="6858000" cy="658760"/>
-          </a:xfrm>
-          <a:prstGeom prst="rect">
-            <a:avLst/>
-          </a:prstGeom>
-          <a:solidFill>
-            <a:srgbClr val="AB8DF7"/>
-          </a:solidFill>
-          <a:ln>
-            <a:noFill/>
-          </a:ln>
-        </p:spPr>
-        <p:style>
-          <a:lnRef idx="2">
-            <a:schemeClr val="accent1">
-              <a:shade val="50000"/>
-            </a:schemeClr>
-          </a:lnRef>
-          <a:fillRef idx="1">
-            <a:schemeClr val="accent1"/>
-          </a:fillRef>
-          <a:effectRef idx="0">
-            <a:schemeClr val="accent1"/>
-          </a:effectRef>
-          <a:fontRef idx="minor">
-            <a:schemeClr val="lt1"/>
-          </a:fontRef>
-        </p:style>
-        <p:txBody>
-          <a:bodyPr rtlCol="0" anchor="ctr"/>
-          <a:lstStyle/>
-          <a:p>
-            <a:r>
-              <a:rPr lang="en-US" sz="1600" i="1" dirty="0"/>
-              <a:t>RStudio</a:t>
-            </a:r>
-            <a:endParaRPr lang="en-US" i="1" dirty="0"/>
-          </a:p>
-        </p:txBody>
-      </p:sp>
-    </p:spTree>
-    <p:extLst>
-      <p:ext uri="{BB962C8B-B14F-4D97-AF65-F5344CB8AC3E}">
-        <p14:creationId xmlns:p14="http://schemas.microsoft.com/office/powerpoint/2010/main" val="273706841"/>
-      </p:ext>
-    </p:extLst>
-  </p:cSld>
-  <p:clrMapOvr>
-    <a:masterClrMapping/>
-  </p:clrMapOvr>
-</p:sld>
-</file>
-
-<file path=ppt/slides/slide22.xml><?xml version="1.0" encoding="utf-8"?>
-<p:sld xmlns:a="http://schemas.openxmlformats.org/drawingml/2006/main" xmlns:r="http://schemas.openxmlformats.org/officeDocument/2006/relationships" xmlns:p="http://schemas.openxmlformats.org/presentationml/2006/main">
-  <p:cSld>
-    <p:spTree>
-      <p:nvGrpSpPr>
-        <p:cNvPr id="1" name=""/>
-        <p:cNvGrpSpPr/>
-        <p:nvPr/>
-      </p:nvGrpSpPr>
-      <p:grpSpPr>
-        <a:xfrm>
-          <a:off x="0" y="0"/>
-          <a:ext cx="0" cy="0"/>
-          <a:chOff x="0" y="0"/>
-          <a:chExt cx="0" cy="0"/>
-        </a:xfrm>
-      </p:grpSpPr>
-      <p:sp>
-        <p:nvSpPr>
-          <p:cNvPr id="2" name="Title 1">
-            <a:extLst>
-              <a:ext uri="{FF2B5EF4-FFF2-40B4-BE49-F238E27FC236}">
                 <a16:creationId xmlns:a16="http://schemas.microsoft.com/office/drawing/2014/main" id="{2065DBF2-455B-4B76-BCA6-A21B8F8225E2}"/>
               </a:ext>
             </a:extLst>
@@ -7439,7 +7204,7 @@
 </p:sld>
 </file>
 
-<file path=ppt/slides/slide23.xml><?xml version="1.0" encoding="utf-8"?>
+<file path=ppt/slides/slide22.xml><?xml version="1.0" encoding="utf-8"?>
 <p:sld xmlns:a="http://schemas.openxmlformats.org/drawingml/2006/main" xmlns:r="http://schemas.openxmlformats.org/officeDocument/2006/relationships" xmlns:p="http://schemas.openxmlformats.org/presentationml/2006/main">
   <p:cSld>
     <p:spTree>
@@ -7919,7 +7684,7 @@
 </p:sld>
 </file>
 
-<file path=ppt/slides/slide24.xml><?xml version="1.0" encoding="utf-8"?>
+<file path=ppt/slides/slide23.xml><?xml version="1.0" encoding="utf-8"?>
 <p:sld xmlns:a="http://schemas.openxmlformats.org/drawingml/2006/main" xmlns:r="http://schemas.openxmlformats.org/officeDocument/2006/relationships" xmlns:p="http://schemas.openxmlformats.org/presentationml/2006/main">
   <p:cSld>
     <p:spTree>
@@ -8353,7 +8118,7 @@
 </p:sld>
 </file>
 
-<file path=ppt/slides/slide25.xml><?xml version="1.0" encoding="utf-8"?>
+<file path=ppt/slides/slide24.xml><?xml version="1.0" encoding="utf-8"?>
 <p:sld xmlns:a="http://schemas.openxmlformats.org/drawingml/2006/main" xmlns:r="http://schemas.openxmlformats.org/officeDocument/2006/relationships" xmlns:p="http://schemas.openxmlformats.org/presentationml/2006/main">
   <p:cSld>
     <p:spTree>
@@ -8529,7 +8294,7 @@
               <a:rPr lang="en-US" sz="2400" dirty="0">
                 <a:latin typeface="Consolas" panose="020B0609020204030204" pitchFamily="49" charset="0"/>
               </a:rPr>
-              <a:t>   Age = c(2, 2, 1)))</a:t>
+              <a:t>   age = c(2, 2, 1)))</a:t>
             </a:r>
           </a:p>
           <a:p>
@@ -8639,7 +8404,7 @@
 </p:sld>
 </file>
 
-<file path=ppt/slides/slide26.xml><?xml version="1.0" encoding="utf-8"?>
+<file path=ppt/slides/slide25.xml><?xml version="1.0" encoding="utf-8"?>
 <p:sld xmlns:a="http://schemas.openxmlformats.org/drawingml/2006/main" xmlns:r="http://schemas.openxmlformats.org/officeDocument/2006/relationships" xmlns:p="http://schemas.openxmlformats.org/presentationml/2006/main">
   <p:cSld>
     <p:spTree>
@@ -8744,7 +8509,7 @@
               <a:rPr lang="en-US" dirty="0">
                 <a:latin typeface="Consolas" panose="020B0609020204030204" pitchFamily="49" charset="0"/>
               </a:rPr>
-              <a:t>   &gt; c(1,2,3,4, five)</a:t>
+              <a:t>   &gt; c(1,2,3,4, “five”)</a:t>
             </a:r>
           </a:p>
           <a:p>
@@ -8867,7 +8632,7 @@
 </p:sld>
 </file>
 
-<file path=ppt/slides/slide27.xml><?xml version="1.0" encoding="utf-8"?>
+<file path=ppt/slides/slide26.xml><?xml version="1.0" encoding="utf-8"?>
 <p:sld xmlns:a="http://schemas.openxmlformats.org/drawingml/2006/main" xmlns:r="http://schemas.openxmlformats.org/officeDocument/2006/relationships" xmlns:p="http://schemas.openxmlformats.org/presentationml/2006/main">
   <p:cSld>
     <p:spTree>
@@ -9304,6 +9069,275 @@
 </p:sld>
 </file>
 
+<file path=ppt/slides/slide27.xml><?xml version="1.0" encoding="utf-8"?>
+<p:sld xmlns:a="http://schemas.openxmlformats.org/drawingml/2006/main" xmlns:r="http://schemas.openxmlformats.org/officeDocument/2006/relationships" xmlns:p="http://schemas.openxmlformats.org/presentationml/2006/main">
+  <p:cSld>
+    <p:spTree>
+      <p:nvGrpSpPr>
+        <p:cNvPr id="1" name=""/>
+        <p:cNvGrpSpPr/>
+        <p:nvPr/>
+      </p:nvGrpSpPr>
+      <p:grpSpPr>
+        <a:xfrm>
+          <a:off x="0" y="0"/>
+          <a:ext cx="0" cy="0"/>
+          <a:chOff x="0" y="0"/>
+          <a:chExt cx="0" cy="0"/>
+        </a:xfrm>
+      </p:grpSpPr>
+      <p:sp>
+        <p:nvSpPr>
+          <p:cNvPr id="2" name="Title 1">
+            <a:extLst>
+              <a:ext uri="{FF2B5EF4-FFF2-40B4-BE49-F238E27FC236}">
+                <a16:creationId xmlns:a16="http://schemas.microsoft.com/office/drawing/2014/main" id="{5AFB9FE3-8D19-4088-9F8F-CE700AE9DC87}"/>
+              </a:ext>
+            </a:extLst>
+          </p:cNvPr>
+          <p:cNvSpPr>
+            <a:spLocks noGrp="1"/>
+          </p:cNvSpPr>
+          <p:nvPr>
+            <p:ph type="title"/>
+          </p:nvPr>
+        </p:nvSpPr>
+        <p:spPr/>
+        <p:txBody>
+          <a:bodyPr/>
+          <a:lstStyle/>
+          <a:p>
+            <a:r>
+              <a:rPr lang="en-US" dirty="0"/>
+              <a:t>Packages</a:t>
+            </a:r>
+          </a:p>
+        </p:txBody>
+      </p:sp>
+      <p:sp>
+        <p:nvSpPr>
+          <p:cNvPr id="3" name="Content Placeholder 2">
+            <a:extLst>
+              <a:ext uri="{FF2B5EF4-FFF2-40B4-BE49-F238E27FC236}">
+                <a16:creationId xmlns:a16="http://schemas.microsoft.com/office/drawing/2014/main" id="{8E10FD0A-7DDF-417B-90FA-B1E06711258B}"/>
+              </a:ext>
+            </a:extLst>
+          </p:cNvPr>
+          <p:cNvSpPr>
+            <a:spLocks noGrp="1"/>
+          </p:cNvSpPr>
+          <p:nvPr>
+            <p:ph idx="1"/>
+          </p:nvPr>
+        </p:nvSpPr>
+        <p:spPr>
+          <a:xfrm>
+            <a:off x="838200" y="1825624"/>
+            <a:ext cx="10515600" cy="4947315"/>
+          </a:xfrm>
+        </p:spPr>
+        <p:txBody>
+          <a:bodyPr>
+            <a:normAutofit fontScale="92500" lnSpcReduction="10000"/>
+          </a:bodyPr>
+          <a:lstStyle/>
+          <a:p>
+            <a:r>
+              <a:rPr lang="en-US" dirty="0"/>
+              <a:t>A package is just a collection of new functions (commands) for us to use. If you’ve never used the package before install it to R by running </a:t>
+            </a:r>
+            <a:r>
+              <a:rPr lang="en-US" dirty="0" err="1"/>
+              <a:t>install.packages</a:t>
+            </a:r>
+            <a:r>
+              <a:rPr lang="en-US" dirty="0"/>
+              <a:t>(“</a:t>
+            </a:r>
+            <a:r>
+              <a:rPr lang="en-US" dirty="0" err="1"/>
+              <a:t>packagename</a:t>
+            </a:r>
+            <a:r>
+              <a:rPr lang="en-US" dirty="0"/>
+              <a:t>”). After this, you load it into R by running library(“</a:t>
+            </a:r>
+            <a:r>
+              <a:rPr lang="en-US" dirty="0" err="1"/>
+              <a:t>packagename</a:t>
+            </a:r>
+            <a:r>
+              <a:rPr lang="en-US" dirty="0"/>
+              <a:t>”). You’ll need to load your libraries every time you restart R, so add the libraries you’ll need for that specific script at the top. </a:t>
+            </a:r>
+          </a:p>
+          <a:p>
+            <a:r>
+              <a:rPr lang="en-US" dirty="0"/>
+              <a:t>Common packages are the </a:t>
+            </a:r>
+            <a:r>
+              <a:rPr lang="en-US" dirty="0" err="1"/>
+              <a:t>tidyverse</a:t>
+            </a:r>
+            <a:r>
+              <a:rPr lang="en-US" dirty="0"/>
+              <a:t> collection (more on this later!), </a:t>
+            </a:r>
+          </a:p>
+          <a:p>
+            <a:pPr lvl="1"/>
+            <a:r>
+              <a:rPr lang="en-US" dirty="0" err="1"/>
+              <a:t>mgcv</a:t>
+            </a:r>
+            <a:r>
+              <a:rPr lang="en-US" dirty="0"/>
+              <a:t> or </a:t>
+            </a:r>
+            <a:r>
+              <a:rPr lang="en-US" dirty="0" err="1"/>
+              <a:t>nlme</a:t>
+            </a:r>
+            <a:r>
+              <a:rPr lang="en-US" dirty="0"/>
+              <a:t> for more advanced modeling, </a:t>
+            </a:r>
+          </a:p>
+          <a:p>
+            <a:pPr lvl="1"/>
+            <a:r>
+              <a:rPr lang="en-US" dirty="0" err="1"/>
+              <a:t>lubridate</a:t>
+            </a:r>
+            <a:r>
+              <a:rPr lang="en-US" dirty="0"/>
+              <a:t> for dealing with dates (get it?!), </a:t>
+            </a:r>
+          </a:p>
+          <a:p>
+            <a:pPr lvl="1"/>
+            <a:r>
+              <a:rPr lang="en-US" dirty="0"/>
+              <a:t>scales for dealing with ease of plotting axis scales, </a:t>
+            </a:r>
+          </a:p>
+          <a:p>
+            <a:pPr lvl="1"/>
+            <a:r>
+              <a:rPr lang="en-US" dirty="0" err="1"/>
+              <a:t>extrafont</a:t>
+            </a:r>
+            <a:r>
+              <a:rPr lang="en-US" dirty="0"/>
+              <a:t> for fonts other than default, </a:t>
+            </a:r>
+          </a:p>
+          <a:p>
+            <a:pPr lvl="1"/>
+            <a:r>
+              <a:rPr lang="en-US" dirty="0"/>
+              <a:t>here for relative filenames (if you share /rename file directories), </a:t>
+            </a:r>
+          </a:p>
+          <a:p>
+            <a:pPr lvl="1"/>
+            <a:r>
+              <a:rPr lang="en-US" dirty="0" err="1"/>
+              <a:t>cowplot</a:t>
+            </a:r>
+            <a:r>
+              <a:rPr lang="en-US" dirty="0"/>
+              <a:t> or patchwork for putting multiple plots together, </a:t>
+            </a:r>
+          </a:p>
+          <a:p>
+            <a:pPr lvl="1"/>
+            <a:r>
+              <a:rPr lang="en-US" dirty="0"/>
+              <a:t>vegan for multivariate statistics, </a:t>
+            </a:r>
+          </a:p>
+          <a:p>
+            <a:pPr lvl="1"/>
+            <a:r>
+              <a:rPr lang="en-US" dirty="0"/>
+              <a:t>1000s of others. </a:t>
+            </a:r>
+          </a:p>
+          <a:p>
+            <a:endParaRPr lang="en-US" dirty="0"/>
+          </a:p>
+        </p:txBody>
+      </p:sp>
+      <p:sp>
+        <p:nvSpPr>
+          <p:cNvPr id="5" name="Rectangle 4">
+            <a:extLst>
+              <a:ext uri="{FF2B5EF4-FFF2-40B4-BE49-F238E27FC236}">
+                <a16:creationId xmlns:a16="http://schemas.microsoft.com/office/drawing/2014/main" id="{B8B178A6-70B5-4BFA-B77A-3631200F9819}"/>
+              </a:ext>
+            </a:extLst>
+          </p:cNvPr>
+          <p:cNvSpPr/>
+          <p:nvPr/>
+        </p:nvSpPr>
+        <p:spPr>
+          <a:xfrm rot="16200000">
+            <a:off x="-3099620" y="3099620"/>
+            <a:ext cx="6858000" cy="658760"/>
+          </a:xfrm>
+          <a:prstGeom prst="rect">
+            <a:avLst/>
+          </a:prstGeom>
+          <a:solidFill>
+            <a:srgbClr val="CB592B"/>
+          </a:solidFill>
+          <a:ln>
+            <a:noFill/>
+          </a:ln>
+        </p:spPr>
+        <p:style>
+          <a:lnRef idx="2">
+            <a:schemeClr val="accent1">
+              <a:shade val="50000"/>
+            </a:schemeClr>
+          </a:lnRef>
+          <a:fillRef idx="1">
+            <a:schemeClr val="accent1"/>
+          </a:fillRef>
+          <a:effectRef idx="0">
+            <a:schemeClr val="accent1"/>
+          </a:effectRef>
+          <a:fontRef idx="minor">
+            <a:schemeClr val="lt1"/>
+          </a:fontRef>
+        </p:style>
+        <p:txBody>
+          <a:bodyPr rtlCol="0" anchor="ctr"/>
+          <a:lstStyle/>
+          <a:p>
+            <a:r>
+              <a:rPr lang="en-US" sz="1600" i="1" dirty="0"/>
+              <a:t>Powerpoint</a:t>
+            </a:r>
+            <a:endParaRPr lang="en-US" i="1" dirty="0"/>
+          </a:p>
+        </p:txBody>
+      </p:sp>
+    </p:spTree>
+    <p:extLst>
+      <p:ext uri="{BB962C8B-B14F-4D97-AF65-F5344CB8AC3E}">
+        <p14:creationId xmlns:p14="http://schemas.microsoft.com/office/powerpoint/2010/main" val="3798222918"/>
+      </p:ext>
+    </p:extLst>
+  </p:cSld>
+  <p:clrMapOvr>
+    <a:masterClrMapping/>
+  </p:clrMapOvr>
+</p:sld>
+</file>
+
 <file path=ppt/slides/slide28.xml><?xml version="1.0" encoding="utf-8"?>
 <p:sld xmlns:a="http://schemas.openxmlformats.org/drawingml/2006/main" xmlns:r="http://schemas.openxmlformats.org/officeDocument/2006/relationships" xmlns:p="http://schemas.openxmlformats.org/presentationml/2006/main">
   <p:cSld>
@@ -9326,7 +9360,7 @@
           <p:cNvPr id="2" name="Title 1">
             <a:extLst>
               <a:ext uri="{FF2B5EF4-FFF2-40B4-BE49-F238E27FC236}">
-                <a16:creationId xmlns:a16="http://schemas.microsoft.com/office/drawing/2014/main" id="{2065DBF2-455B-4B76-BCA6-A21B8F8225E2}"/>
+                <a16:creationId xmlns:a16="http://schemas.microsoft.com/office/drawing/2014/main" id="{806D77F8-B0B7-49B8-9131-D0D0143D5E07}"/>
               </a:ext>
             </a:extLst>
           </p:cNvPr>
@@ -9337,80 +9371,6 @@
             <p:ph type="title"/>
           </p:nvPr>
         </p:nvSpPr>
-        <p:spPr>
-          <a:xfrm>
-            <a:off x="590227" y="2766218"/>
-            <a:ext cx="10515600" cy="1325563"/>
-          </a:xfrm>
-        </p:spPr>
-        <p:txBody>
-          <a:bodyPr>
-            <a:normAutofit/>
-          </a:bodyPr>
-          <a:lstStyle/>
-          <a:p>
-            <a:pPr algn="ctr"/>
-            <a:r>
-              <a:rPr lang="en-US" sz="6600" b="1" dirty="0"/>
-              <a:t>3 – Working With </a:t>
-            </a:r>
-            <a:r>
-              <a:rPr lang="en-US" sz="6600" b="1" i="1" dirty="0"/>
-              <a:t>Your</a:t>
-            </a:r>
-            <a:r>
-              <a:rPr lang="en-US" sz="6600" b="1" dirty="0"/>
-              <a:t> Data</a:t>
-            </a:r>
-          </a:p>
-        </p:txBody>
-      </p:sp>
-    </p:spTree>
-    <p:extLst>
-      <p:ext uri="{BB962C8B-B14F-4D97-AF65-F5344CB8AC3E}">
-        <p14:creationId xmlns:p14="http://schemas.microsoft.com/office/powerpoint/2010/main" val="3953972227"/>
-      </p:ext>
-    </p:extLst>
-  </p:cSld>
-  <p:clrMapOvr>
-    <a:masterClrMapping/>
-  </p:clrMapOvr>
-</p:sld>
-</file>
-
-<file path=ppt/slides/slide29.xml><?xml version="1.0" encoding="utf-8"?>
-<p:sld xmlns:a="http://schemas.openxmlformats.org/drawingml/2006/main" xmlns:r="http://schemas.openxmlformats.org/officeDocument/2006/relationships" xmlns:p="http://schemas.openxmlformats.org/presentationml/2006/main">
-  <p:cSld>
-    <p:spTree>
-      <p:nvGrpSpPr>
-        <p:cNvPr id="1" name=""/>
-        <p:cNvGrpSpPr/>
-        <p:nvPr/>
-      </p:nvGrpSpPr>
-      <p:grpSpPr>
-        <a:xfrm>
-          <a:off x="0" y="0"/>
-          <a:ext cx="0" cy="0"/>
-          <a:chOff x="0" y="0"/>
-          <a:chExt cx="0" cy="0"/>
-        </a:xfrm>
-      </p:grpSpPr>
-      <p:sp>
-        <p:nvSpPr>
-          <p:cNvPr id="2" name="Title 1">
-            <a:extLst>
-              <a:ext uri="{FF2B5EF4-FFF2-40B4-BE49-F238E27FC236}">
-                <a16:creationId xmlns:a16="http://schemas.microsoft.com/office/drawing/2014/main" id="{DF91DF34-55CF-447B-8D22-6D086F2FBE3A}"/>
-              </a:ext>
-            </a:extLst>
-          </p:cNvPr>
-          <p:cNvSpPr>
-            <a:spLocks noGrp="1"/>
-          </p:cNvSpPr>
-          <p:nvPr>
-            <p:ph type="title"/>
-          </p:nvPr>
-        </p:nvSpPr>
         <p:spPr/>
         <p:txBody>
           <a:bodyPr/>
@@ -9418,7 +9378,7 @@
           <a:p>
             <a:r>
               <a:rPr lang="en-US" dirty="0"/>
-              <a:t>But First! Directories</a:t>
+              <a:t>Stop! And Restarting</a:t>
             </a:r>
           </a:p>
         </p:txBody>
@@ -9428,7 +9388,7 @@
           <p:cNvPr id="3" name="Content Placeholder 2">
             <a:extLst>
               <a:ext uri="{FF2B5EF4-FFF2-40B4-BE49-F238E27FC236}">
-                <a16:creationId xmlns:a16="http://schemas.microsoft.com/office/drawing/2014/main" id="{E558C028-D80C-4276-9EC2-C5376E9C5137}"/>
+                <a16:creationId xmlns:a16="http://schemas.microsoft.com/office/drawing/2014/main" id="{7EFCDCE9-A13B-4518-BF6C-69EF9291F3D7}"/>
               </a:ext>
             </a:extLst>
           </p:cNvPr>
@@ -9446,72 +9406,13 @@
           <a:p>
             <a:r>
               <a:rPr lang="en-US" dirty="0"/>
-              <a:t>Before getting your data in, you should know where R thinks you are</a:t>
-            </a:r>
-          </a:p>
-          <a:p>
-            <a:r>
-              <a:rPr lang="en-US" dirty="0"/>
-              <a:t>By using modern tools in R (especially </a:t>
-            </a:r>
-            <a:r>
-              <a:rPr lang="en-US" dirty="0" err="1"/>
-              <a:t>RProjects</a:t>
-            </a:r>
-            <a:r>
-              <a:rPr lang="en-US" dirty="0"/>
-              <a:t>) we avoid most of the previous headaches with directories; regardless, it’s important to be aware of it. </a:t>
-            </a:r>
-          </a:p>
-          <a:p>
-            <a:r>
-              <a:rPr lang="en-US" dirty="0"/>
-              <a:t>Type </a:t>
-            </a:r>
-            <a:r>
-              <a:rPr lang="en-US" dirty="0" err="1"/>
-              <a:t>getwd</a:t>
-            </a:r>
-            <a:r>
-              <a:rPr lang="en-US" dirty="0"/>
-              <a:t>() to see what your working directory is. What happens if you write </a:t>
-            </a:r>
-          </a:p>
-          <a:p>
-            <a:pPr marL="0" indent="0">
-              <a:buNone/>
-            </a:pPr>
-            <a:r>
-              <a:rPr lang="en-US" sz="2400" dirty="0">
-                <a:latin typeface="Consolas" panose="020B0609020204030204" pitchFamily="49" charset="0"/>
-              </a:rPr>
-              <a:t>&gt; read.csv(“input.csv”)</a:t>
-            </a:r>
-            <a:r>
-              <a:rPr lang="en-US" dirty="0">
-                <a:latin typeface="Consolas" panose="020B0609020204030204" pitchFamily="49" charset="0"/>
-              </a:rPr>
-              <a:t> </a:t>
-            </a:r>
-          </a:p>
-          <a:p>
-            <a:pPr marL="0" indent="0">
-              <a:buNone/>
-            </a:pPr>
-            <a:r>
-              <a:rPr lang="en-US" dirty="0"/>
-              <a:t> It can’t find the file. Change this to </a:t>
-            </a:r>
-          </a:p>
-          <a:p>
-            <a:pPr marL="0" indent="0">
-              <a:buNone/>
-            </a:pPr>
-            <a:r>
-              <a:rPr lang="en-US" sz="2400" dirty="0">
-                <a:latin typeface="Consolas" panose="020B0609020204030204" pitchFamily="49" charset="0"/>
-              </a:rPr>
-              <a:t>&gt; read.csv(“data/input.csv”)</a:t>
+              <a:t>Practice closing out of RStudio and then reopening. You can click save workspace or not. See what happens when you do both!</a:t>
+            </a:r>
+          </a:p>
+          <a:p>
+            <a:r>
+              <a:rPr lang="en-US" dirty="0"/>
+              <a:t>Practice closing out of a long loop (stop button) and open-ended code (esc key in console)</a:t>
             </a:r>
           </a:p>
           <a:p>
@@ -9521,10 +9422,10 @@
       </p:sp>
       <p:sp>
         <p:nvSpPr>
-          <p:cNvPr id="5" name="Rectangle 4">
-            <a:extLst>
-              <a:ext uri="{FF2B5EF4-FFF2-40B4-BE49-F238E27FC236}">
-                <a16:creationId xmlns:a16="http://schemas.microsoft.com/office/drawing/2014/main" id="{C698E5BD-77E8-4F51-ABC0-C54540E4A8D5}"/>
+          <p:cNvPr id="7" name="Rectangle 6">
+            <a:extLst>
+              <a:ext uri="{FF2B5EF4-FFF2-40B4-BE49-F238E27FC236}">
+                <a16:creationId xmlns:a16="http://schemas.microsoft.com/office/drawing/2014/main" id="{047B0A14-5585-424C-80A2-E28D26587FA7}"/>
               </a:ext>
             </a:extLst>
           </p:cNvPr>
@@ -9577,7 +9478,444 @@
     </p:spTree>
     <p:extLst>
       <p:ext uri="{BB962C8B-B14F-4D97-AF65-F5344CB8AC3E}">
-        <p14:creationId xmlns:p14="http://schemas.microsoft.com/office/powerpoint/2010/main" val="3077266544"/>
+        <p14:creationId xmlns:p14="http://schemas.microsoft.com/office/powerpoint/2010/main" val="1477459938"/>
+      </p:ext>
+    </p:extLst>
+  </p:cSld>
+  <p:clrMapOvr>
+    <a:masterClrMapping/>
+  </p:clrMapOvr>
+</p:sld>
+</file>
+
+<file path=ppt/slides/slide29.xml><?xml version="1.0" encoding="utf-8"?>
+<p:sld xmlns:a="http://schemas.openxmlformats.org/drawingml/2006/main" xmlns:r="http://schemas.openxmlformats.org/officeDocument/2006/relationships" xmlns:p="http://schemas.openxmlformats.org/presentationml/2006/main">
+  <p:cSld>
+    <p:spTree>
+      <p:nvGrpSpPr>
+        <p:cNvPr id="1" name=""/>
+        <p:cNvGrpSpPr/>
+        <p:nvPr/>
+      </p:nvGrpSpPr>
+      <p:grpSpPr>
+        <a:xfrm>
+          <a:off x="0" y="0"/>
+          <a:ext cx="0" cy="0"/>
+          <a:chOff x="0" y="0"/>
+          <a:chExt cx="0" cy="0"/>
+        </a:xfrm>
+      </p:grpSpPr>
+      <p:sp>
+        <p:nvSpPr>
+          <p:cNvPr id="2" name="Title 1">
+            <a:extLst>
+              <a:ext uri="{FF2B5EF4-FFF2-40B4-BE49-F238E27FC236}">
+                <a16:creationId xmlns:a16="http://schemas.microsoft.com/office/drawing/2014/main" id="{2DF9ACCF-96E6-41F8-B607-79BD9E31D127}"/>
+              </a:ext>
+            </a:extLst>
+          </p:cNvPr>
+          <p:cNvSpPr>
+            <a:spLocks noGrp="1"/>
+          </p:cNvSpPr>
+          <p:nvPr>
+            <p:ph type="title"/>
+          </p:nvPr>
+        </p:nvSpPr>
+        <p:spPr/>
+        <p:txBody>
+          <a:bodyPr/>
+          <a:lstStyle/>
+          <a:p>
+            <a:r>
+              <a:rPr lang="en-US" dirty="0"/>
+              <a:t>Quiz 2-1</a:t>
+            </a:r>
+          </a:p>
+        </p:txBody>
+      </p:sp>
+      <p:sp>
+        <p:nvSpPr>
+          <p:cNvPr id="3" name="Content Placeholder 2">
+            <a:extLst>
+              <a:ext uri="{FF2B5EF4-FFF2-40B4-BE49-F238E27FC236}">
+                <a16:creationId xmlns:a16="http://schemas.microsoft.com/office/drawing/2014/main" id="{CDF55C37-DC1C-4A2A-A449-93B2EDA85153}"/>
+              </a:ext>
+            </a:extLst>
+          </p:cNvPr>
+          <p:cNvSpPr>
+            <a:spLocks noGrp="1"/>
+          </p:cNvSpPr>
+          <p:nvPr>
+            <p:ph idx="1"/>
+          </p:nvPr>
+        </p:nvSpPr>
+        <p:spPr>
+          <a:xfrm>
+            <a:off x="838200" y="1825625"/>
+            <a:ext cx="4884174" cy="4351338"/>
+          </a:xfrm>
+        </p:spPr>
+        <p:txBody>
+          <a:bodyPr/>
+          <a:lstStyle/>
+          <a:p>
+            <a:pPr marL="0" indent="0">
+              <a:buNone/>
+            </a:pPr>
+            <a:r>
+              <a:rPr lang="en-US" dirty="0"/>
+              <a:t>Which two of the following will run?</a:t>
+            </a:r>
+          </a:p>
+          <a:p>
+            <a:r>
+              <a:rPr lang="en-US" dirty="0">
+                <a:latin typeface="Consolas" panose="020B0609020204030204" pitchFamily="49" charset="0"/>
+              </a:rPr>
+              <a:t>c(1,2,3,4, “five”)</a:t>
+            </a:r>
+          </a:p>
+          <a:p>
+            <a:r>
+              <a:rPr lang="en-US" dirty="0">
+                <a:latin typeface="Consolas" panose="020B0609020204030204" pitchFamily="49" charset="0"/>
+              </a:rPr>
+              <a:t>c(1, 2, 3, 4, 5)</a:t>
+            </a:r>
+          </a:p>
+          <a:p>
+            <a:r>
+              <a:rPr lang="en-US" dirty="0">
+                <a:latin typeface="Consolas" panose="020B0609020204030204" pitchFamily="49" charset="0"/>
+              </a:rPr>
+              <a:t>c(1, 2, 3, five) </a:t>
+            </a:r>
+          </a:p>
+          <a:p>
+            <a:r>
+              <a:rPr lang="en-US" dirty="0">
+                <a:latin typeface="Consolas" panose="020B0609020204030204" pitchFamily="49" charset="0"/>
+              </a:rPr>
+              <a:t>C(1,2,3,4,5)</a:t>
+            </a:r>
+          </a:p>
+          <a:p>
+            <a:endParaRPr lang="en-US" dirty="0">
+              <a:latin typeface="Consolas" panose="020B0609020204030204" pitchFamily="49" charset="0"/>
+            </a:endParaRPr>
+          </a:p>
+          <a:p>
+            <a:r>
+              <a:rPr lang="en-US" dirty="0"/>
+              <a:t>Now test your answers in R</a:t>
+            </a:r>
+          </a:p>
+        </p:txBody>
+      </p:sp>
+      <p:sp>
+        <p:nvSpPr>
+          <p:cNvPr id="5" name="Rectangle 4">
+            <a:extLst>
+              <a:ext uri="{FF2B5EF4-FFF2-40B4-BE49-F238E27FC236}">
+                <a16:creationId xmlns:a16="http://schemas.microsoft.com/office/drawing/2014/main" id="{EFB5E4AB-B7A6-4612-B3E2-67703CC55133}"/>
+              </a:ext>
+            </a:extLst>
+          </p:cNvPr>
+          <p:cNvSpPr/>
+          <p:nvPr/>
+        </p:nvSpPr>
+        <p:spPr>
+          <a:xfrm rot="16200000">
+            <a:off x="-3099620" y="3099620"/>
+            <a:ext cx="6858000" cy="658760"/>
+          </a:xfrm>
+          <a:prstGeom prst="rect">
+            <a:avLst/>
+          </a:prstGeom>
+          <a:solidFill>
+            <a:srgbClr val="38D7EC"/>
+          </a:solidFill>
+          <a:ln>
+            <a:noFill/>
+          </a:ln>
+        </p:spPr>
+        <p:style>
+          <a:lnRef idx="2">
+            <a:schemeClr val="accent1">
+              <a:shade val="50000"/>
+            </a:schemeClr>
+          </a:lnRef>
+          <a:fillRef idx="1">
+            <a:schemeClr val="accent1"/>
+          </a:fillRef>
+          <a:effectRef idx="0">
+            <a:schemeClr val="accent1"/>
+          </a:effectRef>
+          <a:fontRef idx="minor">
+            <a:schemeClr val="lt1"/>
+          </a:fontRef>
+        </p:style>
+        <p:txBody>
+          <a:bodyPr rtlCol="0" anchor="ctr"/>
+          <a:lstStyle/>
+          <a:p>
+            <a:r>
+              <a:rPr lang="en-US" sz="1600" i="1" dirty="0"/>
+              <a:t>QUIZ!</a:t>
+            </a:r>
+            <a:endParaRPr lang="en-US" i="1" dirty="0"/>
+          </a:p>
+        </p:txBody>
+      </p:sp>
+      <p:sp>
+        <p:nvSpPr>
+          <p:cNvPr id="6" name="Content Placeholder 2">
+            <a:extLst>
+              <a:ext uri="{FF2B5EF4-FFF2-40B4-BE49-F238E27FC236}">
+                <a16:creationId xmlns:a16="http://schemas.microsoft.com/office/drawing/2014/main" id="{AC9C67AD-EAA0-4DDC-9947-9213AA9424FB}"/>
+              </a:ext>
+            </a:extLst>
+          </p:cNvPr>
+          <p:cNvSpPr txBox="1">
+            <a:spLocks/>
+          </p:cNvSpPr>
+          <p:nvPr/>
+        </p:nvSpPr>
+        <p:spPr>
+          <a:xfrm>
+            <a:off x="6594987" y="1825625"/>
+            <a:ext cx="4884174" cy="4351338"/>
+          </a:xfrm>
+          <a:prstGeom prst="rect">
+            <a:avLst/>
+          </a:prstGeom>
+        </p:spPr>
+        <p:txBody>
+          <a:bodyPr vert="horz" lIns="91440" tIns="45720" rIns="91440" bIns="45720" rtlCol="0">
+            <a:normAutofit/>
+          </a:bodyPr>
+          <a:lstStyle>
+            <a:lvl1pPr marL="228600" indent="-228600" algn="l" defTabSz="914400" rtl="0" eaLnBrk="1" latinLnBrk="0" hangingPunct="1">
+              <a:lnSpc>
+                <a:spcPct val="90000"/>
+              </a:lnSpc>
+              <a:spcBef>
+                <a:spcPts val="1000"/>
+              </a:spcBef>
+              <a:buFont typeface="Arial" panose="020B0604020202020204" pitchFamily="34" charset="0"/>
+              <a:buChar char="•"/>
+              <a:defRPr sz="2800" kern="1200">
+                <a:solidFill>
+                  <a:schemeClr val="tx1"/>
+                </a:solidFill>
+                <a:latin typeface="+mn-lt"/>
+                <a:ea typeface="+mn-ea"/>
+                <a:cs typeface="+mn-cs"/>
+              </a:defRPr>
+            </a:lvl1pPr>
+            <a:lvl2pPr marL="685800" indent="-228600" algn="l" defTabSz="914400" rtl="0" eaLnBrk="1" latinLnBrk="0" hangingPunct="1">
+              <a:lnSpc>
+                <a:spcPct val="90000"/>
+              </a:lnSpc>
+              <a:spcBef>
+                <a:spcPts val="500"/>
+              </a:spcBef>
+              <a:buFont typeface="Arial" panose="020B0604020202020204" pitchFamily="34" charset="0"/>
+              <a:buChar char="•"/>
+              <a:defRPr sz="2400" kern="1200">
+                <a:solidFill>
+                  <a:schemeClr val="tx1"/>
+                </a:solidFill>
+                <a:latin typeface="+mn-lt"/>
+                <a:ea typeface="+mn-ea"/>
+                <a:cs typeface="+mn-cs"/>
+              </a:defRPr>
+            </a:lvl2pPr>
+            <a:lvl3pPr marL="1143000" indent="-228600" algn="l" defTabSz="914400" rtl="0" eaLnBrk="1" latinLnBrk="0" hangingPunct="1">
+              <a:lnSpc>
+                <a:spcPct val="90000"/>
+              </a:lnSpc>
+              <a:spcBef>
+                <a:spcPts val="500"/>
+              </a:spcBef>
+              <a:buFont typeface="Arial" panose="020B0604020202020204" pitchFamily="34" charset="0"/>
+              <a:buChar char="•"/>
+              <a:defRPr sz="2000" kern="1200">
+                <a:solidFill>
+                  <a:schemeClr val="tx1"/>
+                </a:solidFill>
+                <a:latin typeface="+mn-lt"/>
+                <a:ea typeface="+mn-ea"/>
+                <a:cs typeface="+mn-cs"/>
+              </a:defRPr>
+            </a:lvl3pPr>
+            <a:lvl4pPr marL="1600200" indent="-228600" algn="l" defTabSz="914400" rtl="0" eaLnBrk="1" latinLnBrk="0" hangingPunct="1">
+              <a:lnSpc>
+                <a:spcPct val="90000"/>
+              </a:lnSpc>
+              <a:spcBef>
+                <a:spcPts val="500"/>
+              </a:spcBef>
+              <a:buFont typeface="Arial" panose="020B0604020202020204" pitchFamily="34" charset="0"/>
+              <a:buChar char="•"/>
+              <a:defRPr sz="1800" kern="1200">
+                <a:solidFill>
+                  <a:schemeClr val="tx1"/>
+                </a:solidFill>
+                <a:latin typeface="+mn-lt"/>
+                <a:ea typeface="+mn-ea"/>
+                <a:cs typeface="+mn-cs"/>
+              </a:defRPr>
+            </a:lvl4pPr>
+            <a:lvl5pPr marL="2057400" indent="-228600" algn="l" defTabSz="914400" rtl="0" eaLnBrk="1" latinLnBrk="0" hangingPunct="1">
+              <a:lnSpc>
+                <a:spcPct val="90000"/>
+              </a:lnSpc>
+              <a:spcBef>
+                <a:spcPts val="500"/>
+              </a:spcBef>
+              <a:buFont typeface="Arial" panose="020B0604020202020204" pitchFamily="34" charset="0"/>
+              <a:buChar char="•"/>
+              <a:defRPr sz="1800" kern="1200">
+                <a:solidFill>
+                  <a:schemeClr val="tx1"/>
+                </a:solidFill>
+                <a:latin typeface="+mn-lt"/>
+                <a:ea typeface="+mn-ea"/>
+                <a:cs typeface="+mn-cs"/>
+              </a:defRPr>
+            </a:lvl5pPr>
+            <a:lvl6pPr marL="2514600" indent="-228600" algn="l" defTabSz="914400" rtl="0" eaLnBrk="1" latinLnBrk="0" hangingPunct="1">
+              <a:lnSpc>
+                <a:spcPct val="90000"/>
+              </a:lnSpc>
+              <a:spcBef>
+                <a:spcPts val="500"/>
+              </a:spcBef>
+              <a:buFont typeface="Arial" panose="020B0604020202020204" pitchFamily="34" charset="0"/>
+              <a:buChar char="•"/>
+              <a:defRPr sz="1800" kern="1200">
+                <a:solidFill>
+                  <a:schemeClr val="tx1"/>
+                </a:solidFill>
+                <a:latin typeface="+mn-lt"/>
+                <a:ea typeface="+mn-ea"/>
+                <a:cs typeface="+mn-cs"/>
+              </a:defRPr>
+            </a:lvl6pPr>
+            <a:lvl7pPr marL="2971800" indent="-228600" algn="l" defTabSz="914400" rtl="0" eaLnBrk="1" latinLnBrk="0" hangingPunct="1">
+              <a:lnSpc>
+                <a:spcPct val="90000"/>
+              </a:lnSpc>
+              <a:spcBef>
+                <a:spcPts val="500"/>
+              </a:spcBef>
+              <a:buFont typeface="Arial" panose="020B0604020202020204" pitchFamily="34" charset="0"/>
+              <a:buChar char="•"/>
+              <a:defRPr sz="1800" kern="1200">
+                <a:solidFill>
+                  <a:schemeClr val="tx1"/>
+                </a:solidFill>
+                <a:latin typeface="+mn-lt"/>
+                <a:ea typeface="+mn-ea"/>
+                <a:cs typeface="+mn-cs"/>
+              </a:defRPr>
+            </a:lvl7pPr>
+            <a:lvl8pPr marL="3429000" indent="-228600" algn="l" defTabSz="914400" rtl="0" eaLnBrk="1" latinLnBrk="0" hangingPunct="1">
+              <a:lnSpc>
+                <a:spcPct val="90000"/>
+              </a:lnSpc>
+              <a:spcBef>
+                <a:spcPts val="500"/>
+              </a:spcBef>
+              <a:buFont typeface="Arial" panose="020B0604020202020204" pitchFamily="34" charset="0"/>
+              <a:buChar char="•"/>
+              <a:defRPr sz="1800" kern="1200">
+                <a:solidFill>
+                  <a:schemeClr val="tx1"/>
+                </a:solidFill>
+                <a:latin typeface="+mn-lt"/>
+                <a:ea typeface="+mn-ea"/>
+                <a:cs typeface="+mn-cs"/>
+              </a:defRPr>
+            </a:lvl8pPr>
+            <a:lvl9pPr marL="3886200" indent="-228600" algn="l" defTabSz="914400" rtl="0" eaLnBrk="1" latinLnBrk="0" hangingPunct="1">
+              <a:lnSpc>
+                <a:spcPct val="90000"/>
+              </a:lnSpc>
+              <a:spcBef>
+                <a:spcPts val="500"/>
+              </a:spcBef>
+              <a:buFont typeface="Arial" panose="020B0604020202020204" pitchFamily="34" charset="0"/>
+              <a:buChar char="•"/>
+              <a:defRPr sz="1800" kern="1200">
+                <a:solidFill>
+                  <a:schemeClr val="tx1"/>
+                </a:solidFill>
+                <a:latin typeface="+mn-lt"/>
+                <a:ea typeface="+mn-ea"/>
+                <a:cs typeface="+mn-cs"/>
+              </a:defRPr>
+            </a:lvl9pPr>
+          </a:lstStyle>
+          <a:p>
+            <a:pPr marL="0" indent="0">
+              <a:buFont typeface="Arial" panose="020B0604020202020204" pitchFamily="34" charset="0"/>
+              <a:buNone/>
+            </a:pPr>
+            <a:r>
+              <a:rPr lang="en-US" dirty="0"/>
+              <a:t>Which one makes a numerical sequence?</a:t>
+            </a:r>
+          </a:p>
+          <a:p>
+            <a:r>
+              <a:rPr lang="en-US" dirty="0">
+                <a:latin typeface="Consolas" panose="020B0609020204030204" pitchFamily="49" charset="0"/>
+              </a:rPr>
+              <a:t>c(1,2,3,4, “five”)</a:t>
+            </a:r>
+          </a:p>
+          <a:p>
+            <a:r>
+              <a:rPr lang="en-US" dirty="0">
+                <a:latin typeface="Consolas" panose="020B0609020204030204" pitchFamily="49" charset="0"/>
+              </a:rPr>
+              <a:t>c(1, 2, 3, 4, 5)</a:t>
+            </a:r>
+          </a:p>
+          <a:p>
+            <a:r>
+              <a:rPr lang="en-US" dirty="0">
+                <a:latin typeface="Consolas" panose="020B0609020204030204" pitchFamily="49" charset="0"/>
+              </a:rPr>
+              <a:t>c(1, 2, 3, five) </a:t>
+            </a:r>
+          </a:p>
+          <a:p>
+            <a:r>
+              <a:rPr lang="en-US" dirty="0">
+                <a:latin typeface="Consolas" panose="020B0609020204030204" pitchFamily="49" charset="0"/>
+              </a:rPr>
+              <a:t>C(1,2,3,4,5)</a:t>
+            </a:r>
+          </a:p>
+          <a:p>
+            <a:endParaRPr lang="en-US" dirty="0">
+              <a:latin typeface="Consolas" panose="020B0609020204030204" pitchFamily="49" charset="0"/>
+            </a:endParaRPr>
+          </a:p>
+          <a:p>
+            <a:endParaRPr lang="en-US" dirty="0">
+              <a:latin typeface="Consolas" panose="020B0609020204030204" pitchFamily="49" charset="0"/>
+            </a:endParaRPr>
+          </a:p>
+        </p:txBody>
+      </p:sp>
+    </p:spTree>
+    <p:extLst>
+      <p:ext uri="{BB962C8B-B14F-4D97-AF65-F5344CB8AC3E}">
+        <p14:creationId xmlns:p14="http://schemas.microsoft.com/office/powerpoint/2010/main" val="2155162697"/>
       </p:ext>
     </p:extLst>
   </p:cSld>
@@ -9715,6 +10053,804 @@
 </file>
 
 <file path=ppt/slides/slide30.xml><?xml version="1.0" encoding="utf-8"?>
+<p:sld xmlns:a="http://schemas.openxmlformats.org/drawingml/2006/main" xmlns:r="http://schemas.openxmlformats.org/officeDocument/2006/relationships" xmlns:p="http://schemas.openxmlformats.org/presentationml/2006/main">
+  <p:cSld>
+    <p:spTree>
+      <p:nvGrpSpPr>
+        <p:cNvPr id="1" name=""/>
+        <p:cNvGrpSpPr/>
+        <p:nvPr/>
+      </p:nvGrpSpPr>
+      <p:grpSpPr>
+        <a:xfrm>
+          <a:off x="0" y="0"/>
+          <a:ext cx="0" cy="0"/>
+          <a:chOff x="0" y="0"/>
+          <a:chExt cx="0" cy="0"/>
+        </a:xfrm>
+      </p:grpSpPr>
+      <p:sp>
+        <p:nvSpPr>
+          <p:cNvPr id="2" name="Title 1">
+            <a:extLst>
+              <a:ext uri="{FF2B5EF4-FFF2-40B4-BE49-F238E27FC236}">
+                <a16:creationId xmlns:a16="http://schemas.microsoft.com/office/drawing/2014/main" id="{2DF9ACCF-96E6-41F8-B607-79BD9E31D127}"/>
+              </a:ext>
+            </a:extLst>
+          </p:cNvPr>
+          <p:cNvSpPr>
+            <a:spLocks noGrp="1"/>
+          </p:cNvSpPr>
+          <p:nvPr>
+            <p:ph type="title"/>
+          </p:nvPr>
+        </p:nvSpPr>
+        <p:spPr/>
+        <p:txBody>
+          <a:bodyPr/>
+          <a:lstStyle/>
+          <a:p>
+            <a:r>
+              <a:rPr lang="en-US" dirty="0"/>
+              <a:t>Quiz 2-1 ANSWERS</a:t>
+            </a:r>
+          </a:p>
+        </p:txBody>
+      </p:sp>
+      <p:sp>
+        <p:nvSpPr>
+          <p:cNvPr id="3" name="Content Placeholder 2">
+            <a:extLst>
+              <a:ext uri="{FF2B5EF4-FFF2-40B4-BE49-F238E27FC236}">
+                <a16:creationId xmlns:a16="http://schemas.microsoft.com/office/drawing/2014/main" id="{CDF55C37-DC1C-4A2A-A449-93B2EDA85153}"/>
+              </a:ext>
+            </a:extLst>
+          </p:cNvPr>
+          <p:cNvSpPr>
+            <a:spLocks noGrp="1"/>
+          </p:cNvSpPr>
+          <p:nvPr>
+            <p:ph idx="1"/>
+          </p:nvPr>
+        </p:nvSpPr>
+        <p:spPr>
+          <a:xfrm>
+            <a:off x="838200" y="1825625"/>
+            <a:ext cx="4884174" cy="4351338"/>
+          </a:xfrm>
+        </p:spPr>
+        <p:txBody>
+          <a:bodyPr/>
+          <a:lstStyle/>
+          <a:p>
+            <a:pPr marL="0" indent="0">
+              <a:buNone/>
+            </a:pPr>
+            <a:r>
+              <a:rPr lang="en-US" dirty="0"/>
+              <a:t>Which two of the following will run?</a:t>
+            </a:r>
+          </a:p>
+          <a:p>
+            <a:r>
+              <a:rPr lang="en-US" dirty="0">
+                <a:latin typeface="Consolas" panose="020B0609020204030204" pitchFamily="49" charset="0"/>
+              </a:rPr>
+              <a:t>c(1,2,3,4, “five”)</a:t>
+            </a:r>
+          </a:p>
+          <a:p>
+            <a:r>
+              <a:rPr lang="en-US" dirty="0">
+                <a:latin typeface="Consolas" panose="020B0609020204030204" pitchFamily="49" charset="0"/>
+              </a:rPr>
+              <a:t>c(1, 2, 3, 4, 5)</a:t>
+            </a:r>
+          </a:p>
+          <a:p>
+            <a:r>
+              <a:rPr lang="en-US" dirty="0">
+                <a:latin typeface="Consolas" panose="020B0609020204030204" pitchFamily="49" charset="0"/>
+              </a:rPr>
+              <a:t>c(1, 2, 3, five) </a:t>
+            </a:r>
+          </a:p>
+          <a:p>
+            <a:r>
+              <a:rPr lang="en-US" dirty="0">
+                <a:latin typeface="Consolas" panose="020B0609020204030204" pitchFamily="49" charset="0"/>
+              </a:rPr>
+              <a:t>C(1,2,3,4,5)</a:t>
+            </a:r>
+          </a:p>
+          <a:p>
+            <a:endParaRPr lang="en-US" dirty="0">
+              <a:latin typeface="Consolas" panose="020B0609020204030204" pitchFamily="49" charset="0"/>
+            </a:endParaRPr>
+          </a:p>
+          <a:p>
+            <a:r>
+              <a:rPr lang="en-US" dirty="0"/>
+              <a:t>Now test your answers in R</a:t>
+            </a:r>
+          </a:p>
+        </p:txBody>
+      </p:sp>
+      <p:sp>
+        <p:nvSpPr>
+          <p:cNvPr id="5" name="Rectangle 4">
+            <a:extLst>
+              <a:ext uri="{FF2B5EF4-FFF2-40B4-BE49-F238E27FC236}">
+                <a16:creationId xmlns:a16="http://schemas.microsoft.com/office/drawing/2014/main" id="{EFB5E4AB-B7A6-4612-B3E2-67703CC55133}"/>
+              </a:ext>
+            </a:extLst>
+          </p:cNvPr>
+          <p:cNvSpPr/>
+          <p:nvPr/>
+        </p:nvSpPr>
+        <p:spPr>
+          <a:xfrm rot="16200000">
+            <a:off x="-3099620" y="3099620"/>
+            <a:ext cx="6858000" cy="658760"/>
+          </a:xfrm>
+          <a:prstGeom prst="rect">
+            <a:avLst/>
+          </a:prstGeom>
+          <a:solidFill>
+            <a:srgbClr val="38D7EC"/>
+          </a:solidFill>
+          <a:ln>
+            <a:noFill/>
+          </a:ln>
+        </p:spPr>
+        <p:style>
+          <a:lnRef idx="2">
+            <a:schemeClr val="accent1">
+              <a:shade val="50000"/>
+            </a:schemeClr>
+          </a:lnRef>
+          <a:fillRef idx="1">
+            <a:schemeClr val="accent1"/>
+          </a:fillRef>
+          <a:effectRef idx="0">
+            <a:schemeClr val="accent1"/>
+          </a:effectRef>
+          <a:fontRef idx="minor">
+            <a:schemeClr val="lt1"/>
+          </a:fontRef>
+        </p:style>
+        <p:txBody>
+          <a:bodyPr rtlCol="0" anchor="ctr"/>
+          <a:lstStyle/>
+          <a:p>
+            <a:r>
+              <a:rPr lang="en-US" sz="1600" i="1" dirty="0"/>
+              <a:t>QUIZ!</a:t>
+            </a:r>
+            <a:endParaRPr lang="en-US" i="1" dirty="0"/>
+          </a:p>
+        </p:txBody>
+      </p:sp>
+      <p:sp>
+        <p:nvSpPr>
+          <p:cNvPr id="6" name="Content Placeholder 2">
+            <a:extLst>
+              <a:ext uri="{FF2B5EF4-FFF2-40B4-BE49-F238E27FC236}">
+                <a16:creationId xmlns:a16="http://schemas.microsoft.com/office/drawing/2014/main" id="{AC9C67AD-EAA0-4DDC-9947-9213AA9424FB}"/>
+              </a:ext>
+            </a:extLst>
+          </p:cNvPr>
+          <p:cNvSpPr txBox="1">
+            <a:spLocks/>
+          </p:cNvSpPr>
+          <p:nvPr/>
+        </p:nvSpPr>
+        <p:spPr>
+          <a:xfrm>
+            <a:off x="6594987" y="1825625"/>
+            <a:ext cx="4884174" cy="4351338"/>
+          </a:xfrm>
+          <a:prstGeom prst="rect">
+            <a:avLst/>
+          </a:prstGeom>
+        </p:spPr>
+        <p:txBody>
+          <a:bodyPr vert="horz" lIns="91440" tIns="45720" rIns="91440" bIns="45720" rtlCol="0">
+            <a:normAutofit/>
+          </a:bodyPr>
+          <a:lstStyle>
+            <a:lvl1pPr marL="228600" indent="-228600" algn="l" defTabSz="914400" rtl="0" eaLnBrk="1" latinLnBrk="0" hangingPunct="1">
+              <a:lnSpc>
+                <a:spcPct val="90000"/>
+              </a:lnSpc>
+              <a:spcBef>
+                <a:spcPts val="1000"/>
+              </a:spcBef>
+              <a:buFont typeface="Arial" panose="020B0604020202020204" pitchFamily="34" charset="0"/>
+              <a:buChar char="•"/>
+              <a:defRPr sz="2800" kern="1200">
+                <a:solidFill>
+                  <a:schemeClr val="tx1"/>
+                </a:solidFill>
+                <a:latin typeface="+mn-lt"/>
+                <a:ea typeface="+mn-ea"/>
+                <a:cs typeface="+mn-cs"/>
+              </a:defRPr>
+            </a:lvl1pPr>
+            <a:lvl2pPr marL="685800" indent="-228600" algn="l" defTabSz="914400" rtl="0" eaLnBrk="1" latinLnBrk="0" hangingPunct="1">
+              <a:lnSpc>
+                <a:spcPct val="90000"/>
+              </a:lnSpc>
+              <a:spcBef>
+                <a:spcPts val="500"/>
+              </a:spcBef>
+              <a:buFont typeface="Arial" panose="020B0604020202020204" pitchFamily="34" charset="0"/>
+              <a:buChar char="•"/>
+              <a:defRPr sz="2400" kern="1200">
+                <a:solidFill>
+                  <a:schemeClr val="tx1"/>
+                </a:solidFill>
+                <a:latin typeface="+mn-lt"/>
+                <a:ea typeface="+mn-ea"/>
+                <a:cs typeface="+mn-cs"/>
+              </a:defRPr>
+            </a:lvl2pPr>
+            <a:lvl3pPr marL="1143000" indent="-228600" algn="l" defTabSz="914400" rtl="0" eaLnBrk="1" latinLnBrk="0" hangingPunct="1">
+              <a:lnSpc>
+                <a:spcPct val="90000"/>
+              </a:lnSpc>
+              <a:spcBef>
+                <a:spcPts val="500"/>
+              </a:spcBef>
+              <a:buFont typeface="Arial" panose="020B0604020202020204" pitchFamily="34" charset="0"/>
+              <a:buChar char="•"/>
+              <a:defRPr sz="2000" kern="1200">
+                <a:solidFill>
+                  <a:schemeClr val="tx1"/>
+                </a:solidFill>
+                <a:latin typeface="+mn-lt"/>
+                <a:ea typeface="+mn-ea"/>
+                <a:cs typeface="+mn-cs"/>
+              </a:defRPr>
+            </a:lvl3pPr>
+            <a:lvl4pPr marL="1600200" indent="-228600" algn="l" defTabSz="914400" rtl="0" eaLnBrk="1" latinLnBrk="0" hangingPunct="1">
+              <a:lnSpc>
+                <a:spcPct val="90000"/>
+              </a:lnSpc>
+              <a:spcBef>
+                <a:spcPts val="500"/>
+              </a:spcBef>
+              <a:buFont typeface="Arial" panose="020B0604020202020204" pitchFamily="34" charset="0"/>
+              <a:buChar char="•"/>
+              <a:defRPr sz="1800" kern="1200">
+                <a:solidFill>
+                  <a:schemeClr val="tx1"/>
+                </a:solidFill>
+                <a:latin typeface="+mn-lt"/>
+                <a:ea typeface="+mn-ea"/>
+                <a:cs typeface="+mn-cs"/>
+              </a:defRPr>
+            </a:lvl4pPr>
+            <a:lvl5pPr marL="2057400" indent="-228600" algn="l" defTabSz="914400" rtl="0" eaLnBrk="1" latinLnBrk="0" hangingPunct="1">
+              <a:lnSpc>
+                <a:spcPct val="90000"/>
+              </a:lnSpc>
+              <a:spcBef>
+                <a:spcPts val="500"/>
+              </a:spcBef>
+              <a:buFont typeface="Arial" panose="020B0604020202020204" pitchFamily="34" charset="0"/>
+              <a:buChar char="•"/>
+              <a:defRPr sz="1800" kern="1200">
+                <a:solidFill>
+                  <a:schemeClr val="tx1"/>
+                </a:solidFill>
+                <a:latin typeface="+mn-lt"/>
+                <a:ea typeface="+mn-ea"/>
+                <a:cs typeface="+mn-cs"/>
+              </a:defRPr>
+            </a:lvl5pPr>
+            <a:lvl6pPr marL="2514600" indent="-228600" algn="l" defTabSz="914400" rtl="0" eaLnBrk="1" latinLnBrk="0" hangingPunct="1">
+              <a:lnSpc>
+                <a:spcPct val="90000"/>
+              </a:lnSpc>
+              <a:spcBef>
+                <a:spcPts val="500"/>
+              </a:spcBef>
+              <a:buFont typeface="Arial" panose="020B0604020202020204" pitchFamily="34" charset="0"/>
+              <a:buChar char="•"/>
+              <a:defRPr sz="1800" kern="1200">
+                <a:solidFill>
+                  <a:schemeClr val="tx1"/>
+                </a:solidFill>
+                <a:latin typeface="+mn-lt"/>
+                <a:ea typeface="+mn-ea"/>
+                <a:cs typeface="+mn-cs"/>
+              </a:defRPr>
+            </a:lvl6pPr>
+            <a:lvl7pPr marL="2971800" indent="-228600" algn="l" defTabSz="914400" rtl="0" eaLnBrk="1" latinLnBrk="0" hangingPunct="1">
+              <a:lnSpc>
+                <a:spcPct val="90000"/>
+              </a:lnSpc>
+              <a:spcBef>
+                <a:spcPts val="500"/>
+              </a:spcBef>
+              <a:buFont typeface="Arial" panose="020B0604020202020204" pitchFamily="34" charset="0"/>
+              <a:buChar char="•"/>
+              <a:defRPr sz="1800" kern="1200">
+                <a:solidFill>
+                  <a:schemeClr val="tx1"/>
+                </a:solidFill>
+                <a:latin typeface="+mn-lt"/>
+                <a:ea typeface="+mn-ea"/>
+                <a:cs typeface="+mn-cs"/>
+              </a:defRPr>
+            </a:lvl7pPr>
+            <a:lvl8pPr marL="3429000" indent="-228600" algn="l" defTabSz="914400" rtl="0" eaLnBrk="1" latinLnBrk="0" hangingPunct="1">
+              <a:lnSpc>
+                <a:spcPct val="90000"/>
+              </a:lnSpc>
+              <a:spcBef>
+                <a:spcPts val="500"/>
+              </a:spcBef>
+              <a:buFont typeface="Arial" panose="020B0604020202020204" pitchFamily="34" charset="0"/>
+              <a:buChar char="•"/>
+              <a:defRPr sz="1800" kern="1200">
+                <a:solidFill>
+                  <a:schemeClr val="tx1"/>
+                </a:solidFill>
+                <a:latin typeface="+mn-lt"/>
+                <a:ea typeface="+mn-ea"/>
+                <a:cs typeface="+mn-cs"/>
+              </a:defRPr>
+            </a:lvl8pPr>
+            <a:lvl9pPr marL="3886200" indent="-228600" algn="l" defTabSz="914400" rtl="0" eaLnBrk="1" latinLnBrk="0" hangingPunct="1">
+              <a:lnSpc>
+                <a:spcPct val="90000"/>
+              </a:lnSpc>
+              <a:spcBef>
+                <a:spcPts val="500"/>
+              </a:spcBef>
+              <a:buFont typeface="Arial" panose="020B0604020202020204" pitchFamily="34" charset="0"/>
+              <a:buChar char="•"/>
+              <a:defRPr sz="1800" kern="1200">
+                <a:solidFill>
+                  <a:schemeClr val="tx1"/>
+                </a:solidFill>
+                <a:latin typeface="+mn-lt"/>
+                <a:ea typeface="+mn-ea"/>
+                <a:cs typeface="+mn-cs"/>
+              </a:defRPr>
+            </a:lvl9pPr>
+          </a:lstStyle>
+          <a:p>
+            <a:pPr marL="0" indent="0">
+              <a:buFont typeface="Arial" panose="020B0604020202020204" pitchFamily="34" charset="0"/>
+              <a:buNone/>
+            </a:pPr>
+            <a:r>
+              <a:rPr lang="en-US" dirty="0"/>
+              <a:t>Which one makes a numerical sequence?</a:t>
+            </a:r>
+          </a:p>
+          <a:p>
+            <a:r>
+              <a:rPr lang="en-US" dirty="0">
+                <a:latin typeface="Consolas" panose="020B0609020204030204" pitchFamily="49" charset="0"/>
+              </a:rPr>
+              <a:t>c(1,2,3,4, “five”)</a:t>
+            </a:r>
+          </a:p>
+          <a:p>
+            <a:r>
+              <a:rPr lang="en-US" dirty="0">
+                <a:latin typeface="Consolas" panose="020B0609020204030204" pitchFamily="49" charset="0"/>
+              </a:rPr>
+              <a:t>c(1, 2, 3, 4, 5)</a:t>
+            </a:r>
+          </a:p>
+          <a:p>
+            <a:r>
+              <a:rPr lang="en-US" dirty="0">
+                <a:latin typeface="Consolas" panose="020B0609020204030204" pitchFamily="49" charset="0"/>
+              </a:rPr>
+              <a:t>c(1, 2, 3, five) </a:t>
+            </a:r>
+          </a:p>
+          <a:p>
+            <a:r>
+              <a:rPr lang="en-US" dirty="0">
+                <a:latin typeface="Consolas" panose="020B0609020204030204" pitchFamily="49" charset="0"/>
+              </a:rPr>
+              <a:t>C(1,2,3,4,5)</a:t>
+            </a:r>
+          </a:p>
+          <a:p>
+            <a:endParaRPr lang="en-US" dirty="0">
+              <a:latin typeface="Consolas" panose="020B0609020204030204" pitchFamily="49" charset="0"/>
+            </a:endParaRPr>
+          </a:p>
+          <a:p>
+            <a:endParaRPr lang="en-US" dirty="0">
+              <a:latin typeface="Consolas" panose="020B0609020204030204" pitchFamily="49" charset="0"/>
+            </a:endParaRPr>
+          </a:p>
+        </p:txBody>
+      </p:sp>
+      <p:pic>
+        <p:nvPicPr>
+          <p:cNvPr id="10" name="Graphic 9" descr="Checkmark">
+            <a:extLst>
+              <a:ext uri="{FF2B5EF4-FFF2-40B4-BE49-F238E27FC236}">
+                <a16:creationId xmlns:a16="http://schemas.microsoft.com/office/drawing/2014/main" id="{D4351A6A-843A-49F1-A06F-AE94A3E02BBC}"/>
+              </a:ext>
+            </a:extLst>
+          </p:cNvPr>
+          <p:cNvPicPr>
+            <a:picLocks noChangeAspect="1"/>
+          </p:cNvPicPr>
+          <p:nvPr/>
+        </p:nvPicPr>
+        <p:blipFill>
+          <a:blip r:embed="rId2">
+            <a:extLst>
+              <a:ext uri="{28A0092B-C50C-407E-A947-70E740481C1C}">
+                <a14:useLocalDpi xmlns:a14="http://schemas.microsoft.com/office/drawing/2010/main" val="0"/>
+              </a:ext>
+              <a:ext uri="{96DAC541-7B7A-43D3-8B79-37D633B846F1}">
+                <asvg:svgBlip xmlns:asvg="http://schemas.microsoft.com/office/drawing/2016/SVG/main" r:embed="rId3"/>
+              </a:ext>
+            </a:extLst>
+          </a:blip>
+          <a:stretch>
+            <a:fillRect/>
+          </a:stretch>
+        </p:blipFill>
+        <p:spPr>
+          <a:xfrm>
+            <a:off x="4660490" y="2361663"/>
+            <a:ext cx="914400" cy="914400"/>
+          </a:xfrm>
+          <a:prstGeom prst="rect">
+            <a:avLst/>
+          </a:prstGeom>
+        </p:spPr>
+      </p:pic>
+      <p:pic>
+        <p:nvPicPr>
+          <p:cNvPr id="12" name="Graphic 11" descr="Checkmark">
+            <a:extLst>
+              <a:ext uri="{FF2B5EF4-FFF2-40B4-BE49-F238E27FC236}">
+                <a16:creationId xmlns:a16="http://schemas.microsoft.com/office/drawing/2014/main" id="{5256AA69-63CE-4AC1-A0F8-E719433ACC30}"/>
+              </a:ext>
+            </a:extLst>
+          </p:cNvPr>
+          <p:cNvPicPr>
+            <a:picLocks noChangeAspect="1"/>
+          </p:cNvPicPr>
+          <p:nvPr/>
+        </p:nvPicPr>
+        <p:blipFill>
+          <a:blip r:embed="rId2">
+            <a:extLst>
+              <a:ext uri="{28A0092B-C50C-407E-A947-70E740481C1C}">
+                <a14:useLocalDpi xmlns:a14="http://schemas.microsoft.com/office/drawing/2010/main" val="0"/>
+              </a:ext>
+              <a:ext uri="{96DAC541-7B7A-43D3-8B79-37D633B846F1}">
+                <asvg:svgBlip xmlns:asvg="http://schemas.microsoft.com/office/drawing/2016/SVG/main" r:embed="rId3"/>
+              </a:ext>
+            </a:extLst>
+          </a:blip>
+          <a:stretch>
+            <a:fillRect/>
+          </a:stretch>
+        </p:blipFill>
+        <p:spPr>
+          <a:xfrm>
+            <a:off x="4513006" y="2971800"/>
+            <a:ext cx="914400" cy="914400"/>
+          </a:xfrm>
+          <a:prstGeom prst="rect">
+            <a:avLst/>
+          </a:prstGeom>
+        </p:spPr>
+      </p:pic>
+    </p:spTree>
+    <p:extLst>
+      <p:ext uri="{BB962C8B-B14F-4D97-AF65-F5344CB8AC3E}">
+        <p14:creationId xmlns:p14="http://schemas.microsoft.com/office/powerpoint/2010/main" val="2053875935"/>
+      </p:ext>
+    </p:extLst>
+  </p:cSld>
+  <p:clrMapOvr>
+    <a:masterClrMapping/>
+  </p:clrMapOvr>
+</p:sld>
+</file>
+
+<file path=ppt/slides/slide31.xml><?xml version="1.0" encoding="utf-8"?>
+<p:sld xmlns:a="http://schemas.openxmlformats.org/drawingml/2006/main" xmlns:r="http://schemas.openxmlformats.org/officeDocument/2006/relationships" xmlns:p="http://schemas.openxmlformats.org/presentationml/2006/main">
+  <p:cSld>
+    <p:spTree>
+      <p:nvGrpSpPr>
+        <p:cNvPr id="1" name=""/>
+        <p:cNvGrpSpPr/>
+        <p:nvPr/>
+      </p:nvGrpSpPr>
+      <p:grpSpPr>
+        <a:xfrm>
+          <a:off x="0" y="0"/>
+          <a:ext cx="0" cy="0"/>
+          <a:chOff x="0" y="0"/>
+          <a:chExt cx="0" cy="0"/>
+        </a:xfrm>
+      </p:grpSpPr>
+      <p:sp>
+        <p:nvSpPr>
+          <p:cNvPr id="2" name="Title 1">
+            <a:extLst>
+              <a:ext uri="{FF2B5EF4-FFF2-40B4-BE49-F238E27FC236}">
+                <a16:creationId xmlns:a16="http://schemas.microsoft.com/office/drawing/2014/main" id="{2065DBF2-455B-4B76-BCA6-A21B8F8225E2}"/>
+              </a:ext>
+            </a:extLst>
+          </p:cNvPr>
+          <p:cNvSpPr>
+            <a:spLocks noGrp="1"/>
+          </p:cNvSpPr>
+          <p:nvPr>
+            <p:ph type="title"/>
+          </p:nvPr>
+        </p:nvSpPr>
+        <p:spPr>
+          <a:xfrm>
+            <a:off x="590227" y="2766218"/>
+            <a:ext cx="10515600" cy="1325563"/>
+          </a:xfrm>
+        </p:spPr>
+        <p:txBody>
+          <a:bodyPr>
+            <a:normAutofit/>
+          </a:bodyPr>
+          <a:lstStyle/>
+          <a:p>
+            <a:pPr algn="ctr"/>
+            <a:r>
+              <a:rPr lang="en-US" sz="6600" b="1" dirty="0"/>
+              <a:t>3 – Working With </a:t>
+            </a:r>
+            <a:r>
+              <a:rPr lang="en-US" sz="6600" b="1" i="1" dirty="0"/>
+              <a:t>Your</a:t>
+            </a:r>
+            <a:r>
+              <a:rPr lang="en-US" sz="6600" b="1" dirty="0"/>
+              <a:t> Data</a:t>
+            </a:r>
+          </a:p>
+        </p:txBody>
+      </p:sp>
+    </p:spTree>
+    <p:extLst>
+      <p:ext uri="{BB962C8B-B14F-4D97-AF65-F5344CB8AC3E}">
+        <p14:creationId xmlns:p14="http://schemas.microsoft.com/office/powerpoint/2010/main" val="3953972227"/>
+      </p:ext>
+    </p:extLst>
+  </p:cSld>
+  <p:clrMapOvr>
+    <a:masterClrMapping/>
+  </p:clrMapOvr>
+</p:sld>
+</file>
+
+<file path=ppt/slides/slide32.xml><?xml version="1.0" encoding="utf-8"?>
+<p:sld xmlns:a="http://schemas.openxmlformats.org/drawingml/2006/main" xmlns:r="http://schemas.openxmlformats.org/officeDocument/2006/relationships" xmlns:p="http://schemas.openxmlformats.org/presentationml/2006/main">
+  <p:cSld>
+    <p:spTree>
+      <p:nvGrpSpPr>
+        <p:cNvPr id="1" name=""/>
+        <p:cNvGrpSpPr/>
+        <p:nvPr/>
+      </p:nvGrpSpPr>
+      <p:grpSpPr>
+        <a:xfrm>
+          <a:off x="0" y="0"/>
+          <a:ext cx="0" cy="0"/>
+          <a:chOff x="0" y="0"/>
+          <a:chExt cx="0" cy="0"/>
+        </a:xfrm>
+      </p:grpSpPr>
+      <p:sp>
+        <p:nvSpPr>
+          <p:cNvPr id="2" name="Title 1">
+            <a:extLst>
+              <a:ext uri="{FF2B5EF4-FFF2-40B4-BE49-F238E27FC236}">
+                <a16:creationId xmlns:a16="http://schemas.microsoft.com/office/drawing/2014/main" id="{DF91DF34-55CF-447B-8D22-6D086F2FBE3A}"/>
+              </a:ext>
+            </a:extLst>
+          </p:cNvPr>
+          <p:cNvSpPr>
+            <a:spLocks noGrp="1"/>
+          </p:cNvSpPr>
+          <p:nvPr>
+            <p:ph type="title"/>
+          </p:nvPr>
+        </p:nvSpPr>
+        <p:spPr/>
+        <p:txBody>
+          <a:bodyPr/>
+          <a:lstStyle/>
+          <a:p>
+            <a:r>
+              <a:rPr lang="en-US" dirty="0"/>
+              <a:t>But First! Directories</a:t>
+            </a:r>
+          </a:p>
+        </p:txBody>
+      </p:sp>
+      <p:sp>
+        <p:nvSpPr>
+          <p:cNvPr id="3" name="Content Placeholder 2">
+            <a:extLst>
+              <a:ext uri="{FF2B5EF4-FFF2-40B4-BE49-F238E27FC236}">
+                <a16:creationId xmlns:a16="http://schemas.microsoft.com/office/drawing/2014/main" id="{E558C028-D80C-4276-9EC2-C5376E9C5137}"/>
+              </a:ext>
+            </a:extLst>
+          </p:cNvPr>
+          <p:cNvSpPr>
+            <a:spLocks noGrp="1"/>
+          </p:cNvSpPr>
+          <p:nvPr>
+            <p:ph idx="1"/>
+          </p:nvPr>
+        </p:nvSpPr>
+        <p:spPr/>
+        <p:txBody>
+          <a:bodyPr/>
+          <a:lstStyle/>
+          <a:p>
+            <a:r>
+              <a:rPr lang="en-US" dirty="0"/>
+              <a:t>Before getting your data in, you should know where R thinks you are</a:t>
+            </a:r>
+          </a:p>
+          <a:p>
+            <a:r>
+              <a:rPr lang="en-US" dirty="0"/>
+              <a:t>By using modern tools in R (especially </a:t>
+            </a:r>
+            <a:r>
+              <a:rPr lang="en-US" dirty="0" err="1"/>
+              <a:t>RProjects</a:t>
+            </a:r>
+            <a:r>
+              <a:rPr lang="en-US" dirty="0"/>
+              <a:t>) we avoid most of the previous headaches with directories; regardless, it’s important to be aware of it. </a:t>
+            </a:r>
+          </a:p>
+          <a:p>
+            <a:r>
+              <a:rPr lang="en-US" dirty="0"/>
+              <a:t>Type </a:t>
+            </a:r>
+            <a:r>
+              <a:rPr lang="en-US" dirty="0" err="1"/>
+              <a:t>getwd</a:t>
+            </a:r>
+            <a:r>
+              <a:rPr lang="en-US" dirty="0"/>
+              <a:t>() to see what your working directory is. What happens if you write </a:t>
+            </a:r>
+          </a:p>
+          <a:p>
+            <a:pPr marL="0" indent="0">
+              <a:buNone/>
+            </a:pPr>
+            <a:r>
+              <a:rPr lang="en-US" sz="2400" dirty="0">
+                <a:latin typeface="Consolas" panose="020B0609020204030204" pitchFamily="49" charset="0"/>
+              </a:rPr>
+              <a:t>&gt; read.csv(“input.csv”)</a:t>
+            </a:r>
+            <a:r>
+              <a:rPr lang="en-US" dirty="0">
+                <a:latin typeface="Consolas" panose="020B0609020204030204" pitchFamily="49" charset="0"/>
+              </a:rPr>
+              <a:t> </a:t>
+            </a:r>
+          </a:p>
+          <a:p>
+            <a:pPr marL="0" indent="0">
+              <a:buNone/>
+            </a:pPr>
+            <a:r>
+              <a:rPr lang="en-US" dirty="0"/>
+              <a:t> It can’t find the file. Change this to </a:t>
+            </a:r>
+          </a:p>
+          <a:p>
+            <a:pPr marL="0" indent="0">
+              <a:buNone/>
+            </a:pPr>
+            <a:r>
+              <a:rPr lang="en-US" sz="2400" dirty="0">
+                <a:latin typeface="Consolas" panose="020B0609020204030204" pitchFamily="49" charset="0"/>
+              </a:rPr>
+              <a:t>&gt; read.csv(“data/input.csv”)</a:t>
+            </a:r>
+          </a:p>
+          <a:p>
+            <a:endParaRPr lang="en-US" dirty="0"/>
+          </a:p>
+        </p:txBody>
+      </p:sp>
+      <p:sp>
+        <p:nvSpPr>
+          <p:cNvPr id="5" name="Rectangle 4">
+            <a:extLst>
+              <a:ext uri="{FF2B5EF4-FFF2-40B4-BE49-F238E27FC236}">
+                <a16:creationId xmlns:a16="http://schemas.microsoft.com/office/drawing/2014/main" id="{C698E5BD-77E8-4F51-ABC0-C54540E4A8D5}"/>
+              </a:ext>
+            </a:extLst>
+          </p:cNvPr>
+          <p:cNvSpPr/>
+          <p:nvPr/>
+        </p:nvSpPr>
+        <p:spPr>
+          <a:xfrm rot="16200000">
+            <a:off x="-3099620" y="3099620"/>
+            <a:ext cx="6858000" cy="658760"/>
+          </a:xfrm>
+          <a:prstGeom prst="rect">
+            <a:avLst/>
+          </a:prstGeom>
+          <a:solidFill>
+            <a:srgbClr val="AB8DF7"/>
+          </a:solidFill>
+          <a:ln>
+            <a:noFill/>
+          </a:ln>
+        </p:spPr>
+        <p:style>
+          <a:lnRef idx="2">
+            <a:schemeClr val="accent1">
+              <a:shade val="50000"/>
+            </a:schemeClr>
+          </a:lnRef>
+          <a:fillRef idx="1">
+            <a:schemeClr val="accent1"/>
+          </a:fillRef>
+          <a:effectRef idx="0">
+            <a:schemeClr val="accent1"/>
+          </a:effectRef>
+          <a:fontRef idx="minor">
+            <a:schemeClr val="lt1"/>
+          </a:fontRef>
+        </p:style>
+        <p:txBody>
+          <a:bodyPr rtlCol="0" anchor="ctr"/>
+          <a:lstStyle/>
+          <a:p>
+            <a:r>
+              <a:rPr lang="en-US" sz="1600" i="1" dirty="0"/>
+              <a:t>RStudio</a:t>
+            </a:r>
+            <a:endParaRPr lang="en-US" i="1" dirty="0"/>
+          </a:p>
+        </p:txBody>
+      </p:sp>
+    </p:spTree>
+    <p:extLst>
+      <p:ext uri="{BB962C8B-B14F-4D97-AF65-F5344CB8AC3E}">
+        <p14:creationId xmlns:p14="http://schemas.microsoft.com/office/powerpoint/2010/main" val="3077266544"/>
+      </p:ext>
+    </p:extLst>
+  </p:cSld>
+  <p:clrMapOvr>
+    <a:masterClrMapping/>
+  </p:clrMapOvr>
+</p:sld>
+</file>
+
+<file path=ppt/slides/slide33.xml><?xml version="1.0" encoding="utf-8"?>
 <p:sld xmlns:a="http://schemas.openxmlformats.org/drawingml/2006/main" xmlns:r="http://schemas.openxmlformats.org/officeDocument/2006/relationships" xmlns:p="http://schemas.openxmlformats.org/presentationml/2006/main">
   <p:cSld>
     <p:spTree>
@@ -9882,7 +11018,7 @@
 </p:sld>
 </file>
 
-<file path=ppt/slides/slide31.xml><?xml version="1.0" encoding="utf-8"?>
+<file path=ppt/slides/slide34.xml><?xml version="1.0" encoding="utf-8"?>
 <p:sld xmlns:a="http://schemas.openxmlformats.org/drawingml/2006/main" xmlns:r="http://schemas.openxmlformats.org/officeDocument/2006/relationships" xmlns:p="http://schemas.openxmlformats.org/presentationml/2006/main">
   <p:cSld>
     <p:spTree>
@@ -9945,7 +11081,7 @@
 </p:sld>
 </file>
 
-<file path=ppt/slides/slide32.xml><?xml version="1.0" encoding="utf-8"?>
+<file path=ppt/slides/slide35.xml><?xml version="1.0" encoding="utf-8"?>
 <p:sld xmlns:a="http://schemas.openxmlformats.org/drawingml/2006/main" xmlns:r="http://schemas.openxmlformats.org/officeDocument/2006/relationships" xmlns:p="http://schemas.openxmlformats.org/presentationml/2006/main">
   <p:cSld>
     <p:spTree>
@@ -10126,7 +11262,7 @@
 </p:sld>
 </file>
 
-<file path=ppt/slides/slide33.xml><?xml version="1.0" encoding="utf-8"?>
+<file path=ppt/slides/slide36.xml><?xml version="1.0" encoding="utf-8"?>
 <p:sld xmlns:a="http://schemas.openxmlformats.org/drawingml/2006/main" xmlns:r="http://schemas.openxmlformats.org/officeDocument/2006/relationships" xmlns:p="http://schemas.openxmlformats.org/presentationml/2006/main">
   <p:cSld>
     <p:spTree>
@@ -10264,7 +11400,7 @@
 </p:sld>
 </file>
 
-<file path=ppt/slides/slide34.xml><?xml version="1.0" encoding="utf-8"?>
+<file path=ppt/slides/slide37.xml><?xml version="1.0" encoding="utf-8"?>
 <p:sld xmlns:a="http://schemas.openxmlformats.org/drawingml/2006/main" xmlns:r="http://schemas.openxmlformats.org/officeDocument/2006/relationships" xmlns:p="http://schemas.openxmlformats.org/presentationml/2006/main">
   <p:cSld>
     <p:spTree>
@@ -10402,7 +11538,7 @@
 </p:sld>
 </file>
 
-<file path=ppt/slides/slide35.xml><?xml version="1.0" encoding="utf-8"?>
+<file path=ppt/slides/slide38.xml><?xml version="1.0" encoding="utf-8"?>
 <p:sld xmlns:a="http://schemas.openxmlformats.org/drawingml/2006/main" xmlns:r="http://schemas.openxmlformats.org/officeDocument/2006/relationships" xmlns:p="http://schemas.openxmlformats.org/presentationml/2006/main">
   <p:cSld>
     <p:spTree>
@@ -10634,7 +11770,7 @@
 </p:sld>
 </file>
 
-<file path=ppt/slides/slide36.xml><?xml version="1.0" encoding="utf-8"?>
+<file path=ppt/slides/slide39.xml><?xml version="1.0" encoding="utf-8"?>
 <p:sld xmlns:a="http://schemas.openxmlformats.org/drawingml/2006/main" xmlns:r="http://schemas.openxmlformats.org/officeDocument/2006/relationships" xmlns:p="http://schemas.openxmlformats.org/presentationml/2006/main">
   <p:cSld>
     <p:spTree>
@@ -10829,7 +11965,117 @@
 </p:sld>
 </file>
 
-<file path=ppt/slides/slide37.xml><?xml version="1.0" encoding="utf-8"?>
+<file path=ppt/slides/slide4.xml><?xml version="1.0" encoding="utf-8"?>
+<p:sld xmlns:a="http://schemas.openxmlformats.org/drawingml/2006/main" xmlns:r="http://schemas.openxmlformats.org/officeDocument/2006/relationships" xmlns:p="http://schemas.openxmlformats.org/presentationml/2006/main">
+  <p:cSld>
+    <p:spTree>
+      <p:nvGrpSpPr>
+        <p:cNvPr id="1" name=""/>
+        <p:cNvGrpSpPr/>
+        <p:nvPr/>
+      </p:nvGrpSpPr>
+      <p:grpSpPr>
+        <a:xfrm>
+          <a:off x="0" y="0"/>
+          <a:ext cx="0" cy="0"/>
+          <a:chOff x="0" y="0"/>
+          <a:chExt cx="0" cy="0"/>
+        </a:xfrm>
+      </p:grpSpPr>
+      <p:sp>
+        <p:nvSpPr>
+          <p:cNvPr id="2" name="Title 1">
+            <a:extLst>
+              <a:ext uri="{FF2B5EF4-FFF2-40B4-BE49-F238E27FC236}">
+                <a16:creationId xmlns:a16="http://schemas.microsoft.com/office/drawing/2014/main" id="{6764F101-48E2-4C05-B6A4-BC2E54924925}"/>
+              </a:ext>
+            </a:extLst>
+          </p:cNvPr>
+          <p:cNvSpPr>
+            <a:spLocks noGrp="1"/>
+          </p:cNvSpPr>
+          <p:nvPr>
+            <p:ph type="title"/>
+          </p:nvPr>
+        </p:nvSpPr>
+        <p:spPr/>
+        <p:txBody>
+          <a:bodyPr/>
+          <a:lstStyle/>
+          <a:p>
+            <a:r>
+              <a:rPr lang="en-US" dirty="0"/>
+              <a:t>Learning Philosophy</a:t>
+            </a:r>
+          </a:p>
+        </p:txBody>
+      </p:sp>
+      <p:sp>
+        <p:nvSpPr>
+          <p:cNvPr id="3" name="Content Placeholder 2">
+            <a:extLst>
+              <a:ext uri="{FF2B5EF4-FFF2-40B4-BE49-F238E27FC236}">
+                <a16:creationId xmlns:a16="http://schemas.microsoft.com/office/drawing/2014/main" id="{E321A0BC-B9E6-4F7E-8740-966F5EA3629A}"/>
+              </a:ext>
+            </a:extLst>
+          </p:cNvPr>
+          <p:cNvSpPr>
+            <a:spLocks noGrp="1"/>
+          </p:cNvSpPr>
+          <p:nvPr>
+            <p:ph idx="1"/>
+          </p:nvPr>
+        </p:nvSpPr>
+        <p:spPr>
+          <a:xfrm>
+            <a:off x="838200" y="1825625"/>
+            <a:ext cx="6997995" cy="4351338"/>
+          </a:xfrm>
+        </p:spPr>
+        <p:txBody>
+          <a:bodyPr/>
+          <a:lstStyle/>
+          <a:p>
+            <a:r>
+              <a:rPr lang="en-US" dirty="0"/>
+              <a:t>This is a “failure positive” zone!</a:t>
+            </a:r>
+          </a:p>
+          <a:p>
+            <a:pPr lvl="1"/>
+            <a:r>
+              <a:rPr lang="en-US" dirty="0"/>
+              <a:t>You can’t break anything. Be creative, think like a kid, see what happens when you type things.</a:t>
+            </a:r>
+          </a:p>
+          <a:p>
+            <a:r>
+              <a:rPr lang="en-US" dirty="0"/>
+              <a:t>Sometimes you should pay close attention to the slides, sometimes you should be practicing in RStudio; I’ll let you know</a:t>
+            </a:r>
+          </a:p>
+          <a:p>
+            <a:r>
+              <a:rPr lang="en-US" dirty="0"/>
+              <a:t>Ask questions! There are no dumb questions when you’re learning a language</a:t>
+            </a:r>
+          </a:p>
+        </p:txBody>
+      </p:sp>
+    </p:spTree>
+    <p:extLst>
+      <p:ext uri="{BB962C8B-B14F-4D97-AF65-F5344CB8AC3E}">
+        <p14:creationId xmlns:p14="http://schemas.microsoft.com/office/powerpoint/2010/main" val="4258844090"/>
+      </p:ext>
+    </p:extLst>
+  </p:cSld>
+  <p:clrMapOvr>
+    <a:masterClrMapping/>
+  </p:clrMapOvr>
+</p:sld>
+</file>
+
+<file path=ppt/slides/slide40.xml><?xml version="1.0" encoding="utf-8"?>
 <p:sld xmlns:a="http://schemas.openxmlformats.org/drawingml/2006/main" xmlns:r="http://schemas.openxmlformats.org/officeDocument/2006/relationships" xmlns:p="http://schemas.openxmlformats.org/presentationml/2006/main">
   <p:cSld>
     <p:spTree>
@@ -11056,7 +12302,7 @@
 </p:sld>
 </file>
 
-<file path=ppt/slides/slide38.xml><?xml version="1.0" encoding="utf-8"?>
+<file path=ppt/slides/slide41.xml><?xml version="1.0" encoding="utf-8"?>
 <p:sld xmlns:a="http://schemas.openxmlformats.org/drawingml/2006/main" xmlns:r="http://schemas.openxmlformats.org/officeDocument/2006/relationships" xmlns:p="http://schemas.openxmlformats.org/presentationml/2006/main">
   <p:cSld>
     <p:spTree>
@@ -11197,7 +12443,7 @@
 </p:sld>
 </file>
 
-<file path=ppt/slides/slide39.xml><?xml version="1.0" encoding="utf-8"?>
+<file path=ppt/slides/slide42.xml><?xml version="1.0" encoding="utf-8"?>
 <p:sld xmlns:a="http://schemas.openxmlformats.org/drawingml/2006/main" xmlns:r="http://schemas.openxmlformats.org/officeDocument/2006/relationships" xmlns:p="http://schemas.openxmlformats.org/presentationml/2006/main">
   <p:cSld>
     <p:spTree>
@@ -11263,117 +12509,7 @@
 </p:sld>
 </file>
 
-<file path=ppt/slides/slide4.xml><?xml version="1.0" encoding="utf-8"?>
-<p:sld xmlns:a="http://schemas.openxmlformats.org/drawingml/2006/main" xmlns:r="http://schemas.openxmlformats.org/officeDocument/2006/relationships" xmlns:p="http://schemas.openxmlformats.org/presentationml/2006/main">
-  <p:cSld>
-    <p:spTree>
-      <p:nvGrpSpPr>
-        <p:cNvPr id="1" name=""/>
-        <p:cNvGrpSpPr/>
-        <p:nvPr/>
-      </p:nvGrpSpPr>
-      <p:grpSpPr>
-        <a:xfrm>
-          <a:off x="0" y="0"/>
-          <a:ext cx="0" cy="0"/>
-          <a:chOff x="0" y="0"/>
-          <a:chExt cx="0" cy="0"/>
-        </a:xfrm>
-      </p:grpSpPr>
-      <p:sp>
-        <p:nvSpPr>
-          <p:cNvPr id="2" name="Title 1">
-            <a:extLst>
-              <a:ext uri="{FF2B5EF4-FFF2-40B4-BE49-F238E27FC236}">
-                <a16:creationId xmlns:a16="http://schemas.microsoft.com/office/drawing/2014/main" id="{6764F101-48E2-4C05-B6A4-BC2E54924925}"/>
-              </a:ext>
-            </a:extLst>
-          </p:cNvPr>
-          <p:cNvSpPr>
-            <a:spLocks noGrp="1"/>
-          </p:cNvSpPr>
-          <p:nvPr>
-            <p:ph type="title"/>
-          </p:nvPr>
-        </p:nvSpPr>
-        <p:spPr/>
-        <p:txBody>
-          <a:bodyPr/>
-          <a:lstStyle/>
-          <a:p>
-            <a:r>
-              <a:rPr lang="en-US" dirty="0"/>
-              <a:t>Learning Philosophy</a:t>
-            </a:r>
-          </a:p>
-        </p:txBody>
-      </p:sp>
-      <p:sp>
-        <p:nvSpPr>
-          <p:cNvPr id="3" name="Content Placeholder 2">
-            <a:extLst>
-              <a:ext uri="{FF2B5EF4-FFF2-40B4-BE49-F238E27FC236}">
-                <a16:creationId xmlns:a16="http://schemas.microsoft.com/office/drawing/2014/main" id="{E321A0BC-B9E6-4F7E-8740-966F5EA3629A}"/>
-              </a:ext>
-            </a:extLst>
-          </p:cNvPr>
-          <p:cNvSpPr>
-            <a:spLocks noGrp="1"/>
-          </p:cNvSpPr>
-          <p:nvPr>
-            <p:ph idx="1"/>
-          </p:nvPr>
-        </p:nvSpPr>
-        <p:spPr>
-          <a:xfrm>
-            <a:off x="838200" y="1825625"/>
-            <a:ext cx="6997995" cy="4351338"/>
-          </a:xfrm>
-        </p:spPr>
-        <p:txBody>
-          <a:bodyPr/>
-          <a:lstStyle/>
-          <a:p>
-            <a:r>
-              <a:rPr lang="en-US" dirty="0"/>
-              <a:t>This is a “failure positive” zone!</a:t>
-            </a:r>
-          </a:p>
-          <a:p>
-            <a:pPr lvl="1"/>
-            <a:r>
-              <a:rPr lang="en-US" dirty="0"/>
-              <a:t>You can’t break anything. Be creative, think like a kid, see what happens when you type things.</a:t>
-            </a:r>
-          </a:p>
-          <a:p>
-            <a:r>
-              <a:rPr lang="en-US" dirty="0"/>
-              <a:t>Sometimes you should pay close attention to the slides, sometimes you should be practicing in RStudio; I’ll let you know</a:t>
-            </a:r>
-          </a:p>
-          <a:p>
-            <a:r>
-              <a:rPr lang="en-US" dirty="0"/>
-              <a:t>Ask questions! There are no dumb questions when you’re learning a language</a:t>
-            </a:r>
-          </a:p>
-        </p:txBody>
-      </p:sp>
-    </p:spTree>
-    <p:extLst>
-      <p:ext uri="{BB962C8B-B14F-4D97-AF65-F5344CB8AC3E}">
-        <p14:creationId xmlns:p14="http://schemas.microsoft.com/office/powerpoint/2010/main" val="4258844090"/>
-      </p:ext>
-    </p:extLst>
-  </p:cSld>
-  <p:clrMapOvr>
-    <a:masterClrMapping/>
-  </p:clrMapOvr>
-</p:sld>
-</file>
-
-<file path=ppt/slides/slide40.xml><?xml version="1.0" encoding="utf-8"?>
+<file path=ppt/slides/slide43.xml><?xml version="1.0" encoding="utf-8"?>
 <p:sld xmlns:a="http://schemas.openxmlformats.org/drawingml/2006/main" xmlns:r="http://schemas.openxmlformats.org/officeDocument/2006/relationships" xmlns:p="http://schemas.openxmlformats.org/presentationml/2006/main">
   <p:cSld>
     <p:spTree>
@@ -11536,314 +12672,6 @@
 </p:sld>
 </file>
 
-<file path=ppt/slides/slide41.xml><?xml version="1.0" encoding="utf-8"?>
-<p:sld xmlns:a="http://schemas.openxmlformats.org/drawingml/2006/main" xmlns:r="http://schemas.openxmlformats.org/officeDocument/2006/relationships" xmlns:p="http://schemas.openxmlformats.org/presentationml/2006/main">
-  <p:cSld>
-    <p:spTree>
-      <p:nvGrpSpPr>
-        <p:cNvPr id="1" name=""/>
-        <p:cNvGrpSpPr/>
-        <p:nvPr/>
-      </p:nvGrpSpPr>
-      <p:grpSpPr>
-        <a:xfrm>
-          <a:off x="0" y="0"/>
-          <a:ext cx="0" cy="0"/>
-          <a:chOff x="0" y="0"/>
-          <a:chExt cx="0" cy="0"/>
-        </a:xfrm>
-      </p:grpSpPr>
-      <p:sp>
-        <p:nvSpPr>
-          <p:cNvPr id="2" name="Title 1">
-            <a:extLst>
-              <a:ext uri="{FF2B5EF4-FFF2-40B4-BE49-F238E27FC236}">
-                <a16:creationId xmlns:a16="http://schemas.microsoft.com/office/drawing/2014/main" id="{2065DBF2-455B-4B76-BCA6-A21B8F8225E2}"/>
-              </a:ext>
-            </a:extLst>
-          </p:cNvPr>
-          <p:cNvSpPr>
-            <a:spLocks noGrp="1"/>
-          </p:cNvSpPr>
-          <p:nvPr>
-            <p:ph type="title"/>
-          </p:nvPr>
-        </p:nvSpPr>
-        <p:spPr>
-          <a:xfrm>
-            <a:off x="590227" y="2766218"/>
-            <a:ext cx="10515600" cy="1325563"/>
-          </a:xfrm>
-        </p:spPr>
-        <p:txBody>
-          <a:bodyPr>
-            <a:normAutofit/>
-          </a:bodyPr>
-          <a:lstStyle/>
-          <a:p>
-            <a:pPr algn="ctr"/>
-            <a:r>
-              <a:rPr lang="en-US" sz="6600" b="1" dirty="0"/>
-              <a:t>5 – Let’s Make Charts</a:t>
-            </a:r>
-          </a:p>
-        </p:txBody>
-      </p:sp>
-    </p:spTree>
-    <p:extLst>
-      <p:ext uri="{BB962C8B-B14F-4D97-AF65-F5344CB8AC3E}">
-        <p14:creationId xmlns:p14="http://schemas.microsoft.com/office/powerpoint/2010/main" val="3234217016"/>
-      </p:ext>
-    </p:extLst>
-  </p:cSld>
-  <p:clrMapOvr>
-    <a:masterClrMapping/>
-  </p:clrMapOvr>
-</p:sld>
-</file>
-
-<file path=ppt/slides/slide42.xml><?xml version="1.0" encoding="utf-8"?>
-<p:sld xmlns:a="http://schemas.openxmlformats.org/drawingml/2006/main" xmlns:r="http://schemas.openxmlformats.org/officeDocument/2006/relationships" xmlns:p="http://schemas.openxmlformats.org/presentationml/2006/main">
-  <p:cSld>
-    <p:spTree>
-      <p:nvGrpSpPr>
-        <p:cNvPr id="1" name=""/>
-        <p:cNvGrpSpPr/>
-        <p:nvPr/>
-      </p:nvGrpSpPr>
-      <p:grpSpPr>
-        <a:xfrm>
-          <a:off x="0" y="0"/>
-          <a:ext cx="0" cy="0"/>
-          <a:chOff x="0" y="0"/>
-          <a:chExt cx="0" cy="0"/>
-        </a:xfrm>
-      </p:grpSpPr>
-      <p:sp>
-        <p:nvSpPr>
-          <p:cNvPr id="2" name="Title 1">
-            <a:extLst>
-              <a:ext uri="{FF2B5EF4-FFF2-40B4-BE49-F238E27FC236}">
-                <a16:creationId xmlns:a16="http://schemas.microsoft.com/office/drawing/2014/main" id="{8FEAD2D8-6EEE-46D5-9794-778A6880AAF2}"/>
-              </a:ext>
-            </a:extLst>
-          </p:cNvPr>
-          <p:cNvSpPr>
-            <a:spLocks noGrp="1"/>
-          </p:cNvSpPr>
-          <p:nvPr>
-            <p:ph type="title"/>
-          </p:nvPr>
-        </p:nvSpPr>
-        <p:spPr/>
-        <p:txBody>
-          <a:bodyPr/>
-          <a:lstStyle/>
-          <a:p>
-            <a:r>
-              <a:rPr lang="en-US" dirty="0"/>
-              <a:t>Chart Basics</a:t>
-            </a:r>
-          </a:p>
-        </p:txBody>
-      </p:sp>
-      <p:sp>
-        <p:nvSpPr>
-          <p:cNvPr id="3" name="Content Placeholder 2">
-            <a:extLst>
-              <a:ext uri="{FF2B5EF4-FFF2-40B4-BE49-F238E27FC236}">
-                <a16:creationId xmlns:a16="http://schemas.microsoft.com/office/drawing/2014/main" id="{D0AEB7DA-85E1-4A00-AB09-2E6530E3261C}"/>
-              </a:ext>
-            </a:extLst>
-          </p:cNvPr>
-          <p:cNvSpPr>
-            <a:spLocks noGrp="1"/>
-          </p:cNvSpPr>
-          <p:nvPr>
-            <p:ph idx="1"/>
-          </p:nvPr>
-        </p:nvSpPr>
-        <p:spPr>
-          <a:xfrm>
-            <a:off x="838200" y="1825625"/>
-            <a:ext cx="9161206" cy="4351338"/>
-          </a:xfrm>
-        </p:spPr>
-        <p:txBody>
-          <a:bodyPr/>
-          <a:lstStyle/>
-          <a:p>
-            <a:r>
-              <a:rPr lang="en-US" dirty="0"/>
-              <a:t>Use base function plot()</a:t>
-            </a:r>
-          </a:p>
-          <a:p>
-            <a:pPr lvl="1"/>
-            <a:r>
-              <a:rPr lang="en-US" dirty="0"/>
-              <a:t>Syntax is plot(</a:t>
-            </a:r>
-            <a:r>
-              <a:rPr lang="en-US" dirty="0" err="1"/>
-              <a:t>yaxiscolumn</a:t>
-            </a:r>
-            <a:r>
-              <a:rPr lang="en-US" dirty="0"/>
-              <a:t> ~ </a:t>
-            </a:r>
-            <a:r>
-              <a:rPr lang="en-US" dirty="0" err="1"/>
-              <a:t>xaxiscolumn</a:t>
-            </a:r>
-            <a:r>
-              <a:rPr lang="en-US" dirty="0"/>
-              <a:t>, data = </a:t>
-            </a:r>
-            <a:r>
-              <a:rPr lang="en-US" dirty="0" err="1"/>
-              <a:t>dataname</a:t>
-            </a:r>
-            <a:r>
-              <a:rPr lang="en-US" dirty="0"/>
-              <a:t>)</a:t>
-            </a:r>
-          </a:p>
-          <a:p>
-            <a:endParaRPr lang="en-US" dirty="0"/>
-          </a:p>
-        </p:txBody>
-      </p:sp>
-    </p:spTree>
-    <p:extLst>
-      <p:ext uri="{BB962C8B-B14F-4D97-AF65-F5344CB8AC3E}">
-        <p14:creationId xmlns:p14="http://schemas.microsoft.com/office/powerpoint/2010/main" val="1738276427"/>
-      </p:ext>
-    </p:extLst>
-  </p:cSld>
-  <p:clrMapOvr>
-    <a:masterClrMapping/>
-  </p:clrMapOvr>
-</p:sld>
-</file>
-
-<file path=ppt/slides/slide43.xml><?xml version="1.0" encoding="utf-8"?>
-<p:sld xmlns:a="http://schemas.openxmlformats.org/drawingml/2006/main" xmlns:r="http://schemas.openxmlformats.org/officeDocument/2006/relationships" xmlns:p="http://schemas.openxmlformats.org/presentationml/2006/main">
-  <p:cSld>
-    <p:spTree>
-      <p:nvGrpSpPr>
-        <p:cNvPr id="1" name=""/>
-        <p:cNvGrpSpPr/>
-        <p:nvPr/>
-      </p:nvGrpSpPr>
-      <p:grpSpPr>
-        <a:xfrm>
-          <a:off x="0" y="0"/>
-          <a:ext cx="0" cy="0"/>
-          <a:chOff x="0" y="0"/>
-          <a:chExt cx="0" cy="0"/>
-        </a:xfrm>
-      </p:grpSpPr>
-      <p:sp>
-        <p:nvSpPr>
-          <p:cNvPr id="2" name="Title 1">
-            <a:extLst>
-              <a:ext uri="{FF2B5EF4-FFF2-40B4-BE49-F238E27FC236}">
-                <a16:creationId xmlns:a16="http://schemas.microsoft.com/office/drawing/2014/main" id="{4CBB3B2E-33EB-4D88-83CC-6BB7B333153B}"/>
-              </a:ext>
-            </a:extLst>
-          </p:cNvPr>
-          <p:cNvSpPr>
-            <a:spLocks noGrp="1"/>
-          </p:cNvSpPr>
-          <p:nvPr>
-            <p:ph type="title"/>
-          </p:nvPr>
-        </p:nvSpPr>
-        <p:spPr/>
-        <p:txBody>
-          <a:bodyPr/>
-          <a:lstStyle/>
-          <a:p>
-            <a:r>
-              <a:rPr lang="en-US" dirty="0"/>
-              <a:t>ggplot2 – A Better Way</a:t>
-            </a:r>
-          </a:p>
-        </p:txBody>
-      </p:sp>
-      <p:sp>
-        <p:nvSpPr>
-          <p:cNvPr id="3" name="Content Placeholder 2">
-            <a:extLst>
-              <a:ext uri="{FF2B5EF4-FFF2-40B4-BE49-F238E27FC236}">
-                <a16:creationId xmlns:a16="http://schemas.microsoft.com/office/drawing/2014/main" id="{07E1228D-410A-4A3F-B3BA-BC740514C1CC}"/>
-              </a:ext>
-            </a:extLst>
-          </p:cNvPr>
-          <p:cNvSpPr>
-            <a:spLocks noGrp="1"/>
-          </p:cNvSpPr>
-          <p:nvPr>
-            <p:ph idx="1"/>
-          </p:nvPr>
-        </p:nvSpPr>
-        <p:spPr/>
-        <p:txBody>
-          <a:bodyPr/>
-          <a:lstStyle/>
-          <a:p>
-            <a:r>
-              <a:rPr lang="en-US" dirty="0"/>
-              <a:t>We’re getting ahead of ourselves: ggplot2 is part of the “</a:t>
-            </a:r>
-            <a:r>
-              <a:rPr lang="en-US" dirty="0" err="1"/>
-              <a:t>tidyverse</a:t>
-            </a:r>
-            <a:r>
-              <a:rPr lang="en-US" dirty="0"/>
-              <a:t>” group of packages. We’ll learn more about them later</a:t>
-            </a:r>
-          </a:p>
-          <a:p>
-            <a:endParaRPr lang="en-US" dirty="0"/>
-          </a:p>
-          <a:p>
-            <a:r>
-              <a:rPr lang="en-US" dirty="0"/>
-              <a:t>Why use ggplot2 over base plot? </a:t>
-            </a:r>
-          </a:p>
-          <a:p>
-            <a:pPr lvl="1"/>
-            <a:r>
-              <a:rPr lang="en-US" dirty="0"/>
-              <a:t>Faster to hit ground running</a:t>
-            </a:r>
-          </a:p>
-          <a:p>
-            <a:pPr lvl="1"/>
-            <a:r>
-              <a:rPr lang="en-US" dirty="0"/>
-              <a:t>If you make anything beyond basics, it’s easier</a:t>
-            </a:r>
-          </a:p>
-        </p:txBody>
-      </p:sp>
-    </p:spTree>
-    <p:extLst>
-      <p:ext uri="{BB962C8B-B14F-4D97-AF65-F5344CB8AC3E}">
-        <p14:creationId xmlns:p14="http://schemas.microsoft.com/office/powerpoint/2010/main" val="1081056507"/>
-      </p:ext>
-    </p:extLst>
-  </p:cSld>
-  <p:clrMapOvr>
-    <a:masterClrMapping/>
-  </p:clrMapOvr>
-</p:sld>
-</file>
-
 <file path=ppt/slides/slide44.xml><?xml version="1.0" encoding="utf-8"?>
 <p:sld xmlns:a="http://schemas.openxmlformats.org/drawingml/2006/main" xmlns:r="http://schemas.openxmlformats.org/officeDocument/2006/relationships" xmlns:p="http://schemas.openxmlformats.org/presentationml/2006/main">
   <p:cSld>
@@ -11866,7 +12694,7 @@
           <p:cNvPr id="2" name="Title 1">
             <a:extLst>
               <a:ext uri="{FF2B5EF4-FFF2-40B4-BE49-F238E27FC236}">
-                <a16:creationId xmlns:a16="http://schemas.microsoft.com/office/drawing/2014/main" id="{ADBEFCD6-BF4C-4878-8769-16B947165E95}"/>
+                <a16:creationId xmlns:a16="http://schemas.microsoft.com/office/drawing/2014/main" id="{2065DBF2-455B-4B76-BCA6-A21B8F8225E2}"/>
               </a:ext>
             </a:extLst>
           </p:cNvPr>
@@ -11877,53 +12705,22 @@
             <p:ph type="title"/>
           </p:nvPr>
         </p:nvSpPr>
-        <p:spPr/>
-        <p:txBody>
-          <a:bodyPr/>
-          <a:lstStyle/>
-          <a:p>
-            <a:r>
-              <a:rPr lang="en-US" dirty="0"/>
-              <a:t>ggplot2</a:t>
-            </a:r>
-          </a:p>
-        </p:txBody>
-      </p:sp>
-      <p:sp>
-        <p:nvSpPr>
-          <p:cNvPr id="3" name="Content Placeholder 2">
-            <a:extLst>
-              <a:ext uri="{FF2B5EF4-FFF2-40B4-BE49-F238E27FC236}">
-                <a16:creationId xmlns:a16="http://schemas.microsoft.com/office/drawing/2014/main" id="{C33E3CB4-496B-42C3-BE34-5470079E08BF}"/>
-              </a:ext>
-            </a:extLst>
-          </p:cNvPr>
-          <p:cNvSpPr>
-            <a:spLocks noGrp="1"/>
-          </p:cNvSpPr>
-          <p:nvPr>
-            <p:ph idx="1"/>
-          </p:nvPr>
-        </p:nvSpPr>
-        <p:spPr/>
-        <p:txBody>
-          <a:bodyPr/>
-          <a:lstStyle/>
-          <a:p>
-            <a:r>
-              <a:rPr lang="en-US" dirty="0"/>
-              <a:t>Basics of </a:t>
-            </a:r>
-            <a:r>
-              <a:rPr lang="en-US" dirty="0" err="1"/>
-              <a:t>geoms</a:t>
-            </a:r>
-            <a:endParaRPr lang="en-US" dirty="0"/>
-          </a:p>
-          <a:p>
-            <a:r>
-              <a:rPr lang="en-US" dirty="0"/>
-              <a:t>Use of + </a:t>
+        <p:spPr>
+          <a:xfrm>
+            <a:off x="590227" y="2766218"/>
+            <a:ext cx="10515600" cy="1325563"/>
+          </a:xfrm>
+        </p:spPr>
+        <p:txBody>
+          <a:bodyPr>
+            <a:normAutofit/>
+          </a:bodyPr>
+          <a:lstStyle/>
+          <a:p>
+            <a:pPr algn="ctr"/>
+            <a:r>
+              <a:rPr lang="en-US" sz="6600" b="1" dirty="0"/>
+              <a:t>5 – Let’s Make Charts</a:t>
             </a:r>
           </a:p>
         </p:txBody>
@@ -11931,7 +12728,7 @@
     </p:spTree>
     <p:extLst>
       <p:ext uri="{BB962C8B-B14F-4D97-AF65-F5344CB8AC3E}">
-        <p14:creationId xmlns:p14="http://schemas.microsoft.com/office/powerpoint/2010/main" val="991509113"/>
+        <p14:creationId xmlns:p14="http://schemas.microsoft.com/office/powerpoint/2010/main" val="3234217016"/>
       </p:ext>
     </p:extLst>
   </p:cSld>
@@ -11963,7 +12760,7 @@
           <p:cNvPr id="2" name="Title 1">
             <a:extLst>
               <a:ext uri="{FF2B5EF4-FFF2-40B4-BE49-F238E27FC236}">
-                <a16:creationId xmlns:a16="http://schemas.microsoft.com/office/drawing/2014/main" id="{2065DBF2-455B-4B76-BCA6-A21B8F8225E2}"/>
+                <a16:creationId xmlns:a16="http://schemas.microsoft.com/office/drawing/2014/main" id="{8FEAD2D8-6EEE-46D5-9794-778A6880AAF2}"/>
               </a:ext>
             </a:extLst>
           </p:cNvPr>
@@ -11972,32 +12769,91 @@
           </p:cNvSpPr>
           <p:nvPr>
             <p:ph type="title"/>
+          </p:nvPr>
+        </p:nvSpPr>
+        <p:spPr/>
+        <p:txBody>
+          <a:bodyPr/>
+          <a:lstStyle/>
+          <a:p>
+            <a:r>
+              <a:rPr lang="en-US" dirty="0"/>
+              <a:t>Chart Basics</a:t>
+            </a:r>
+          </a:p>
+        </p:txBody>
+      </p:sp>
+      <p:sp>
+        <p:nvSpPr>
+          <p:cNvPr id="3" name="Content Placeholder 2">
+            <a:extLst>
+              <a:ext uri="{FF2B5EF4-FFF2-40B4-BE49-F238E27FC236}">
+                <a16:creationId xmlns:a16="http://schemas.microsoft.com/office/drawing/2014/main" id="{D0AEB7DA-85E1-4A00-AB09-2E6530E3261C}"/>
+              </a:ext>
+            </a:extLst>
+          </p:cNvPr>
+          <p:cNvSpPr>
+            <a:spLocks noGrp="1"/>
+          </p:cNvSpPr>
+          <p:nvPr>
+            <p:ph idx="1"/>
           </p:nvPr>
         </p:nvSpPr>
         <p:spPr>
           <a:xfrm>
-            <a:off x="590227" y="2766218"/>
-            <a:ext cx="10515600" cy="1325563"/>
+            <a:off x="838200" y="1825625"/>
+            <a:ext cx="9161206" cy="4351338"/>
           </a:xfrm>
         </p:spPr>
         <p:txBody>
-          <a:bodyPr>
-            <a:normAutofit/>
-          </a:bodyPr>
-          <a:lstStyle/>
-          <a:p>
-            <a:pPr algn="ctr"/>
-            <a:r>
-              <a:rPr lang="en-US" sz="6600" b="1" dirty="0"/>
-              <a:t>6 – Basic Analysis</a:t>
-            </a:r>
+          <a:bodyPr/>
+          <a:lstStyle/>
+          <a:p>
+            <a:r>
+              <a:rPr lang="en-US" dirty="0"/>
+              <a:t>Use base function plot()</a:t>
+            </a:r>
+          </a:p>
+          <a:p>
+            <a:pPr lvl="1"/>
+            <a:r>
+              <a:rPr lang="en-US" dirty="0"/>
+              <a:t>Syntax is plot(</a:t>
+            </a:r>
+            <a:r>
+              <a:rPr lang="en-US" dirty="0" err="1"/>
+              <a:t>yaxiscolumn</a:t>
+            </a:r>
+            <a:r>
+              <a:rPr lang="en-US" dirty="0"/>
+              <a:t> ~ </a:t>
+            </a:r>
+            <a:r>
+              <a:rPr lang="en-US" dirty="0" err="1"/>
+              <a:t>xaxiscolumn</a:t>
+            </a:r>
+            <a:r>
+              <a:rPr lang="en-US" dirty="0"/>
+              <a:t>, data = </a:t>
+            </a:r>
+            <a:r>
+              <a:rPr lang="en-US" dirty="0" err="1"/>
+              <a:t>dataname</a:t>
+            </a:r>
+            <a:r>
+              <a:rPr lang="en-US" dirty="0"/>
+              <a:t>)</a:t>
+            </a:r>
+          </a:p>
+          <a:p>
+            <a:endParaRPr lang="en-US" dirty="0"/>
           </a:p>
         </p:txBody>
       </p:sp>
     </p:spTree>
     <p:extLst>
       <p:ext uri="{BB962C8B-B14F-4D97-AF65-F5344CB8AC3E}">
-        <p14:creationId xmlns:p14="http://schemas.microsoft.com/office/powerpoint/2010/main" val="1615400486"/>
+        <p14:creationId xmlns:p14="http://schemas.microsoft.com/office/powerpoint/2010/main" val="1738276427"/>
       </p:ext>
     </p:extLst>
   </p:cSld>
@@ -12029,7 +12885,7 @@
           <p:cNvPr id="2" name="Title 1">
             <a:extLst>
               <a:ext uri="{FF2B5EF4-FFF2-40B4-BE49-F238E27FC236}">
-                <a16:creationId xmlns:a16="http://schemas.microsoft.com/office/drawing/2014/main" id="{C5865183-4634-4834-A53D-FA60AAE55846}"/>
+                <a16:creationId xmlns:a16="http://schemas.microsoft.com/office/drawing/2014/main" id="{4CBB3B2E-33EB-4D88-83CC-6BB7B333153B}"/>
               </a:ext>
             </a:extLst>
           </p:cNvPr>
@@ -12045,7 +12901,10 @@
           <a:bodyPr/>
           <a:lstStyle/>
           <a:p>
-            <a:endParaRPr lang="en-US"/>
+            <a:r>
+              <a:rPr lang="en-US" dirty="0"/>
+              <a:t>ggplot2 – A Better Way</a:t>
+            </a:r>
           </a:p>
         </p:txBody>
       </p:sp>
@@ -12054,7 +12913,7 @@
           <p:cNvPr id="3" name="Content Placeholder 2">
             <a:extLst>
               <a:ext uri="{FF2B5EF4-FFF2-40B4-BE49-F238E27FC236}">
-                <a16:creationId xmlns:a16="http://schemas.microsoft.com/office/drawing/2014/main" id="{BD8A26CB-D95A-4D09-9BCE-375E0EF2498E}"/>
+                <a16:creationId xmlns:a16="http://schemas.microsoft.com/office/drawing/2014/main" id="{07E1228D-410A-4A3F-B3BA-BC740514C1CC}"/>
               </a:ext>
             </a:extLst>
           </p:cNvPr>
@@ -12072,33 +12931,15 @@
           <a:p>
             <a:r>
               <a:rPr lang="en-US" dirty="0"/>
-              <a:t>table()</a:t>
-            </a:r>
-          </a:p>
-          <a:p>
+              <a:t>We’re getting ahead of ourselves: ggplot2 is part of the “</a:t>
+            </a:r>
             <a:r>
               <a:rPr lang="en-US" dirty="0" err="1"/>
-              <a:t>group_by</a:t>
-            </a:r>
-            <a:r>
-              <a:rPr lang="en-US" dirty="0"/>
-              <a:t> %&gt;% summarize</a:t>
-            </a:r>
-          </a:p>
-          <a:p>
-            <a:r>
-              <a:rPr lang="en-US" dirty="0" err="1"/>
-              <a:t>lm</a:t>
-            </a:r>
-            <a:r>
-              <a:rPr lang="en-US" dirty="0"/>
-              <a:t>()</a:t>
-            </a:r>
-          </a:p>
-          <a:p>
-            <a:r>
-              <a:rPr lang="en-US" dirty="0"/>
-              <a:t>ANOVA</a:t>
+              <a:t>tidyverse</a:t>
+            </a:r>
+            <a:r>
+              <a:rPr lang="en-US" dirty="0"/>
+              <a:t>” group of packages. We’ll learn more about them later</a:t>
             </a:r>
           </a:p>
           <a:p>
@@ -12106,12 +12947,22 @@
           </a:p>
           <a:p>
             <a:r>
-              <a:rPr lang="en-US" dirty="0" err="1"/>
-              <a:t>glm</a:t>
-            </a:r>
-            <a:r>
-              <a:rPr lang="en-US" dirty="0"/>
-              <a:t>() binomial</a:t>
+              <a:rPr lang="en-US" dirty="0"/>
+              <a:t>Why use ggplot2 over base plot? </a:t>
+            </a:r>
+          </a:p>
+          <a:p>
+            <a:pPr lvl="1"/>
+            <a:r>
+              <a:rPr lang="en-US" dirty="0"/>
+              <a:t>Faster to hit ground running</a:t>
+            </a:r>
+          </a:p>
+          <a:p>
+            <a:pPr lvl="1"/>
+            <a:r>
+              <a:rPr lang="en-US" dirty="0"/>
+              <a:t>If you make anything beyond basics, it’s easier</a:t>
             </a:r>
           </a:p>
         </p:txBody>
@@ -12119,7 +12970,7 @@
     </p:spTree>
     <p:extLst>
       <p:ext uri="{BB962C8B-B14F-4D97-AF65-F5344CB8AC3E}">
-        <p14:creationId xmlns:p14="http://schemas.microsoft.com/office/powerpoint/2010/main" val="1153129059"/>
+        <p14:creationId xmlns:p14="http://schemas.microsoft.com/office/powerpoint/2010/main" val="1081056507"/>
       </p:ext>
     </p:extLst>
   </p:cSld>
@@ -12151,7 +13002,7 @@
           <p:cNvPr id="2" name="Title 1">
             <a:extLst>
               <a:ext uri="{FF2B5EF4-FFF2-40B4-BE49-F238E27FC236}">
-                <a16:creationId xmlns:a16="http://schemas.microsoft.com/office/drawing/2014/main" id="{2065DBF2-455B-4B76-BCA6-A21B8F8225E2}"/>
+                <a16:creationId xmlns:a16="http://schemas.microsoft.com/office/drawing/2014/main" id="{ADBEFCD6-BF4C-4878-8769-16B947165E95}"/>
               </a:ext>
             </a:extLst>
           </p:cNvPr>
@@ -12162,35 +13013,61 @@
             <p:ph type="title"/>
           </p:nvPr>
         </p:nvSpPr>
-        <p:spPr>
-          <a:xfrm>
-            <a:off x="590227" y="2766218"/>
-            <a:ext cx="10515600" cy="1325563"/>
-          </a:xfrm>
-        </p:spPr>
-        <p:txBody>
-          <a:bodyPr>
-            <a:normAutofit/>
-          </a:bodyPr>
-          <a:lstStyle/>
-          <a:p>
-            <a:pPr algn="ctr"/>
-            <a:r>
-              <a:rPr lang="en-US" sz="6600" b="1" dirty="0"/>
-              <a:t>7 – </a:t>
-            </a:r>
-            <a:r>
-              <a:rPr lang="en-US" sz="6600" b="1" dirty="0" err="1"/>
-              <a:t>Tidyverse</a:t>
-            </a:r>
-            <a:endParaRPr lang="en-US" sz="6600" b="1" dirty="0"/>
+        <p:spPr/>
+        <p:txBody>
+          <a:bodyPr/>
+          <a:lstStyle/>
+          <a:p>
+            <a:r>
+              <a:rPr lang="en-US" dirty="0"/>
+              <a:t>ggplot2</a:t>
+            </a:r>
+          </a:p>
+        </p:txBody>
+      </p:sp>
+      <p:sp>
+        <p:nvSpPr>
+          <p:cNvPr id="3" name="Content Placeholder 2">
+            <a:extLst>
+              <a:ext uri="{FF2B5EF4-FFF2-40B4-BE49-F238E27FC236}">
+                <a16:creationId xmlns:a16="http://schemas.microsoft.com/office/drawing/2014/main" id="{C33E3CB4-496B-42C3-BE34-5470079E08BF}"/>
+              </a:ext>
+            </a:extLst>
+          </p:cNvPr>
+          <p:cNvSpPr>
+            <a:spLocks noGrp="1"/>
+          </p:cNvSpPr>
+          <p:nvPr>
+            <p:ph idx="1"/>
+          </p:nvPr>
+        </p:nvSpPr>
+        <p:spPr/>
+        <p:txBody>
+          <a:bodyPr/>
+          <a:lstStyle/>
+          <a:p>
+            <a:r>
+              <a:rPr lang="en-US" dirty="0"/>
+              <a:t>Basics of </a:t>
+            </a:r>
+            <a:r>
+              <a:rPr lang="en-US" dirty="0" err="1"/>
+              <a:t>geoms</a:t>
+            </a:r>
+            <a:endParaRPr lang="en-US" dirty="0"/>
+          </a:p>
+          <a:p>
+            <a:r>
+              <a:rPr lang="en-US" dirty="0"/>
+              <a:t>Use of + </a:t>
+            </a:r>
           </a:p>
         </p:txBody>
       </p:sp>
     </p:spTree>
     <p:extLst>
       <p:ext uri="{BB962C8B-B14F-4D97-AF65-F5344CB8AC3E}">
-        <p14:creationId xmlns:p14="http://schemas.microsoft.com/office/powerpoint/2010/main" val="284371684"/>
+        <p14:creationId xmlns:p14="http://schemas.microsoft.com/office/powerpoint/2010/main" val="991509113"/>
       </p:ext>
     </p:extLst>
   </p:cSld>
@@ -12222,7 +13099,7 @@
           <p:cNvPr id="2" name="Title 1">
             <a:extLst>
               <a:ext uri="{FF2B5EF4-FFF2-40B4-BE49-F238E27FC236}">
-                <a16:creationId xmlns:a16="http://schemas.microsoft.com/office/drawing/2014/main" id="{5BA6314B-EEFE-4D67-8B64-6B72716123FD}"/>
+                <a16:creationId xmlns:a16="http://schemas.microsoft.com/office/drawing/2014/main" id="{2065DBF2-455B-4B76-BCA6-A21B8F8225E2}"/>
               </a:ext>
             </a:extLst>
           </p:cNvPr>
@@ -12231,214 +13108,32 @@
           </p:cNvSpPr>
           <p:nvPr>
             <p:ph type="title"/>
-          </p:nvPr>
-        </p:nvSpPr>
-        <p:spPr/>
-        <p:txBody>
-          <a:bodyPr/>
-          <a:lstStyle/>
-          <a:p>
-            <a:r>
-              <a:rPr lang="en-US" dirty="0"/>
-              <a:t>What is the </a:t>
-            </a:r>
-            <a:r>
-              <a:rPr lang="en-US" dirty="0" err="1"/>
-              <a:t>Tidyverse</a:t>
-            </a:r>
-            <a:endParaRPr lang="en-US" dirty="0"/>
-          </a:p>
-        </p:txBody>
-      </p:sp>
-      <p:sp>
-        <p:nvSpPr>
-          <p:cNvPr id="3" name="Content Placeholder 2">
-            <a:extLst>
-              <a:ext uri="{FF2B5EF4-FFF2-40B4-BE49-F238E27FC236}">
-                <a16:creationId xmlns:a16="http://schemas.microsoft.com/office/drawing/2014/main" id="{5CB9D23D-EA22-4D70-8931-A6EF876A2013}"/>
-              </a:ext>
-            </a:extLst>
-          </p:cNvPr>
-          <p:cNvSpPr>
-            <a:spLocks noGrp="1"/>
-          </p:cNvSpPr>
-          <p:nvPr>
-            <p:ph idx="1"/>
           </p:nvPr>
         </p:nvSpPr>
         <p:spPr>
           <a:xfrm>
-            <a:off x="838200" y="1825625"/>
-            <a:ext cx="10515600" cy="4808088"/>
+            <a:off x="590227" y="2766218"/>
+            <a:ext cx="10515600" cy="1325563"/>
           </a:xfrm>
         </p:spPr>
         <p:txBody>
           <a:bodyPr>
-            <a:normAutofit fontScale="92500"/>
+            <a:normAutofit/>
           </a:bodyPr>
           <a:lstStyle/>
           <a:p>
-            <a:r>
-              <a:rPr lang="en-US" dirty="0"/>
-              <a:t>The </a:t>
-            </a:r>
-            <a:r>
-              <a:rPr lang="en-US" dirty="0" err="1"/>
-              <a:t>Tidyverse</a:t>
-            </a:r>
-            <a:r>
-              <a:rPr lang="en-US" dirty="0"/>
-              <a:t> is a collection of packages that extend the usefulness of R, use slightly different language syntax, and play well together</a:t>
-            </a:r>
-          </a:p>
-          <a:p>
-            <a:r>
-              <a:rPr lang="en-US" dirty="0"/>
-              <a:t>Some of the most common </a:t>
-            </a:r>
-            <a:r>
-              <a:rPr lang="en-US" dirty="0" err="1"/>
-              <a:t>Tidyverse</a:t>
-            </a:r>
-            <a:r>
-              <a:rPr lang="en-US" dirty="0"/>
-              <a:t> packages are:</a:t>
-            </a:r>
-          </a:p>
-          <a:p>
-            <a:pPr marL="0" indent="0">
-              <a:buNone/>
-            </a:pPr>
-            <a:r>
-              <a:rPr lang="en-US" dirty="0"/>
-              <a:t>	</a:t>
-            </a:r>
-            <a:r>
-              <a:rPr lang="en-US" b="1" dirty="0" err="1"/>
-              <a:t>dplyr</a:t>
-            </a:r>
-            <a:r>
-              <a:rPr lang="en-US" dirty="0"/>
-              <a:t> – data manipulation (mutate, select, filter, </a:t>
-            </a:r>
-            <a:r>
-              <a:rPr lang="en-US" dirty="0" err="1"/>
-              <a:t>summarise</a:t>
-            </a:r>
-            <a:r>
-              <a:rPr lang="en-US" dirty="0"/>
-              <a:t>)</a:t>
-            </a:r>
-          </a:p>
-          <a:p>
-            <a:pPr marL="0" indent="0">
-              <a:buNone/>
-            </a:pPr>
-            <a:r>
-              <a:rPr lang="en-US" dirty="0"/>
-              <a:t>	</a:t>
-            </a:r>
-            <a:r>
-              <a:rPr lang="en-US" b="1" dirty="0"/>
-              <a:t>ggplot2</a:t>
-            </a:r>
-            <a:r>
-              <a:rPr lang="en-US" dirty="0"/>
-              <a:t> – produce beautiful charts</a:t>
-            </a:r>
-          </a:p>
-          <a:p>
-            <a:pPr marL="0" indent="0">
-              <a:buNone/>
-            </a:pPr>
-            <a:r>
-              <a:rPr lang="en-US" dirty="0"/>
-              <a:t>	</a:t>
-            </a:r>
-            <a:r>
-              <a:rPr lang="en-US" b="1" dirty="0" err="1"/>
-              <a:t>tidyr</a:t>
-            </a:r>
-            <a:r>
-              <a:rPr lang="en-US" dirty="0"/>
-              <a:t> – change data layout to one observation per row, and inverse</a:t>
-            </a:r>
-          </a:p>
-          <a:p>
-            <a:pPr marL="0" indent="0">
-              <a:buNone/>
-            </a:pPr>
-            <a:r>
-              <a:rPr lang="en-US" dirty="0"/>
-              <a:t>	</a:t>
-            </a:r>
-            <a:r>
-              <a:rPr lang="en-US" b="1" dirty="0" err="1"/>
-              <a:t>tibble</a:t>
-            </a:r>
-            <a:r>
-              <a:rPr lang="en-US" dirty="0"/>
-              <a:t> – use “advanced” data frames</a:t>
-            </a:r>
-          </a:p>
-          <a:p>
-            <a:pPr marL="0" indent="0">
-              <a:buNone/>
-            </a:pPr>
-            <a:r>
-              <a:rPr lang="en-US" dirty="0"/>
-              <a:t>	</a:t>
-            </a:r>
-            <a:r>
-              <a:rPr lang="en-US" b="1" dirty="0" err="1"/>
-              <a:t>readr</a:t>
-            </a:r>
-            <a:r>
-              <a:rPr lang="en-US" dirty="0"/>
-              <a:t> – fast and friendly way to read in data</a:t>
-            </a:r>
-          </a:p>
-          <a:p>
-            <a:pPr marL="0" indent="0">
-              <a:buNone/>
-            </a:pPr>
-            <a:r>
-              <a:rPr lang="en-US" dirty="0"/>
-              <a:t>	</a:t>
-            </a:r>
-            <a:r>
-              <a:rPr lang="en-US" b="1" dirty="0" err="1"/>
-              <a:t>lubridate</a:t>
-            </a:r>
-            <a:r>
-              <a:rPr lang="en-US" dirty="0"/>
-              <a:t> – work with dates</a:t>
-            </a:r>
-          </a:p>
-          <a:p>
-            <a:pPr marL="0" indent="0">
-              <a:buNone/>
-            </a:pPr>
-            <a:r>
-              <a:rPr lang="en-US" dirty="0"/>
-              <a:t>	And several others!</a:t>
-            </a:r>
-          </a:p>
-          <a:p>
-            <a:endParaRPr lang="en-US" dirty="0"/>
-          </a:p>
-          <a:p>
-            <a:endParaRPr lang="en-US" dirty="0"/>
-          </a:p>
-          <a:p>
-            <a:endParaRPr lang="en-US" dirty="0"/>
+            <a:pPr algn="ctr"/>
+            <a:r>
+              <a:rPr lang="en-US" sz="6600" b="1" dirty="0"/>
+              <a:t>6 – Basic Analysis</a:t>
+            </a:r>
           </a:p>
         </p:txBody>
       </p:sp>
     </p:spTree>
     <p:extLst>
       <p:ext uri="{BB962C8B-B14F-4D97-AF65-F5344CB8AC3E}">
-        <p14:creationId xmlns:p14="http://schemas.microsoft.com/office/powerpoint/2010/main" val="1116799830"/>
+        <p14:creationId xmlns:p14="http://schemas.microsoft.com/office/powerpoint/2010/main" val="1615400486"/>
       </p:ext>
     </p:extLst>
   </p:cSld>
@@ -12470,7 +13165,7 @@
           <p:cNvPr id="2" name="Title 1">
             <a:extLst>
               <a:ext uri="{FF2B5EF4-FFF2-40B4-BE49-F238E27FC236}">
-                <a16:creationId xmlns:a16="http://schemas.microsoft.com/office/drawing/2014/main" id="{333F3B95-D185-4429-B91F-39FCD144193B}"/>
+                <a16:creationId xmlns:a16="http://schemas.microsoft.com/office/drawing/2014/main" id="{C5865183-4634-4834-A53D-FA60AAE55846}"/>
               </a:ext>
             </a:extLst>
           </p:cNvPr>
@@ -12486,94 +13181,73 @@
           <a:bodyPr/>
           <a:lstStyle/>
           <a:p>
-            <a:r>
-              <a:rPr lang="en-US" dirty="0"/>
-              <a:t>Why Should You Use the </a:t>
-            </a:r>
+            <a:endParaRPr lang="en-US"/>
+          </a:p>
+        </p:txBody>
+      </p:sp>
+      <p:sp>
+        <p:nvSpPr>
+          <p:cNvPr id="3" name="Content Placeholder 2">
+            <a:extLst>
+              <a:ext uri="{FF2B5EF4-FFF2-40B4-BE49-F238E27FC236}">
+                <a16:creationId xmlns:a16="http://schemas.microsoft.com/office/drawing/2014/main" id="{BD8A26CB-D95A-4D09-9BCE-375E0EF2498E}"/>
+              </a:ext>
+            </a:extLst>
+          </p:cNvPr>
+          <p:cNvSpPr>
+            <a:spLocks noGrp="1"/>
+          </p:cNvSpPr>
+          <p:nvPr>
+            <p:ph idx="1"/>
+          </p:nvPr>
+        </p:nvSpPr>
+        <p:spPr/>
+        <p:txBody>
+          <a:bodyPr/>
+          <a:lstStyle/>
+          <a:p>
+            <a:r>
+              <a:rPr lang="en-US" dirty="0"/>
+              <a:t>table()</a:t>
+            </a:r>
+          </a:p>
+          <a:p>
             <a:r>
               <a:rPr lang="en-US" dirty="0" err="1"/>
-              <a:t>Tidyverse</a:t>
-            </a:r>
-            <a:r>
-              <a:rPr lang="en-US" dirty="0"/>
-              <a:t>?</a:t>
-            </a:r>
-          </a:p>
-        </p:txBody>
-      </p:sp>
-      <p:sp>
-        <p:nvSpPr>
-          <p:cNvPr id="3" name="Content Placeholder 2">
-            <a:extLst>
-              <a:ext uri="{FF2B5EF4-FFF2-40B4-BE49-F238E27FC236}">
-                <a16:creationId xmlns:a16="http://schemas.microsoft.com/office/drawing/2014/main" id="{D6416626-DF97-46C1-9FC1-E673695FB959}"/>
-              </a:ext>
-            </a:extLst>
-          </p:cNvPr>
-          <p:cNvSpPr>
-            <a:spLocks noGrp="1"/>
-          </p:cNvSpPr>
-          <p:nvPr>
-            <p:ph idx="1"/>
-          </p:nvPr>
-        </p:nvSpPr>
-        <p:spPr>
-          <a:xfrm>
-            <a:off x="838201" y="1825625"/>
-            <a:ext cx="7106728" cy="4351338"/>
-          </a:xfrm>
-        </p:spPr>
-        <p:txBody>
-          <a:bodyPr>
-            <a:normAutofit fontScale="92500"/>
-          </a:bodyPr>
-          <a:lstStyle/>
-          <a:p>
-            <a:r>
-              <a:rPr lang="en-US" dirty="0"/>
-              <a:t>It’s often simpler to read: filter(Year == 2010)</a:t>
-            </a:r>
-          </a:p>
-          <a:p>
-            <a:r>
-              <a:rPr lang="en-US" dirty="0"/>
-              <a:t>Forces cleaner data which will save you time later</a:t>
-            </a:r>
-          </a:p>
-          <a:p>
-            <a:r>
-              <a:rPr lang="en-US" dirty="0"/>
-              <a:t>Makes certain data types workable (e.g., dates)</a:t>
-            </a:r>
-          </a:p>
-          <a:p>
-            <a:r>
-              <a:rPr lang="en-US" dirty="0"/>
-              <a:t>More powerful features</a:t>
-            </a:r>
-          </a:p>
-          <a:p>
-            <a:r>
-              <a:rPr lang="en-US" dirty="0"/>
-              <a:t>Constantly updated (future of R?)</a:t>
+              <a:t>group_by</a:t>
+            </a:r>
+            <a:r>
+              <a:rPr lang="en-US" dirty="0"/>
+              <a:t> %&gt;% summarize</a:t>
+            </a:r>
+          </a:p>
+          <a:p>
+            <a:r>
+              <a:rPr lang="en-US" dirty="0" err="1"/>
+              <a:t>lm</a:t>
+            </a:r>
+            <a:r>
+              <a:rPr lang="en-US" dirty="0"/>
+              <a:t>()</a:t>
+            </a:r>
+          </a:p>
+          <a:p>
+            <a:r>
+              <a:rPr lang="en-US" dirty="0"/>
+              <a:t>ANOVA</a:t>
             </a:r>
           </a:p>
           <a:p>
             <a:endParaRPr lang="en-US" dirty="0"/>
           </a:p>
           <a:p>
-            <a:pPr marL="0" indent="0">
-              <a:buNone/>
-            </a:pPr>
-            <a:r>
-              <a:rPr lang="en-US" b="1" dirty="0"/>
-              <a:t>Downside</a:t>
-            </a:r>
-          </a:p>
-          <a:p>
-            <a:r>
-              <a:rPr lang="en-US" dirty="0"/>
-              <a:t>Syntax is different and you’ll know two different ways to do same thing</a:t>
+            <a:r>
+              <a:rPr lang="en-US" dirty="0" err="1"/>
+              <a:t>glm</a:t>
+            </a:r>
+            <a:r>
+              <a:rPr lang="en-US" dirty="0"/>
+              <a:t>() binomial</a:t>
             </a:r>
           </a:p>
         </p:txBody>
@@ -12581,7 +13255,7 @@
     </p:spTree>
     <p:extLst>
       <p:ext uri="{BB962C8B-B14F-4D97-AF65-F5344CB8AC3E}">
-        <p14:creationId xmlns:p14="http://schemas.microsoft.com/office/powerpoint/2010/main" val="4164308299"/>
+        <p14:creationId xmlns:p14="http://schemas.microsoft.com/office/powerpoint/2010/main" val="1153129059"/>
       </p:ext>
     </p:extLst>
   </p:cSld>
@@ -12755,6 +13429,468 @@
 </file>
 
 <file path=ppt/slides/slide50.xml><?xml version="1.0" encoding="utf-8"?>
+<p:sld xmlns:a="http://schemas.openxmlformats.org/drawingml/2006/main" xmlns:r="http://schemas.openxmlformats.org/officeDocument/2006/relationships" xmlns:p="http://schemas.openxmlformats.org/presentationml/2006/main">
+  <p:cSld>
+    <p:spTree>
+      <p:nvGrpSpPr>
+        <p:cNvPr id="1" name=""/>
+        <p:cNvGrpSpPr/>
+        <p:nvPr/>
+      </p:nvGrpSpPr>
+      <p:grpSpPr>
+        <a:xfrm>
+          <a:off x="0" y="0"/>
+          <a:ext cx="0" cy="0"/>
+          <a:chOff x="0" y="0"/>
+          <a:chExt cx="0" cy="0"/>
+        </a:xfrm>
+      </p:grpSpPr>
+      <p:sp>
+        <p:nvSpPr>
+          <p:cNvPr id="2" name="Title 1">
+            <a:extLst>
+              <a:ext uri="{FF2B5EF4-FFF2-40B4-BE49-F238E27FC236}">
+                <a16:creationId xmlns:a16="http://schemas.microsoft.com/office/drawing/2014/main" id="{2065DBF2-455B-4B76-BCA6-A21B8F8225E2}"/>
+              </a:ext>
+            </a:extLst>
+          </p:cNvPr>
+          <p:cNvSpPr>
+            <a:spLocks noGrp="1"/>
+          </p:cNvSpPr>
+          <p:nvPr>
+            <p:ph type="title"/>
+          </p:nvPr>
+        </p:nvSpPr>
+        <p:spPr>
+          <a:xfrm>
+            <a:off x="590227" y="2766218"/>
+            <a:ext cx="10515600" cy="1325563"/>
+          </a:xfrm>
+        </p:spPr>
+        <p:txBody>
+          <a:bodyPr>
+            <a:normAutofit/>
+          </a:bodyPr>
+          <a:lstStyle/>
+          <a:p>
+            <a:pPr algn="ctr"/>
+            <a:r>
+              <a:rPr lang="en-US" sz="6600" b="1" dirty="0"/>
+              <a:t>7 – </a:t>
+            </a:r>
+            <a:r>
+              <a:rPr lang="en-US" sz="6600" b="1" dirty="0" err="1"/>
+              <a:t>Tidyverse</a:t>
+            </a:r>
+            <a:endParaRPr lang="en-US" sz="6600" b="1" dirty="0"/>
+          </a:p>
+        </p:txBody>
+      </p:sp>
+    </p:spTree>
+    <p:extLst>
+      <p:ext uri="{BB962C8B-B14F-4D97-AF65-F5344CB8AC3E}">
+        <p14:creationId xmlns:p14="http://schemas.microsoft.com/office/powerpoint/2010/main" val="284371684"/>
+      </p:ext>
+    </p:extLst>
+  </p:cSld>
+  <p:clrMapOvr>
+    <a:masterClrMapping/>
+  </p:clrMapOvr>
+</p:sld>
+</file>
+
+<file path=ppt/slides/slide51.xml><?xml version="1.0" encoding="utf-8"?>
+<p:sld xmlns:a="http://schemas.openxmlformats.org/drawingml/2006/main" xmlns:r="http://schemas.openxmlformats.org/officeDocument/2006/relationships" xmlns:p="http://schemas.openxmlformats.org/presentationml/2006/main">
+  <p:cSld>
+    <p:spTree>
+      <p:nvGrpSpPr>
+        <p:cNvPr id="1" name=""/>
+        <p:cNvGrpSpPr/>
+        <p:nvPr/>
+      </p:nvGrpSpPr>
+      <p:grpSpPr>
+        <a:xfrm>
+          <a:off x="0" y="0"/>
+          <a:ext cx="0" cy="0"/>
+          <a:chOff x="0" y="0"/>
+          <a:chExt cx="0" cy="0"/>
+        </a:xfrm>
+      </p:grpSpPr>
+      <p:sp>
+        <p:nvSpPr>
+          <p:cNvPr id="2" name="Title 1">
+            <a:extLst>
+              <a:ext uri="{FF2B5EF4-FFF2-40B4-BE49-F238E27FC236}">
+                <a16:creationId xmlns:a16="http://schemas.microsoft.com/office/drawing/2014/main" id="{5BA6314B-EEFE-4D67-8B64-6B72716123FD}"/>
+              </a:ext>
+            </a:extLst>
+          </p:cNvPr>
+          <p:cNvSpPr>
+            <a:spLocks noGrp="1"/>
+          </p:cNvSpPr>
+          <p:nvPr>
+            <p:ph type="title"/>
+          </p:nvPr>
+        </p:nvSpPr>
+        <p:spPr/>
+        <p:txBody>
+          <a:bodyPr/>
+          <a:lstStyle/>
+          <a:p>
+            <a:r>
+              <a:rPr lang="en-US" dirty="0"/>
+              <a:t>What is the </a:t>
+            </a:r>
+            <a:r>
+              <a:rPr lang="en-US" dirty="0" err="1"/>
+              <a:t>Tidyverse</a:t>
+            </a:r>
+            <a:endParaRPr lang="en-US" dirty="0"/>
+          </a:p>
+        </p:txBody>
+      </p:sp>
+      <p:sp>
+        <p:nvSpPr>
+          <p:cNvPr id="3" name="Content Placeholder 2">
+            <a:extLst>
+              <a:ext uri="{FF2B5EF4-FFF2-40B4-BE49-F238E27FC236}">
+                <a16:creationId xmlns:a16="http://schemas.microsoft.com/office/drawing/2014/main" id="{5CB9D23D-EA22-4D70-8931-A6EF876A2013}"/>
+              </a:ext>
+            </a:extLst>
+          </p:cNvPr>
+          <p:cNvSpPr>
+            <a:spLocks noGrp="1"/>
+          </p:cNvSpPr>
+          <p:nvPr>
+            <p:ph idx="1"/>
+          </p:nvPr>
+        </p:nvSpPr>
+        <p:spPr>
+          <a:xfrm>
+            <a:off x="838200" y="1825625"/>
+            <a:ext cx="10515600" cy="4808088"/>
+          </a:xfrm>
+        </p:spPr>
+        <p:txBody>
+          <a:bodyPr>
+            <a:normAutofit fontScale="92500"/>
+          </a:bodyPr>
+          <a:lstStyle/>
+          <a:p>
+            <a:r>
+              <a:rPr lang="en-US" dirty="0"/>
+              <a:t>The </a:t>
+            </a:r>
+            <a:r>
+              <a:rPr lang="en-US" dirty="0" err="1"/>
+              <a:t>Tidyverse</a:t>
+            </a:r>
+            <a:r>
+              <a:rPr lang="en-US" dirty="0"/>
+              <a:t> is a collection of packages that extend the usefulness of R, use slightly different language syntax, and play well together</a:t>
+            </a:r>
+          </a:p>
+          <a:p>
+            <a:r>
+              <a:rPr lang="en-US" dirty="0"/>
+              <a:t>Some of the most common </a:t>
+            </a:r>
+            <a:r>
+              <a:rPr lang="en-US" dirty="0" err="1"/>
+              <a:t>Tidyverse</a:t>
+            </a:r>
+            <a:r>
+              <a:rPr lang="en-US" dirty="0"/>
+              <a:t> packages are:</a:t>
+            </a:r>
+          </a:p>
+          <a:p>
+            <a:pPr marL="0" indent="0">
+              <a:buNone/>
+            </a:pPr>
+            <a:r>
+              <a:rPr lang="en-US" dirty="0"/>
+              <a:t>	</a:t>
+            </a:r>
+            <a:r>
+              <a:rPr lang="en-US" b="1" dirty="0" err="1"/>
+              <a:t>dplyr</a:t>
+            </a:r>
+            <a:r>
+              <a:rPr lang="en-US" dirty="0"/>
+              <a:t> – data manipulation (mutate, select, filter, </a:t>
+            </a:r>
+            <a:r>
+              <a:rPr lang="en-US" dirty="0" err="1"/>
+              <a:t>summarise</a:t>
+            </a:r>
+            <a:r>
+              <a:rPr lang="en-US" dirty="0"/>
+              <a:t>)</a:t>
+            </a:r>
+          </a:p>
+          <a:p>
+            <a:pPr marL="0" indent="0">
+              <a:buNone/>
+            </a:pPr>
+            <a:r>
+              <a:rPr lang="en-US" dirty="0"/>
+              <a:t>	</a:t>
+            </a:r>
+            <a:r>
+              <a:rPr lang="en-US" b="1" dirty="0"/>
+              <a:t>ggplot2</a:t>
+            </a:r>
+            <a:r>
+              <a:rPr lang="en-US" dirty="0"/>
+              <a:t> – produce beautiful charts</a:t>
+            </a:r>
+          </a:p>
+          <a:p>
+            <a:pPr marL="0" indent="0">
+              <a:buNone/>
+            </a:pPr>
+            <a:r>
+              <a:rPr lang="en-US" dirty="0"/>
+              <a:t>	</a:t>
+            </a:r>
+            <a:r>
+              <a:rPr lang="en-US" b="1" dirty="0" err="1"/>
+              <a:t>tidyr</a:t>
+            </a:r>
+            <a:r>
+              <a:rPr lang="en-US" dirty="0"/>
+              <a:t> – change data layout to one observation per row, and inverse</a:t>
+            </a:r>
+          </a:p>
+          <a:p>
+            <a:pPr marL="0" indent="0">
+              <a:buNone/>
+            </a:pPr>
+            <a:r>
+              <a:rPr lang="en-US" dirty="0"/>
+              <a:t>	</a:t>
+            </a:r>
+            <a:r>
+              <a:rPr lang="en-US" b="1" dirty="0" err="1"/>
+              <a:t>tibble</a:t>
+            </a:r>
+            <a:r>
+              <a:rPr lang="en-US" dirty="0"/>
+              <a:t> – use “advanced” data frames</a:t>
+            </a:r>
+          </a:p>
+          <a:p>
+            <a:pPr marL="0" indent="0">
+              <a:buNone/>
+            </a:pPr>
+            <a:r>
+              <a:rPr lang="en-US" dirty="0"/>
+              <a:t>	</a:t>
+            </a:r>
+            <a:r>
+              <a:rPr lang="en-US" b="1" dirty="0" err="1"/>
+              <a:t>readr</a:t>
+            </a:r>
+            <a:r>
+              <a:rPr lang="en-US" dirty="0"/>
+              <a:t> – fast and friendly way to read in data</a:t>
+            </a:r>
+          </a:p>
+          <a:p>
+            <a:pPr marL="0" indent="0">
+              <a:buNone/>
+            </a:pPr>
+            <a:r>
+              <a:rPr lang="en-US" dirty="0"/>
+              <a:t>	</a:t>
+            </a:r>
+            <a:r>
+              <a:rPr lang="en-US" b="1" dirty="0" err="1"/>
+              <a:t>lubridate</a:t>
+            </a:r>
+            <a:r>
+              <a:rPr lang="en-US" dirty="0"/>
+              <a:t> – work with dates</a:t>
+            </a:r>
+          </a:p>
+          <a:p>
+            <a:pPr marL="0" indent="0">
+              <a:buNone/>
+            </a:pPr>
+            <a:r>
+              <a:rPr lang="en-US" dirty="0"/>
+              <a:t>	And several others!</a:t>
+            </a:r>
+          </a:p>
+          <a:p>
+            <a:endParaRPr lang="en-US" dirty="0"/>
+          </a:p>
+          <a:p>
+            <a:endParaRPr lang="en-US" dirty="0"/>
+          </a:p>
+          <a:p>
+            <a:endParaRPr lang="en-US" dirty="0"/>
+          </a:p>
+        </p:txBody>
+      </p:sp>
+    </p:spTree>
+    <p:extLst>
+      <p:ext uri="{BB962C8B-B14F-4D97-AF65-F5344CB8AC3E}">
+        <p14:creationId xmlns:p14="http://schemas.microsoft.com/office/powerpoint/2010/main" val="1116799830"/>
+      </p:ext>
+    </p:extLst>
+  </p:cSld>
+  <p:clrMapOvr>
+    <a:masterClrMapping/>
+  </p:clrMapOvr>
+</p:sld>
+</file>
+
+<file path=ppt/slides/slide52.xml><?xml version="1.0" encoding="utf-8"?>
+<p:sld xmlns:a="http://schemas.openxmlformats.org/drawingml/2006/main" xmlns:r="http://schemas.openxmlformats.org/officeDocument/2006/relationships" xmlns:p="http://schemas.openxmlformats.org/presentationml/2006/main">
+  <p:cSld>
+    <p:spTree>
+      <p:nvGrpSpPr>
+        <p:cNvPr id="1" name=""/>
+        <p:cNvGrpSpPr/>
+        <p:nvPr/>
+      </p:nvGrpSpPr>
+      <p:grpSpPr>
+        <a:xfrm>
+          <a:off x="0" y="0"/>
+          <a:ext cx="0" cy="0"/>
+          <a:chOff x="0" y="0"/>
+          <a:chExt cx="0" cy="0"/>
+        </a:xfrm>
+      </p:grpSpPr>
+      <p:sp>
+        <p:nvSpPr>
+          <p:cNvPr id="2" name="Title 1">
+            <a:extLst>
+              <a:ext uri="{FF2B5EF4-FFF2-40B4-BE49-F238E27FC236}">
+                <a16:creationId xmlns:a16="http://schemas.microsoft.com/office/drawing/2014/main" id="{333F3B95-D185-4429-B91F-39FCD144193B}"/>
+              </a:ext>
+            </a:extLst>
+          </p:cNvPr>
+          <p:cNvSpPr>
+            <a:spLocks noGrp="1"/>
+          </p:cNvSpPr>
+          <p:nvPr>
+            <p:ph type="title"/>
+          </p:nvPr>
+        </p:nvSpPr>
+        <p:spPr/>
+        <p:txBody>
+          <a:bodyPr/>
+          <a:lstStyle/>
+          <a:p>
+            <a:r>
+              <a:rPr lang="en-US" dirty="0"/>
+              <a:t>Why Should You Use the </a:t>
+            </a:r>
+            <a:r>
+              <a:rPr lang="en-US" dirty="0" err="1"/>
+              <a:t>Tidyverse</a:t>
+            </a:r>
+            <a:r>
+              <a:rPr lang="en-US" dirty="0"/>
+              <a:t>?</a:t>
+            </a:r>
+          </a:p>
+        </p:txBody>
+      </p:sp>
+      <p:sp>
+        <p:nvSpPr>
+          <p:cNvPr id="3" name="Content Placeholder 2">
+            <a:extLst>
+              <a:ext uri="{FF2B5EF4-FFF2-40B4-BE49-F238E27FC236}">
+                <a16:creationId xmlns:a16="http://schemas.microsoft.com/office/drawing/2014/main" id="{D6416626-DF97-46C1-9FC1-E673695FB959}"/>
+              </a:ext>
+            </a:extLst>
+          </p:cNvPr>
+          <p:cNvSpPr>
+            <a:spLocks noGrp="1"/>
+          </p:cNvSpPr>
+          <p:nvPr>
+            <p:ph idx="1"/>
+          </p:nvPr>
+        </p:nvSpPr>
+        <p:spPr>
+          <a:xfrm>
+            <a:off x="838201" y="1825625"/>
+            <a:ext cx="7106728" cy="4351338"/>
+          </a:xfrm>
+        </p:spPr>
+        <p:txBody>
+          <a:bodyPr>
+            <a:normAutofit fontScale="92500"/>
+          </a:bodyPr>
+          <a:lstStyle/>
+          <a:p>
+            <a:r>
+              <a:rPr lang="en-US" dirty="0"/>
+              <a:t>It’s often simpler to read: filter(Year == 2010)</a:t>
+            </a:r>
+          </a:p>
+          <a:p>
+            <a:r>
+              <a:rPr lang="en-US" dirty="0"/>
+              <a:t>Forces cleaner data which will save you time later</a:t>
+            </a:r>
+          </a:p>
+          <a:p>
+            <a:r>
+              <a:rPr lang="en-US" dirty="0"/>
+              <a:t>Makes certain data types workable (e.g., dates)</a:t>
+            </a:r>
+          </a:p>
+          <a:p>
+            <a:r>
+              <a:rPr lang="en-US" dirty="0"/>
+              <a:t>More powerful features</a:t>
+            </a:r>
+          </a:p>
+          <a:p>
+            <a:r>
+              <a:rPr lang="en-US" dirty="0"/>
+              <a:t>Constantly updated (future of R?)</a:t>
+            </a:r>
+          </a:p>
+          <a:p>
+            <a:endParaRPr lang="en-US" dirty="0"/>
+          </a:p>
+          <a:p>
+            <a:pPr marL="0" indent="0">
+              <a:buNone/>
+            </a:pPr>
+            <a:r>
+              <a:rPr lang="en-US" b="1" dirty="0"/>
+              <a:t>Downside</a:t>
+            </a:r>
+          </a:p>
+          <a:p>
+            <a:r>
+              <a:rPr lang="en-US" dirty="0"/>
+              <a:t>Syntax is different and you’ll know two different ways to do same thing</a:t>
+            </a:r>
+          </a:p>
+        </p:txBody>
+      </p:sp>
+    </p:spTree>
+    <p:extLst>
+      <p:ext uri="{BB962C8B-B14F-4D97-AF65-F5344CB8AC3E}">
+        <p14:creationId xmlns:p14="http://schemas.microsoft.com/office/powerpoint/2010/main" val="4164308299"/>
+      </p:ext>
+    </p:extLst>
+  </p:cSld>
+  <p:clrMapOvr>
+    <a:masterClrMapping/>
+  </p:clrMapOvr>
+</p:sld>
+</file>
+
+<file path=ppt/slides/slide53.xml><?xml version="1.0" encoding="utf-8"?>
 <p:sld xmlns:a="http://schemas.openxmlformats.org/drawingml/2006/main" xmlns:r="http://schemas.openxmlformats.org/officeDocument/2006/relationships" xmlns:p="http://schemas.openxmlformats.org/presentationml/2006/main">
   <p:cSld>
     <p:spTree>
@@ -13154,7 +14290,7 @@
 </p:sld>
 </file>
 
-<file path=ppt/slides/slide51.xml><?xml version="1.0" encoding="utf-8"?>
+<file path=ppt/slides/slide54.xml><?xml version="1.0" encoding="utf-8"?>
 <p:sld xmlns:a="http://schemas.openxmlformats.org/drawingml/2006/main" xmlns:r="http://schemas.openxmlformats.org/officeDocument/2006/relationships" xmlns:p="http://schemas.openxmlformats.org/presentationml/2006/main">
   <p:cSld>
     <p:spTree>
@@ -13318,266 +14454,6 @@
 </p:sld>
 </file>
 
-<file path=ppt/slides/slide52.xml><?xml version="1.0" encoding="utf-8"?>
-<p:sld xmlns:a="http://schemas.openxmlformats.org/drawingml/2006/main" xmlns:r="http://schemas.openxmlformats.org/officeDocument/2006/relationships" xmlns:p="http://schemas.openxmlformats.org/presentationml/2006/main">
-  <p:cSld>
-    <p:spTree>
-      <p:nvGrpSpPr>
-        <p:cNvPr id="1" name=""/>
-        <p:cNvGrpSpPr/>
-        <p:nvPr/>
-      </p:nvGrpSpPr>
-      <p:grpSpPr>
-        <a:xfrm>
-          <a:off x="0" y="0"/>
-          <a:ext cx="0" cy="0"/>
-          <a:chOff x="0" y="0"/>
-          <a:chExt cx="0" cy="0"/>
-        </a:xfrm>
-      </p:grpSpPr>
-      <p:sp>
-        <p:nvSpPr>
-          <p:cNvPr id="2" name="Title 1">
-            <a:extLst>
-              <a:ext uri="{FF2B5EF4-FFF2-40B4-BE49-F238E27FC236}">
-                <a16:creationId xmlns:a16="http://schemas.microsoft.com/office/drawing/2014/main" id="{D47AE450-0A86-4145-A882-CDDE02BB8F6D}"/>
-              </a:ext>
-            </a:extLst>
-          </p:cNvPr>
-          <p:cNvSpPr>
-            <a:spLocks noGrp="1"/>
-          </p:cNvSpPr>
-          <p:nvPr>
-            <p:ph type="title"/>
-          </p:nvPr>
-        </p:nvSpPr>
-        <p:spPr/>
-        <p:txBody>
-          <a:bodyPr/>
-          <a:lstStyle/>
-          <a:p>
-            <a:r>
-              <a:rPr lang="en-US" dirty="0" err="1"/>
-              <a:t>lubridate</a:t>
-            </a:r>
-            <a:r>
-              <a:rPr lang="en-US" dirty="0"/>
-              <a:t> </a:t>
-            </a:r>
-          </a:p>
-        </p:txBody>
-      </p:sp>
-      <p:pic>
-        <p:nvPicPr>
-          <p:cNvPr id="5" name="Content Placeholder 4" descr="A close up of a sign&#10;&#10;Description automatically generated">
-            <a:extLst>
-              <a:ext uri="{FF2B5EF4-FFF2-40B4-BE49-F238E27FC236}">
-                <a16:creationId xmlns:a16="http://schemas.microsoft.com/office/drawing/2014/main" id="{B7F093EA-B24E-43D5-8F84-FCD3C734E116}"/>
-              </a:ext>
-            </a:extLst>
-          </p:cNvPr>
-          <p:cNvPicPr>
-            <a:picLocks noGrp="1" noChangeAspect="1"/>
-          </p:cNvPicPr>
-          <p:nvPr>
-            <p:ph idx="1"/>
-          </p:nvPr>
-        </p:nvPicPr>
-        <p:blipFill>
-          <a:blip r:embed="rId2">
-            <a:extLst>
-              <a:ext uri="{28A0092B-C50C-407E-A947-70E740481C1C}">
-                <a14:useLocalDpi xmlns:a14="http://schemas.microsoft.com/office/drawing/2010/main" val="0"/>
-              </a:ext>
-            </a:extLst>
-          </a:blip>
-          <a:stretch>
-            <a:fillRect/>
-          </a:stretch>
-        </p:blipFill>
-        <p:spPr>
-          <a:xfrm>
-            <a:off x="10154093" y="-1"/>
-            <a:ext cx="2038117" cy="2360604"/>
-          </a:xfrm>
-        </p:spPr>
-      </p:pic>
-    </p:spTree>
-    <p:extLst>
-      <p:ext uri="{BB962C8B-B14F-4D97-AF65-F5344CB8AC3E}">
-        <p14:creationId xmlns:p14="http://schemas.microsoft.com/office/powerpoint/2010/main" val="1704550850"/>
-      </p:ext>
-    </p:extLst>
-  </p:cSld>
-  <p:clrMapOvr>
-    <a:masterClrMapping/>
-  </p:clrMapOvr>
-</p:sld>
-</file>
-
-<file path=ppt/slides/slide53.xml><?xml version="1.0" encoding="utf-8"?>
-<p:sld xmlns:a="http://schemas.openxmlformats.org/drawingml/2006/main" xmlns:r="http://schemas.openxmlformats.org/officeDocument/2006/relationships" xmlns:p="http://schemas.openxmlformats.org/presentationml/2006/main">
-  <p:cSld>
-    <p:spTree>
-      <p:nvGrpSpPr>
-        <p:cNvPr id="1" name=""/>
-        <p:cNvGrpSpPr/>
-        <p:nvPr/>
-      </p:nvGrpSpPr>
-      <p:grpSpPr>
-        <a:xfrm>
-          <a:off x="0" y="0"/>
-          <a:ext cx="0" cy="0"/>
-          <a:chOff x="0" y="0"/>
-          <a:chExt cx="0" cy="0"/>
-        </a:xfrm>
-      </p:grpSpPr>
-      <p:sp>
-        <p:nvSpPr>
-          <p:cNvPr id="2" name="Title 1">
-            <a:extLst>
-              <a:ext uri="{FF2B5EF4-FFF2-40B4-BE49-F238E27FC236}">
-                <a16:creationId xmlns:a16="http://schemas.microsoft.com/office/drawing/2014/main" id="{D47AE450-0A86-4145-A882-CDDE02BB8F6D}"/>
-              </a:ext>
-            </a:extLst>
-          </p:cNvPr>
-          <p:cNvSpPr>
-            <a:spLocks noGrp="1"/>
-          </p:cNvSpPr>
-          <p:nvPr>
-            <p:ph type="title"/>
-          </p:nvPr>
-        </p:nvSpPr>
-        <p:spPr/>
-        <p:txBody>
-          <a:bodyPr/>
-          <a:lstStyle/>
-          <a:p>
-            <a:r>
-              <a:rPr lang="en-US" dirty="0" err="1"/>
-              <a:t>tidyr</a:t>
-            </a:r>
-            <a:r>
-              <a:rPr lang="en-US" dirty="0"/>
-              <a:t> </a:t>
-            </a:r>
-          </a:p>
-        </p:txBody>
-      </p:sp>
-      <p:pic>
-        <p:nvPicPr>
-          <p:cNvPr id="5" name="Content Placeholder 4" descr="A close up of a sign&#10;&#10;Description automatically generated">
-            <a:extLst>
-              <a:ext uri="{FF2B5EF4-FFF2-40B4-BE49-F238E27FC236}">
-                <a16:creationId xmlns:a16="http://schemas.microsoft.com/office/drawing/2014/main" id="{6F67AF35-2B7A-4C55-96B1-13783FD832AE}"/>
-              </a:ext>
-            </a:extLst>
-          </p:cNvPr>
-          <p:cNvPicPr>
-            <a:picLocks noGrp="1" noChangeAspect="1"/>
-          </p:cNvPicPr>
-          <p:nvPr>
-            <p:ph idx="1"/>
-          </p:nvPr>
-        </p:nvPicPr>
-        <p:blipFill>
-          <a:blip r:embed="rId2">
-            <a:extLst>
-              <a:ext uri="{28A0092B-C50C-407E-A947-70E740481C1C}">
-                <a14:useLocalDpi xmlns:a14="http://schemas.microsoft.com/office/drawing/2010/main" val="0"/>
-              </a:ext>
-            </a:extLst>
-          </a:blip>
-          <a:stretch>
-            <a:fillRect/>
-          </a:stretch>
-        </p:blipFill>
-        <p:spPr>
-          <a:xfrm>
-            <a:off x="10173934" y="0"/>
-            <a:ext cx="2018066" cy="2339163"/>
-          </a:xfrm>
-        </p:spPr>
-      </p:pic>
-    </p:spTree>
-    <p:extLst>
-      <p:ext uri="{BB962C8B-B14F-4D97-AF65-F5344CB8AC3E}">
-        <p14:creationId xmlns:p14="http://schemas.microsoft.com/office/powerpoint/2010/main" val="867797078"/>
-      </p:ext>
-    </p:extLst>
-  </p:cSld>
-  <p:clrMapOvr>
-    <a:masterClrMapping/>
-  </p:clrMapOvr>
-</p:sld>
-</file>
-
-<file path=ppt/slides/slide54.xml><?xml version="1.0" encoding="utf-8"?>
-<p:sld xmlns:a="http://schemas.openxmlformats.org/drawingml/2006/main" xmlns:r="http://schemas.openxmlformats.org/officeDocument/2006/relationships" xmlns:p="http://schemas.openxmlformats.org/presentationml/2006/main">
-  <p:cSld>
-    <p:spTree>
-      <p:nvGrpSpPr>
-        <p:cNvPr id="1" name=""/>
-        <p:cNvGrpSpPr/>
-        <p:nvPr/>
-      </p:nvGrpSpPr>
-      <p:grpSpPr>
-        <a:xfrm>
-          <a:off x="0" y="0"/>
-          <a:ext cx="0" cy="0"/>
-          <a:chOff x="0" y="0"/>
-          <a:chExt cx="0" cy="0"/>
-        </a:xfrm>
-      </p:grpSpPr>
-      <p:sp>
-        <p:nvSpPr>
-          <p:cNvPr id="2" name="Title 1">
-            <a:extLst>
-              <a:ext uri="{FF2B5EF4-FFF2-40B4-BE49-F238E27FC236}">
-                <a16:creationId xmlns:a16="http://schemas.microsoft.com/office/drawing/2014/main" id="{2065DBF2-455B-4B76-BCA6-A21B8F8225E2}"/>
-              </a:ext>
-            </a:extLst>
-          </p:cNvPr>
-          <p:cNvSpPr>
-            <a:spLocks noGrp="1"/>
-          </p:cNvSpPr>
-          <p:nvPr>
-            <p:ph type="title"/>
-          </p:nvPr>
-        </p:nvSpPr>
-        <p:spPr>
-          <a:xfrm>
-            <a:off x="590227" y="2766218"/>
-            <a:ext cx="10515600" cy="1325563"/>
-          </a:xfrm>
-        </p:spPr>
-        <p:txBody>
-          <a:bodyPr>
-            <a:normAutofit/>
-          </a:bodyPr>
-          <a:lstStyle/>
-          <a:p>
-            <a:pPr algn="ctr"/>
-            <a:r>
-              <a:rPr lang="en-US" sz="6600" b="1" dirty="0"/>
-              <a:t>Other Thoughts</a:t>
-            </a:r>
-          </a:p>
-        </p:txBody>
-      </p:sp>
-    </p:spTree>
-    <p:extLst>
-      <p:ext uri="{BB962C8B-B14F-4D97-AF65-F5344CB8AC3E}">
-        <p14:creationId xmlns:p14="http://schemas.microsoft.com/office/powerpoint/2010/main" val="2691044531"/>
-      </p:ext>
-    </p:extLst>
-  </p:cSld>
-  <p:clrMapOvr>
-    <a:masterClrMapping/>
-  </p:clrMapOvr>
-</p:sld>
-</file>
-
 <file path=ppt/slides/slide55.xml><?xml version="1.0" encoding="utf-8"?>
 <p:sld xmlns:a="http://schemas.openxmlformats.org/drawingml/2006/main" xmlns:r="http://schemas.openxmlformats.org/officeDocument/2006/relationships" xmlns:p="http://schemas.openxmlformats.org/presentationml/2006/main">
   <p:cSld>
@@ -13600,7 +14476,7 @@
           <p:cNvPr id="2" name="Title 1">
             <a:extLst>
               <a:ext uri="{FF2B5EF4-FFF2-40B4-BE49-F238E27FC236}">
-                <a16:creationId xmlns:a16="http://schemas.microsoft.com/office/drawing/2014/main" id="{7AA9FC13-F043-41A8-81A0-02DDF0D668A7}"/>
+                <a16:creationId xmlns:a16="http://schemas.microsoft.com/office/drawing/2014/main" id="{D47AE450-0A86-4145-A882-CDDE02BB8F6D}"/>
               </a:ext>
             </a:extLst>
           </p:cNvPr>
@@ -13617,90 +14493,55 @@
           <a:lstStyle/>
           <a:p>
             <a:r>
-              <a:rPr lang="en-US" dirty="0"/>
-              <a:t>Best Practices</a:t>
-            </a:r>
-          </a:p>
-        </p:txBody>
-      </p:sp>
-      <p:sp>
-        <p:nvSpPr>
-          <p:cNvPr id="3" name="Content Placeholder 2">
-            <a:extLst>
-              <a:ext uri="{FF2B5EF4-FFF2-40B4-BE49-F238E27FC236}">
-                <a16:creationId xmlns:a16="http://schemas.microsoft.com/office/drawing/2014/main" id="{29B112FC-95E0-4A41-872B-81433FE8BEAF}"/>
-              </a:ext>
-            </a:extLst>
-          </p:cNvPr>
-          <p:cNvSpPr>
-            <a:spLocks noGrp="1"/>
-          </p:cNvSpPr>
+              <a:rPr lang="en-US" dirty="0" err="1"/>
+              <a:t>lubridate</a:t>
+            </a:r>
+            <a:r>
+              <a:rPr lang="en-US" dirty="0"/>
+              <a:t> </a:t>
+            </a:r>
+          </a:p>
+        </p:txBody>
+      </p:sp>
+      <p:pic>
+        <p:nvPicPr>
+          <p:cNvPr id="5" name="Content Placeholder 4" descr="A close up of a sign&#10;&#10;Description automatically generated">
+            <a:extLst>
+              <a:ext uri="{FF2B5EF4-FFF2-40B4-BE49-F238E27FC236}">
+                <a16:creationId xmlns:a16="http://schemas.microsoft.com/office/drawing/2014/main" id="{B7F093EA-B24E-43D5-8F84-FCD3C734E116}"/>
+              </a:ext>
+            </a:extLst>
+          </p:cNvPr>
+          <p:cNvPicPr>
+            <a:picLocks noGrp="1" noChangeAspect="1"/>
+          </p:cNvPicPr>
           <p:nvPr>
             <p:ph idx="1"/>
           </p:nvPr>
-        </p:nvSpPr>
-        <p:spPr/>
-        <p:txBody>
-          <a:bodyPr>
-            <a:normAutofit/>
-          </a:bodyPr>
-          <a:lstStyle/>
-          <a:p>
-            <a:r>
-              <a:rPr lang="en-US" dirty="0"/>
-              <a:t>R is not that great for tables but is excellent for figures</a:t>
-            </a:r>
-          </a:p>
-          <a:p>
-            <a:r>
-              <a:rPr lang="en-US" dirty="0"/>
-              <a:t>Don’t use spaces in filenames or directories if you can</a:t>
-            </a:r>
-          </a:p>
-          <a:p>
-            <a:pPr lvl="1"/>
-            <a:r>
-              <a:rPr lang="en-US" dirty="0"/>
-              <a:t>Name files descriptively </a:t>
-            </a:r>
-          </a:p>
-          <a:p>
-            <a:pPr lvl="1"/>
-            <a:r>
-              <a:rPr lang="en-US" dirty="0"/>
-              <a:t>Don’t overwrite previous files but rename them clearly</a:t>
-            </a:r>
-          </a:p>
-          <a:p>
-            <a:r>
-              <a:rPr lang="en-US" dirty="0"/>
-              <a:t>Use easy to understand variable names</a:t>
-            </a:r>
-          </a:p>
-          <a:p>
-            <a:r>
-              <a:rPr lang="en-US" dirty="0"/>
-              <a:t>Comment often and be VERY thorough, I can almost promise that you’ll experience frustration at yourself for not being clearer</a:t>
-            </a:r>
-          </a:p>
-          <a:p>
-            <a:r>
-              <a:rPr lang="en-US" dirty="0"/>
-              <a:t>Use several scripts that “link” together rather than one long one</a:t>
-            </a:r>
-          </a:p>
-          <a:p>
-            <a:endParaRPr lang="en-US" dirty="0"/>
-          </a:p>
-          <a:p>
-            <a:endParaRPr lang="en-US" dirty="0"/>
-          </a:p>
-        </p:txBody>
-      </p:sp>
+        </p:nvPicPr>
+        <p:blipFill>
+          <a:blip r:embed="rId2">
+            <a:extLst>
+              <a:ext uri="{28A0092B-C50C-407E-A947-70E740481C1C}">
+                <a14:useLocalDpi xmlns:a14="http://schemas.microsoft.com/office/drawing/2010/main" val="0"/>
+              </a:ext>
+            </a:extLst>
+          </a:blip>
+          <a:stretch>
+            <a:fillRect/>
+          </a:stretch>
+        </p:blipFill>
+        <p:spPr>
+          <a:xfrm>
+            <a:off x="10154093" y="-1"/>
+            <a:ext cx="2038117" cy="2360604"/>
+          </a:xfrm>
+        </p:spPr>
+      </p:pic>
     </p:spTree>
     <p:extLst>
       <p:ext uri="{BB962C8B-B14F-4D97-AF65-F5344CB8AC3E}">
-        <p14:creationId xmlns:p14="http://schemas.microsoft.com/office/powerpoint/2010/main" val="1321510377"/>
+        <p14:creationId xmlns:p14="http://schemas.microsoft.com/office/powerpoint/2010/main" val="1704550850"/>
       </p:ext>
     </p:extLst>
   </p:cSld>
@@ -13732,7 +14573,7 @@
           <p:cNvPr id="2" name="Title 1">
             <a:extLst>
               <a:ext uri="{FF2B5EF4-FFF2-40B4-BE49-F238E27FC236}">
-                <a16:creationId xmlns:a16="http://schemas.microsoft.com/office/drawing/2014/main" id="{7AA9FC13-F043-41A8-81A0-02DDF0D668A7}"/>
+                <a16:creationId xmlns:a16="http://schemas.microsoft.com/office/drawing/2014/main" id="{D47AE450-0A86-4145-A882-CDDE02BB8F6D}"/>
               </a:ext>
             </a:extLst>
           </p:cNvPr>
@@ -13749,83 +14590,55 @@
           <a:lstStyle/>
           <a:p>
             <a:r>
-              <a:rPr lang="en-US" dirty="0"/>
-              <a:t>Best Practices, cont.</a:t>
-            </a:r>
-          </a:p>
-        </p:txBody>
-      </p:sp>
-      <p:sp>
-        <p:nvSpPr>
-          <p:cNvPr id="3" name="Content Placeholder 2">
-            <a:extLst>
-              <a:ext uri="{FF2B5EF4-FFF2-40B4-BE49-F238E27FC236}">
-                <a16:creationId xmlns:a16="http://schemas.microsoft.com/office/drawing/2014/main" id="{29B112FC-95E0-4A41-872B-81433FE8BEAF}"/>
-              </a:ext>
-            </a:extLst>
-          </p:cNvPr>
-          <p:cNvSpPr>
-            <a:spLocks noGrp="1"/>
-          </p:cNvSpPr>
+              <a:rPr lang="en-US" dirty="0" err="1"/>
+              <a:t>tidyr</a:t>
+            </a:r>
+            <a:r>
+              <a:rPr lang="en-US" dirty="0"/>
+              <a:t> </a:t>
+            </a:r>
+          </a:p>
+        </p:txBody>
+      </p:sp>
+      <p:pic>
+        <p:nvPicPr>
+          <p:cNvPr id="5" name="Content Placeholder 4" descr="A close up of a sign&#10;&#10;Description automatically generated">
+            <a:extLst>
+              <a:ext uri="{FF2B5EF4-FFF2-40B4-BE49-F238E27FC236}">
+                <a16:creationId xmlns:a16="http://schemas.microsoft.com/office/drawing/2014/main" id="{6F67AF35-2B7A-4C55-96B1-13783FD832AE}"/>
+              </a:ext>
+            </a:extLst>
+          </p:cNvPr>
+          <p:cNvPicPr>
+            <a:picLocks noGrp="1" noChangeAspect="1"/>
+          </p:cNvPicPr>
           <p:nvPr>
             <p:ph idx="1"/>
           </p:nvPr>
-        </p:nvSpPr>
-        <p:spPr/>
-        <p:txBody>
-          <a:bodyPr>
-            <a:normAutofit/>
-          </a:bodyPr>
-          <a:lstStyle/>
-          <a:p>
-            <a:r>
-              <a:rPr lang="en-US" dirty="0"/>
-              <a:t>Update your R version and all packages often (unless you’re about to publish and need absolutely nothing to change)</a:t>
-            </a:r>
-          </a:p>
-          <a:p>
-            <a:r>
-              <a:rPr lang="en-US" dirty="0"/>
-              <a:t>Follow people on GitHub to read other people’s code and learn better coding practices</a:t>
-            </a:r>
-          </a:p>
-          <a:p>
-            <a:r>
-              <a:rPr lang="en-US" dirty="0"/>
-              <a:t>Read in data using .csv files (unless already in relational DB), never use </a:t>
-            </a:r>
-            <a:r>
-              <a:rPr lang="en-US" dirty="0" err="1"/>
-              <a:t>file.choose</a:t>
-            </a:r>
-            <a:r>
-              <a:rPr lang="en-US" dirty="0"/>
-              <a:t>(). Keep file paths relative and not static</a:t>
-            </a:r>
-          </a:p>
-          <a:p>
-            <a:r>
-              <a:rPr lang="en-US" dirty="0"/>
-              <a:t>Use “Projects” in </a:t>
-            </a:r>
-            <a:r>
-              <a:rPr lang="en-US" dirty="0" err="1"/>
-              <a:t>Rstudio</a:t>
-            </a:r>
-            <a:r>
-              <a:rPr lang="en-US" dirty="0"/>
-              <a:t> to keep scripts organized </a:t>
-            </a:r>
-          </a:p>
-          <a:p>
-            <a:endParaRPr lang="en-US" dirty="0"/>
-          </a:p>
-        </p:txBody>
-      </p:sp>
+        </p:nvPicPr>
+        <p:blipFill>
+          <a:blip r:embed="rId2">
+            <a:extLst>
+              <a:ext uri="{28A0092B-C50C-407E-A947-70E740481C1C}">
+                <a14:useLocalDpi xmlns:a14="http://schemas.microsoft.com/office/drawing/2010/main" val="0"/>
+              </a:ext>
+            </a:extLst>
+          </a:blip>
+          <a:stretch>
+            <a:fillRect/>
+          </a:stretch>
+        </p:blipFill>
+        <p:spPr>
+          <a:xfrm>
+            <a:off x="10173934" y="0"/>
+            <a:ext cx="2018066" cy="2339163"/>
+          </a:xfrm>
+        </p:spPr>
+      </p:pic>
     </p:spTree>
     <p:extLst>
       <p:ext uri="{BB962C8B-B14F-4D97-AF65-F5344CB8AC3E}">
-        <p14:creationId xmlns:p14="http://schemas.microsoft.com/office/powerpoint/2010/main" val="958719331"/>
+        <p14:creationId xmlns:p14="http://schemas.microsoft.com/office/powerpoint/2010/main" val="867797078"/>
       </p:ext>
     </p:extLst>
   </p:cSld>
@@ -13857,7 +14670,7 @@
           <p:cNvPr id="2" name="Title 1">
             <a:extLst>
               <a:ext uri="{FF2B5EF4-FFF2-40B4-BE49-F238E27FC236}">
-                <a16:creationId xmlns:a16="http://schemas.microsoft.com/office/drawing/2014/main" id="{1B0E87E4-B3EB-4D35-B2EF-500A6560BB80}"/>
+                <a16:creationId xmlns:a16="http://schemas.microsoft.com/office/drawing/2014/main" id="{2065DBF2-455B-4B76-BCA6-A21B8F8225E2}"/>
               </a:ext>
             </a:extLst>
           </p:cNvPr>
@@ -13868,117 +14681,22 @@
             <p:ph type="title"/>
           </p:nvPr>
         </p:nvSpPr>
-        <p:spPr/>
-        <p:txBody>
-          <a:bodyPr/>
-          <a:lstStyle/>
-          <a:p>
-            <a:r>
-              <a:rPr lang="en-US" dirty="0"/>
-              <a:t>Relative Paths</a:t>
-            </a:r>
-          </a:p>
-        </p:txBody>
-      </p:sp>
-      <p:sp>
-        <p:nvSpPr>
-          <p:cNvPr id="3" name="Content Placeholder 2">
-            <a:extLst>
-              <a:ext uri="{FF2B5EF4-FFF2-40B4-BE49-F238E27FC236}">
-                <a16:creationId xmlns:a16="http://schemas.microsoft.com/office/drawing/2014/main" id="{5B148F6F-495F-4D24-B73D-C041A7918700}"/>
-              </a:ext>
-            </a:extLst>
-          </p:cNvPr>
-          <p:cNvSpPr>
-            <a:spLocks noGrp="1"/>
-          </p:cNvSpPr>
-          <p:nvPr>
-            <p:ph idx="1"/>
-          </p:nvPr>
-        </p:nvSpPr>
-        <p:spPr/>
+        <p:spPr>
+          <a:xfrm>
+            <a:off x="590227" y="2766218"/>
+            <a:ext cx="10515600" cy="1325563"/>
+          </a:xfrm>
+        </p:spPr>
         <p:txBody>
           <a:bodyPr>
             <a:normAutofit/>
           </a:bodyPr>
           <a:lstStyle/>
           <a:p>
-            <a:pPr marL="0" indent="0">
-              <a:buNone/>
-            </a:pPr>
-            <a:r>
-              <a:rPr lang="en-US" dirty="0"/>
-              <a:t>If the first line of your R script is</a:t>
-            </a:r>
-          </a:p>
-          <a:p>
-            <a:pPr marL="0" indent="0">
-              <a:buNone/>
-            </a:pPr>
-            <a:r>
-              <a:rPr lang="en-US" dirty="0" err="1">
-                <a:latin typeface="Consolas" panose="020B0609020204030204" pitchFamily="49" charset="0"/>
-              </a:rPr>
-              <a:t>setwd</a:t>
-            </a:r>
-            <a:r>
-              <a:rPr lang="en-US" dirty="0">
-                <a:latin typeface="Consolas" panose="020B0609020204030204" pitchFamily="49" charset="0"/>
-              </a:rPr>
-              <a:t>("C:\Users\jenny\path\that\only\I\have")</a:t>
-            </a:r>
-          </a:p>
-          <a:p>
-            <a:pPr marL="0" indent="0">
-              <a:buNone/>
-            </a:pPr>
-            <a:r>
-              <a:rPr lang="en-US" dirty="0"/>
-              <a:t>I will come into your office and SET YOUR COMPUTER ON FIRE </a:t>
-            </a:r>
-          </a:p>
-          <a:p>
-            <a:pPr marL="0" indent="0">
-              <a:buNone/>
-            </a:pPr>
-            <a:endParaRPr lang="en-US" dirty="0"/>
-          </a:p>
-          <a:p>
-            <a:pPr marL="0" indent="0">
-              <a:buNone/>
-            </a:pPr>
-            <a:r>
-              <a:rPr lang="en-US" dirty="0"/>
-              <a:t>If the first line of your R script is</a:t>
-            </a:r>
-          </a:p>
-          <a:p>
-            <a:pPr marL="0" indent="0">
-              <a:buNone/>
-            </a:pPr>
-            <a:r>
-              <a:rPr lang="en-US" dirty="0">
-                <a:latin typeface="Consolas" panose="020B0609020204030204" pitchFamily="49" charset="0"/>
-              </a:rPr>
-              <a:t>rm(list = ls())</a:t>
-            </a:r>
-          </a:p>
-          <a:p>
-            <a:pPr marL="0" indent="0">
-              <a:buNone/>
-            </a:pPr>
-            <a:r>
-              <a:rPr lang="en-US" dirty="0"/>
-              <a:t>I will come into your office and SET YOUR COMPUTER ON FIRE </a:t>
-            </a:r>
-          </a:p>
-          <a:p>
-            <a:pPr marL="0" indent="0">
-              <a:buNone/>
-            </a:pPr>
-            <a:r>
-              <a:rPr lang="en-US" dirty="0"/>
-              <a:t>- Jenny Bryan</a:t>
+            <a:pPr algn="ctr"/>
+            <a:r>
+              <a:rPr lang="en-US" sz="6600" b="1" dirty="0"/>
+              <a:t>Other Thoughts</a:t>
             </a:r>
           </a:p>
         </p:txBody>
@@ -13986,7 +14704,7 @@
     </p:spTree>
     <p:extLst>
       <p:ext uri="{BB962C8B-B14F-4D97-AF65-F5344CB8AC3E}">
-        <p14:creationId xmlns:p14="http://schemas.microsoft.com/office/powerpoint/2010/main" val="172944523"/>
+        <p14:creationId xmlns:p14="http://schemas.microsoft.com/office/powerpoint/2010/main" val="2691044531"/>
       </p:ext>
     </p:extLst>
   </p:cSld>
@@ -14018,7 +14736,7 @@
           <p:cNvPr id="2" name="Title 1">
             <a:extLst>
               <a:ext uri="{FF2B5EF4-FFF2-40B4-BE49-F238E27FC236}">
-                <a16:creationId xmlns:a16="http://schemas.microsoft.com/office/drawing/2014/main" id="{A8B263A1-0B57-49D0-8BAD-2FFF0A3ECCF3}"/>
+                <a16:creationId xmlns:a16="http://schemas.microsoft.com/office/drawing/2014/main" id="{7AA9FC13-F043-41A8-81A0-02DDF0D668A7}"/>
               </a:ext>
             </a:extLst>
           </p:cNvPr>
@@ -14036,7 +14754,7 @@
           <a:p>
             <a:r>
               <a:rPr lang="en-US" dirty="0"/>
-              <a:t>Relative Paths</a:t>
+              <a:t>Best Practices</a:t>
             </a:r>
           </a:p>
         </p:txBody>
@@ -14046,7 +14764,7 @@
           <p:cNvPr id="3" name="Content Placeholder 2">
             <a:extLst>
               <a:ext uri="{FF2B5EF4-FFF2-40B4-BE49-F238E27FC236}">
-                <a16:creationId xmlns:a16="http://schemas.microsoft.com/office/drawing/2014/main" id="{1A0D5306-C930-43F4-8BCB-2BD25E00A0AD}"/>
+                <a16:creationId xmlns:a16="http://schemas.microsoft.com/office/drawing/2014/main" id="{29B112FC-95E0-4A41-872B-81433FE8BEAF}"/>
               </a:ext>
             </a:extLst>
           </p:cNvPr>
@@ -14059,29 +14777,56 @@
         </p:nvSpPr>
         <p:spPr/>
         <p:txBody>
-          <a:bodyPr/>
-          <a:lstStyle/>
-          <a:p>
-            <a:r>
-              <a:rPr lang="en-US" dirty="0"/>
-              <a:t>Why is this a bad idea?</a:t>
+          <a:bodyPr>
+            <a:normAutofit/>
+          </a:bodyPr>
+          <a:lstStyle/>
+          <a:p>
+            <a:r>
+              <a:rPr lang="en-US" dirty="0"/>
+              <a:t>R is not that great for tables but is excellent for figures</a:t>
+            </a:r>
+          </a:p>
+          <a:p>
+            <a:r>
+              <a:rPr lang="en-US" dirty="0"/>
+              <a:t>Don’t use spaces in filenames or directories if you can</a:t>
             </a:r>
           </a:p>
           <a:p>
             <a:pPr lvl="1"/>
             <a:r>
               <a:rPr lang="en-US" dirty="0"/>
-              <a:t>If you will be the only person to ever run this code and you will absolutely never change computers, it’s fine to keep it this way. </a:t>
+              <a:t>Name files descriptively </a:t>
+            </a:r>
+          </a:p>
+          <a:p>
+            <a:pPr lvl="1"/>
+            <a:r>
+              <a:rPr lang="en-US" dirty="0"/>
+              <a:t>Don’t overwrite previous files but rename them clearly</a:t>
+            </a:r>
+          </a:p>
+          <a:p>
+            <a:r>
+              <a:rPr lang="en-US" dirty="0"/>
+              <a:t>Use easy to understand variable names</a:t>
+            </a:r>
+          </a:p>
+          <a:p>
+            <a:r>
+              <a:rPr lang="en-US" dirty="0"/>
+              <a:t>Comment often and be VERY thorough, I can almost promise that you’ll experience frustration at yourself for not being clearer</a:t>
+            </a:r>
+          </a:p>
+          <a:p>
+            <a:r>
+              <a:rPr lang="en-US" dirty="0"/>
+              <a:t>Use several scripts that “link” together rather than one long one</a:t>
             </a:r>
           </a:p>
           <a:p>
             <a:endParaRPr lang="en-US" dirty="0"/>
-          </a:p>
-          <a:p>
-            <a:r>
-              <a:rPr lang="en-US" dirty="0"/>
-              <a:t>The solution: Use relative paths and RStudio projects</a:t>
-            </a:r>
           </a:p>
           <a:p>
             <a:endParaRPr lang="en-US" dirty="0"/>
@@ -14091,7 +14836,7 @@
     </p:spTree>
     <p:extLst>
       <p:ext uri="{BB962C8B-B14F-4D97-AF65-F5344CB8AC3E}">
-        <p14:creationId xmlns:p14="http://schemas.microsoft.com/office/powerpoint/2010/main" val="2878368149"/>
+        <p14:creationId xmlns:p14="http://schemas.microsoft.com/office/powerpoint/2010/main" val="1321510377"/>
       </p:ext>
     </p:extLst>
   </p:cSld>
@@ -14123,7 +14868,7 @@
           <p:cNvPr id="2" name="Title 1">
             <a:extLst>
               <a:ext uri="{FF2B5EF4-FFF2-40B4-BE49-F238E27FC236}">
-                <a16:creationId xmlns:a16="http://schemas.microsoft.com/office/drawing/2014/main" id="{83C0639A-06BB-4F48-92DF-7A70CCA94403}"/>
+                <a16:creationId xmlns:a16="http://schemas.microsoft.com/office/drawing/2014/main" id="{7AA9FC13-F043-41A8-81A0-02DDF0D668A7}"/>
               </a:ext>
             </a:extLst>
           </p:cNvPr>
@@ -14141,7 +14886,7 @@
           <a:p>
             <a:r>
               <a:rPr lang="en-US" dirty="0"/>
-              <a:t>Not Covered</a:t>
+              <a:t>Best Practices, cont.</a:t>
             </a:r>
           </a:p>
         </p:txBody>
@@ -14151,7 +14896,7 @@
           <p:cNvPr id="3" name="Content Placeholder 2">
             <a:extLst>
               <a:ext uri="{FF2B5EF4-FFF2-40B4-BE49-F238E27FC236}">
-                <a16:creationId xmlns:a16="http://schemas.microsoft.com/office/drawing/2014/main" id="{E0EA90D0-3CC9-4065-812A-EEE75D6AFEAA}"/>
+                <a16:creationId xmlns:a16="http://schemas.microsoft.com/office/drawing/2014/main" id="{29B112FC-95E0-4A41-872B-81433FE8BEAF}"/>
               </a:ext>
             </a:extLst>
           </p:cNvPr>
@@ -14164,51 +14909,59 @@
         </p:nvSpPr>
         <p:spPr/>
         <p:txBody>
-          <a:bodyPr/>
-          <a:lstStyle/>
-          <a:p>
-            <a:pPr marL="0" indent="0">
-              <a:buNone/>
-            </a:pPr>
-            <a:r>
-              <a:rPr lang="en-US" dirty="0"/>
-              <a:t>So many things weren’t covered but some of the more interesting that you can look into are:</a:t>
-            </a:r>
-          </a:p>
-          <a:p>
-            <a:r>
-              <a:rPr lang="en-US" dirty="0"/>
-              <a:t>GitHub – Can sync your files to the internet which makes life MUCH simpler, especially if you are collaborating. Highly recommended</a:t>
-            </a:r>
-          </a:p>
-          <a:p>
+          <a:bodyPr>
+            <a:normAutofit/>
+          </a:bodyPr>
+          <a:lstStyle/>
+          <a:p>
+            <a:r>
+              <a:rPr lang="en-US" dirty="0"/>
+              <a:t>Update your R version and all packages often (unless you’re about to publish and need absolutely nothing to change)</a:t>
+            </a:r>
+          </a:p>
+          <a:p>
+            <a:r>
+              <a:rPr lang="en-US" dirty="0"/>
+              <a:t>Follow people on GitHub to read other people’s code and learn better coding practices</a:t>
+            </a:r>
+          </a:p>
+          <a:p>
+            <a:r>
+              <a:rPr lang="en-US" dirty="0"/>
+              <a:t>Read in data using .csv files (unless already in relational DB), never use </a:t>
+            </a:r>
             <a:r>
               <a:rPr lang="en-US" dirty="0" err="1"/>
-              <a:t>Rmarkdown</a:t>
-            </a:r>
-            <a:r>
-              <a:rPr lang="en-US" dirty="0"/>
-              <a:t> – Create PDF, HTML, Word etc. files embedded with your R script outputs. Allows automatic report creations</a:t>
-            </a:r>
-          </a:p>
-          <a:p>
-            <a:r>
-              <a:rPr lang="en-US" dirty="0"/>
-              <a:t>Shiny – This package allows for the creation of interactive apps</a:t>
-            </a:r>
-          </a:p>
-          <a:p>
-            <a:r>
-              <a:rPr lang="en-US" dirty="0"/>
-              <a:t>Spatial Analysis – Unique enough analyses to warrant its own discipline. If you can do it with ArcGIS, you can probably do it with R </a:t>
-            </a:r>
+              <a:t>file.choose</a:t>
+            </a:r>
+            <a:r>
+              <a:rPr lang="en-US" dirty="0"/>
+              <a:t>(). Keep file paths relative and not static</a:t>
+            </a:r>
+          </a:p>
+          <a:p>
+            <a:r>
+              <a:rPr lang="en-US" dirty="0"/>
+              <a:t>Use “Projects” in </a:t>
+            </a:r>
+            <a:r>
+              <a:rPr lang="en-US" dirty="0" err="1"/>
+              <a:t>Rstudio</a:t>
+            </a:r>
+            <a:r>
+              <a:rPr lang="en-US" dirty="0"/>
+              <a:t> to keep scripts organized </a:t>
+            </a:r>
+          </a:p>
+          <a:p>
+            <a:endParaRPr lang="en-US" dirty="0"/>
           </a:p>
         </p:txBody>
       </p:sp>
     </p:spTree>
     <p:extLst>
       <p:ext uri="{BB962C8B-B14F-4D97-AF65-F5344CB8AC3E}">
-        <p14:creationId xmlns:p14="http://schemas.microsoft.com/office/powerpoint/2010/main" val="563703289"/>
+        <p14:creationId xmlns:p14="http://schemas.microsoft.com/office/powerpoint/2010/main" val="958719331"/>
       </p:ext>
     </p:extLst>
   </p:cSld>
@@ -14787,6 +15540,389 @@
           <p:cNvPr id="2" name="Title 1">
             <a:extLst>
               <a:ext uri="{FF2B5EF4-FFF2-40B4-BE49-F238E27FC236}">
+                <a16:creationId xmlns:a16="http://schemas.microsoft.com/office/drawing/2014/main" id="{1B0E87E4-B3EB-4D35-B2EF-500A6560BB80}"/>
+              </a:ext>
+            </a:extLst>
+          </p:cNvPr>
+          <p:cNvSpPr>
+            <a:spLocks noGrp="1"/>
+          </p:cNvSpPr>
+          <p:nvPr>
+            <p:ph type="title"/>
+          </p:nvPr>
+        </p:nvSpPr>
+        <p:spPr/>
+        <p:txBody>
+          <a:bodyPr/>
+          <a:lstStyle/>
+          <a:p>
+            <a:r>
+              <a:rPr lang="en-US" dirty="0"/>
+              <a:t>Relative Paths</a:t>
+            </a:r>
+          </a:p>
+        </p:txBody>
+      </p:sp>
+      <p:sp>
+        <p:nvSpPr>
+          <p:cNvPr id="3" name="Content Placeholder 2">
+            <a:extLst>
+              <a:ext uri="{FF2B5EF4-FFF2-40B4-BE49-F238E27FC236}">
+                <a16:creationId xmlns:a16="http://schemas.microsoft.com/office/drawing/2014/main" id="{5B148F6F-495F-4D24-B73D-C041A7918700}"/>
+              </a:ext>
+            </a:extLst>
+          </p:cNvPr>
+          <p:cNvSpPr>
+            <a:spLocks noGrp="1"/>
+          </p:cNvSpPr>
+          <p:nvPr>
+            <p:ph idx="1"/>
+          </p:nvPr>
+        </p:nvSpPr>
+        <p:spPr/>
+        <p:txBody>
+          <a:bodyPr>
+            <a:normAutofit/>
+          </a:bodyPr>
+          <a:lstStyle/>
+          <a:p>
+            <a:pPr marL="0" indent="0">
+              <a:buNone/>
+            </a:pPr>
+            <a:r>
+              <a:rPr lang="en-US" dirty="0"/>
+              <a:t>If the first line of your R script is</a:t>
+            </a:r>
+          </a:p>
+          <a:p>
+            <a:pPr marL="0" indent="0">
+              <a:buNone/>
+            </a:pPr>
+            <a:r>
+              <a:rPr lang="en-US" dirty="0" err="1">
+                <a:latin typeface="Consolas" panose="020B0609020204030204" pitchFamily="49" charset="0"/>
+              </a:rPr>
+              <a:t>setwd</a:t>
+            </a:r>
+            <a:r>
+              <a:rPr lang="en-US" dirty="0">
+                <a:latin typeface="Consolas" panose="020B0609020204030204" pitchFamily="49" charset="0"/>
+              </a:rPr>
+              <a:t>("C:\Users\jenny\path\that\only\I\have")</a:t>
+            </a:r>
+          </a:p>
+          <a:p>
+            <a:pPr marL="0" indent="0">
+              <a:buNone/>
+            </a:pPr>
+            <a:r>
+              <a:rPr lang="en-US" dirty="0"/>
+              <a:t>I will come into your office and SET YOUR COMPUTER ON FIRE </a:t>
+            </a:r>
+          </a:p>
+          <a:p>
+            <a:pPr marL="0" indent="0">
+              <a:buNone/>
+            </a:pPr>
+            <a:endParaRPr lang="en-US" dirty="0"/>
+          </a:p>
+          <a:p>
+            <a:pPr marL="0" indent="0">
+              <a:buNone/>
+            </a:pPr>
+            <a:r>
+              <a:rPr lang="en-US" dirty="0"/>
+              <a:t>If the first line of your R script is</a:t>
+            </a:r>
+          </a:p>
+          <a:p>
+            <a:pPr marL="0" indent="0">
+              <a:buNone/>
+            </a:pPr>
+            <a:r>
+              <a:rPr lang="en-US" dirty="0">
+                <a:latin typeface="Consolas" panose="020B0609020204030204" pitchFamily="49" charset="0"/>
+              </a:rPr>
+              <a:t>rm(list = ls())</a:t>
+            </a:r>
+          </a:p>
+          <a:p>
+            <a:pPr marL="0" indent="0">
+              <a:buNone/>
+            </a:pPr>
+            <a:r>
+              <a:rPr lang="en-US" dirty="0"/>
+              <a:t>I will come into your office and SET YOUR COMPUTER ON FIRE </a:t>
+            </a:r>
+          </a:p>
+          <a:p>
+            <a:pPr marL="0" indent="0">
+              <a:buNone/>
+            </a:pPr>
+            <a:r>
+              <a:rPr lang="en-US" dirty="0"/>
+              <a:t>- Jenny Bryan</a:t>
+            </a:r>
+          </a:p>
+        </p:txBody>
+      </p:sp>
+    </p:spTree>
+    <p:extLst>
+      <p:ext uri="{BB962C8B-B14F-4D97-AF65-F5344CB8AC3E}">
+        <p14:creationId xmlns:p14="http://schemas.microsoft.com/office/powerpoint/2010/main" val="172944523"/>
+      </p:ext>
+    </p:extLst>
+  </p:cSld>
+  <p:clrMapOvr>
+    <a:masterClrMapping/>
+  </p:clrMapOvr>
+</p:sld>
+</file>
+
+<file path=ppt/slides/slide61.xml><?xml version="1.0" encoding="utf-8"?>
+<p:sld xmlns:a="http://schemas.openxmlformats.org/drawingml/2006/main" xmlns:r="http://schemas.openxmlformats.org/officeDocument/2006/relationships" xmlns:p="http://schemas.openxmlformats.org/presentationml/2006/main">
+  <p:cSld>
+    <p:spTree>
+      <p:nvGrpSpPr>
+        <p:cNvPr id="1" name=""/>
+        <p:cNvGrpSpPr/>
+        <p:nvPr/>
+      </p:nvGrpSpPr>
+      <p:grpSpPr>
+        <a:xfrm>
+          <a:off x="0" y="0"/>
+          <a:ext cx="0" cy="0"/>
+          <a:chOff x="0" y="0"/>
+          <a:chExt cx="0" cy="0"/>
+        </a:xfrm>
+      </p:grpSpPr>
+      <p:sp>
+        <p:nvSpPr>
+          <p:cNvPr id="2" name="Title 1">
+            <a:extLst>
+              <a:ext uri="{FF2B5EF4-FFF2-40B4-BE49-F238E27FC236}">
+                <a16:creationId xmlns:a16="http://schemas.microsoft.com/office/drawing/2014/main" id="{A8B263A1-0B57-49D0-8BAD-2FFF0A3ECCF3}"/>
+              </a:ext>
+            </a:extLst>
+          </p:cNvPr>
+          <p:cNvSpPr>
+            <a:spLocks noGrp="1"/>
+          </p:cNvSpPr>
+          <p:nvPr>
+            <p:ph type="title"/>
+          </p:nvPr>
+        </p:nvSpPr>
+        <p:spPr/>
+        <p:txBody>
+          <a:bodyPr/>
+          <a:lstStyle/>
+          <a:p>
+            <a:r>
+              <a:rPr lang="en-US" dirty="0"/>
+              <a:t>Relative Paths</a:t>
+            </a:r>
+          </a:p>
+        </p:txBody>
+      </p:sp>
+      <p:sp>
+        <p:nvSpPr>
+          <p:cNvPr id="3" name="Content Placeholder 2">
+            <a:extLst>
+              <a:ext uri="{FF2B5EF4-FFF2-40B4-BE49-F238E27FC236}">
+                <a16:creationId xmlns:a16="http://schemas.microsoft.com/office/drawing/2014/main" id="{1A0D5306-C930-43F4-8BCB-2BD25E00A0AD}"/>
+              </a:ext>
+            </a:extLst>
+          </p:cNvPr>
+          <p:cNvSpPr>
+            <a:spLocks noGrp="1"/>
+          </p:cNvSpPr>
+          <p:nvPr>
+            <p:ph idx="1"/>
+          </p:nvPr>
+        </p:nvSpPr>
+        <p:spPr/>
+        <p:txBody>
+          <a:bodyPr/>
+          <a:lstStyle/>
+          <a:p>
+            <a:r>
+              <a:rPr lang="en-US" dirty="0"/>
+              <a:t>Why is this a bad idea?</a:t>
+            </a:r>
+          </a:p>
+          <a:p>
+            <a:pPr lvl="1"/>
+            <a:r>
+              <a:rPr lang="en-US" dirty="0"/>
+              <a:t>If you will be the only person to ever run this code and you will absolutely never change computers, it’s fine to keep it this way. </a:t>
+            </a:r>
+          </a:p>
+          <a:p>
+            <a:endParaRPr lang="en-US" dirty="0"/>
+          </a:p>
+          <a:p>
+            <a:r>
+              <a:rPr lang="en-US" dirty="0"/>
+              <a:t>The solution: Use relative paths and RStudio projects</a:t>
+            </a:r>
+          </a:p>
+          <a:p>
+            <a:endParaRPr lang="en-US" dirty="0"/>
+          </a:p>
+        </p:txBody>
+      </p:sp>
+    </p:spTree>
+    <p:extLst>
+      <p:ext uri="{BB962C8B-B14F-4D97-AF65-F5344CB8AC3E}">
+        <p14:creationId xmlns:p14="http://schemas.microsoft.com/office/powerpoint/2010/main" val="2878368149"/>
+      </p:ext>
+    </p:extLst>
+  </p:cSld>
+  <p:clrMapOvr>
+    <a:masterClrMapping/>
+  </p:clrMapOvr>
+</p:sld>
+</file>
+
+<file path=ppt/slides/slide62.xml><?xml version="1.0" encoding="utf-8"?>
+<p:sld xmlns:a="http://schemas.openxmlformats.org/drawingml/2006/main" xmlns:r="http://schemas.openxmlformats.org/officeDocument/2006/relationships" xmlns:p="http://schemas.openxmlformats.org/presentationml/2006/main">
+  <p:cSld>
+    <p:spTree>
+      <p:nvGrpSpPr>
+        <p:cNvPr id="1" name=""/>
+        <p:cNvGrpSpPr/>
+        <p:nvPr/>
+      </p:nvGrpSpPr>
+      <p:grpSpPr>
+        <a:xfrm>
+          <a:off x="0" y="0"/>
+          <a:ext cx="0" cy="0"/>
+          <a:chOff x="0" y="0"/>
+          <a:chExt cx="0" cy="0"/>
+        </a:xfrm>
+      </p:grpSpPr>
+      <p:sp>
+        <p:nvSpPr>
+          <p:cNvPr id="2" name="Title 1">
+            <a:extLst>
+              <a:ext uri="{FF2B5EF4-FFF2-40B4-BE49-F238E27FC236}">
+                <a16:creationId xmlns:a16="http://schemas.microsoft.com/office/drawing/2014/main" id="{83C0639A-06BB-4F48-92DF-7A70CCA94403}"/>
+              </a:ext>
+            </a:extLst>
+          </p:cNvPr>
+          <p:cNvSpPr>
+            <a:spLocks noGrp="1"/>
+          </p:cNvSpPr>
+          <p:nvPr>
+            <p:ph type="title"/>
+          </p:nvPr>
+        </p:nvSpPr>
+        <p:spPr/>
+        <p:txBody>
+          <a:bodyPr/>
+          <a:lstStyle/>
+          <a:p>
+            <a:r>
+              <a:rPr lang="en-US" dirty="0"/>
+              <a:t>Not Covered</a:t>
+            </a:r>
+          </a:p>
+        </p:txBody>
+      </p:sp>
+      <p:sp>
+        <p:nvSpPr>
+          <p:cNvPr id="3" name="Content Placeholder 2">
+            <a:extLst>
+              <a:ext uri="{FF2B5EF4-FFF2-40B4-BE49-F238E27FC236}">
+                <a16:creationId xmlns:a16="http://schemas.microsoft.com/office/drawing/2014/main" id="{E0EA90D0-3CC9-4065-812A-EEE75D6AFEAA}"/>
+              </a:ext>
+            </a:extLst>
+          </p:cNvPr>
+          <p:cNvSpPr>
+            <a:spLocks noGrp="1"/>
+          </p:cNvSpPr>
+          <p:nvPr>
+            <p:ph idx="1"/>
+          </p:nvPr>
+        </p:nvSpPr>
+        <p:spPr/>
+        <p:txBody>
+          <a:bodyPr/>
+          <a:lstStyle/>
+          <a:p>
+            <a:pPr marL="0" indent="0">
+              <a:buNone/>
+            </a:pPr>
+            <a:r>
+              <a:rPr lang="en-US" dirty="0"/>
+              <a:t>So many things weren’t covered but some of the more interesting that you can look into are:</a:t>
+            </a:r>
+          </a:p>
+          <a:p>
+            <a:r>
+              <a:rPr lang="en-US" dirty="0"/>
+              <a:t>GitHub – Can sync your files to the internet which makes life MUCH simpler, especially if you are collaborating. Highly recommended</a:t>
+            </a:r>
+          </a:p>
+          <a:p>
+            <a:r>
+              <a:rPr lang="en-US" dirty="0" err="1"/>
+              <a:t>Rmarkdown</a:t>
+            </a:r>
+            <a:r>
+              <a:rPr lang="en-US" dirty="0"/>
+              <a:t> – Create PDF, HTML, Word etc. files embedded with your R script outputs. Allows automatic report creations</a:t>
+            </a:r>
+          </a:p>
+          <a:p>
+            <a:r>
+              <a:rPr lang="en-US" dirty="0"/>
+              <a:t>Shiny – This package allows for the creation of interactive apps</a:t>
+            </a:r>
+          </a:p>
+          <a:p>
+            <a:r>
+              <a:rPr lang="en-US" dirty="0"/>
+              <a:t>Spatial Analysis – Unique enough analyses to warrant its own discipline. If you can do it with ArcGIS, you can probably do it with R </a:t>
+            </a:r>
+          </a:p>
+        </p:txBody>
+      </p:sp>
+    </p:spTree>
+    <p:extLst>
+      <p:ext uri="{BB962C8B-B14F-4D97-AF65-F5344CB8AC3E}">
+        <p14:creationId xmlns:p14="http://schemas.microsoft.com/office/powerpoint/2010/main" val="563703289"/>
+      </p:ext>
+    </p:extLst>
+  </p:cSld>
+  <p:clrMapOvr>
+    <a:masterClrMapping/>
+  </p:clrMapOvr>
+</p:sld>
+</file>
+
+<file path=ppt/slides/slide63.xml><?xml version="1.0" encoding="utf-8"?>
+<p:sld xmlns:a="http://schemas.openxmlformats.org/drawingml/2006/main" xmlns:r="http://schemas.openxmlformats.org/officeDocument/2006/relationships" xmlns:p="http://schemas.openxmlformats.org/presentationml/2006/main">
+  <p:cSld>
+    <p:spTree>
+      <p:nvGrpSpPr>
+        <p:cNvPr id="1" name=""/>
+        <p:cNvGrpSpPr/>
+        <p:nvPr/>
+      </p:nvGrpSpPr>
+      <p:grpSpPr>
+        <a:xfrm>
+          <a:off x="0" y="0"/>
+          <a:ext cx="0" cy="0"/>
+          <a:chOff x="0" y="0"/>
+          <a:chExt cx="0" cy="0"/>
+        </a:xfrm>
+      </p:grpSpPr>
+      <p:sp>
+        <p:nvSpPr>
+          <p:cNvPr id="2" name="Title 1">
+            <a:extLst>
+              <a:ext uri="{FF2B5EF4-FFF2-40B4-BE49-F238E27FC236}">
                 <a16:creationId xmlns:a16="http://schemas.microsoft.com/office/drawing/2014/main" id="{9864D873-9229-4D12-A564-14D83263C5AC}"/>
               </a:ext>
             </a:extLst>
@@ -14878,7 +16014,7 @@
 </p:sld>
 </file>
 
-<file path=ppt/slides/slide61.xml><?xml version="1.0" encoding="utf-8"?>
+<file path=ppt/slides/slide64.xml><?xml version="1.0" encoding="utf-8"?>
 <p:sld xmlns:a="http://schemas.openxmlformats.org/drawingml/2006/main" xmlns:r="http://schemas.openxmlformats.org/officeDocument/2006/relationships" xmlns:p="http://schemas.openxmlformats.org/presentationml/2006/main">
   <p:cSld>
     <p:spTree>
@@ -15114,7 +16250,7 @@
 </p:sld>
 </file>
 
-<file path=ppt/slides/slide62.xml><?xml version="1.0" encoding="utf-8"?>
+<file path=ppt/slides/slide65.xml><?xml version="1.0" encoding="utf-8"?>
 <p:sld xmlns:a="http://schemas.openxmlformats.org/drawingml/2006/main" xmlns:r="http://schemas.openxmlformats.org/officeDocument/2006/relationships" xmlns:p="http://schemas.openxmlformats.org/presentationml/2006/main">
   <p:cSld>
     <p:spTree>
@@ -15251,7 +16387,7 @@
 </p:sld>
 </file>
 
-<file path=ppt/slides/slide63.xml><?xml version="1.0" encoding="utf-8"?>
+<file path=ppt/slides/slide66.xml><?xml version="1.0" encoding="utf-8"?>
 <p:sld xmlns:a="http://schemas.openxmlformats.org/drawingml/2006/main" xmlns:r="http://schemas.openxmlformats.org/officeDocument/2006/relationships" xmlns:p="http://schemas.openxmlformats.org/presentationml/2006/main">
   <p:cSld>
     <p:spTree>
@@ -15405,7 +16541,7 @@
 </p:sld>
 </file>
 
-<file path=ppt/slides/slide64.xml><?xml version="1.0" encoding="utf-8"?>
+<file path=ppt/slides/slide67.xml><?xml version="1.0" encoding="utf-8"?>
 <p:sld xmlns:a="http://schemas.openxmlformats.org/drawingml/2006/main" xmlns:r="http://schemas.openxmlformats.org/officeDocument/2006/relationships" xmlns:p="http://schemas.openxmlformats.org/presentationml/2006/main">
   <p:cSld>
     <p:spTree>
@@ -15581,7 +16717,7 @@
 </p:sld>
 </file>
 
-<file path=ppt/slides/slide65.xml><?xml version="1.0" encoding="utf-8"?>
+<file path=ppt/slides/slide68.xml><?xml version="1.0" encoding="utf-8"?>
 <p:sld xmlns:a="http://schemas.openxmlformats.org/drawingml/2006/main" xmlns:r="http://schemas.openxmlformats.org/officeDocument/2006/relationships" xmlns:p="http://schemas.openxmlformats.org/presentationml/2006/main">
   <p:cSld>
     <p:spTree>
